--- a/final presentation b.pptx
+++ b/final presentation b.pptx
@@ -5,8 +5,13 @@
     <p:sldMasterId id="2147483683" r:id="rId1"/>
   </p:sldMasterIdLst>
   <p:sldIdLst>
-    <p:sldId id="268" r:id="rId2"/>
-    <p:sldId id="267" r:id="rId3"/>
+    <p:sldId id="256" r:id="rId2"/>
+    <p:sldId id="263" r:id="rId3"/>
+    <p:sldId id="269" r:id="rId4"/>
+    <p:sldId id="271" r:id="rId5"/>
+    <p:sldId id="270" r:id="rId6"/>
+    <p:sldId id="268" r:id="rId7"/>
+    <p:sldId id="267" r:id="rId8"/>
   </p:sldIdLst>
   <p:sldSz cx="12192000" cy="6858000"/>
   <p:notesSz cx="6858000" cy="9144000"/>
@@ -111,6 +116,3802 @@
     </p:ext>
   </p:extLst>
 </p:presentation>
+</file>
+
+<file path=ppt/diagrams/colors1.xml><?xml version="1.0" encoding="utf-8"?>
+<dgm:colorsDef xmlns:dgm="http://schemas.openxmlformats.org/drawingml/2006/diagram" xmlns:a="http://schemas.openxmlformats.org/drawingml/2006/main" uniqueId="urn:microsoft.com/office/officeart/2005/8/colors/colorful4">
+  <dgm:title val=""/>
+  <dgm:desc val=""/>
+  <dgm:catLst>
+    <dgm:cat type="colorful" pri="10400"/>
+  </dgm:catLst>
+  <dgm:styleLbl name="node0">
+    <dgm:fillClrLst meth="repeat">
+      <a:schemeClr val="accent3"/>
+    </dgm:fillClrLst>
+    <dgm:linClrLst meth="repeat">
+      <a:schemeClr val="lt1"/>
+    </dgm:linClrLst>
+    <dgm:effectClrLst/>
+    <dgm:txLinClrLst/>
+    <dgm:txFillClrLst/>
+    <dgm:txEffectClrLst/>
+  </dgm:styleLbl>
+  <dgm:styleLbl name="node1">
+    <dgm:fillClrLst>
+      <a:schemeClr val="accent4"/>
+      <a:schemeClr val="accent5"/>
+    </dgm:fillClrLst>
+    <dgm:linClrLst meth="repeat">
+      <a:schemeClr val="lt1"/>
+    </dgm:linClrLst>
+    <dgm:effectClrLst/>
+    <dgm:txLinClrLst/>
+    <dgm:txFillClrLst/>
+    <dgm:txEffectClrLst/>
+  </dgm:styleLbl>
+  <dgm:styleLbl name="alignNode1">
+    <dgm:fillClrLst>
+      <a:schemeClr val="accent4"/>
+      <a:schemeClr val="accent5"/>
+    </dgm:fillClrLst>
+    <dgm:linClrLst>
+      <a:schemeClr val="accent4"/>
+      <a:schemeClr val="accent5"/>
+    </dgm:linClrLst>
+    <dgm:effectClrLst/>
+    <dgm:txLinClrLst/>
+    <dgm:txFillClrLst/>
+    <dgm:txEffectClrLst/>
+  </dgm:styleLbl>
+  <dgm:styleLbl name="lnNode1">
+    <dgm:fillClrLst>
+      <a:schemeClr val="accent4"/>
+      <a:schemeClr val="accent5"/>
+    </dgm:fillClrLst>
+    <dgm:linClrLst meth="repeat">
+      <a:schemeClr val="lt1"/>
+    </dgm:linClrLst>
+    <dgm:effectClrLst/>
+    <dgm:txLinClrLst/>
+    <dgm:txFillClrLst/>
+    <dgm:txEffectClrLst/>
+  </dgm:styleLbl>
+  <dgm:styleLbl name="vennNode1">
+    <dgm:fillClrLst>
+      <a:schemeClr val="accent4">
+        <a:alpha val="50000"/>
+      </a:schemeClr>
+      <a:schemeClr val="accent5">
+        <a:alpha val="50000"/>
+      </a:schemeClr>
+    </dgm:fillClrLst>
+    <dgm:linClrLst meth="repeat">
+      <a:schemeClr val="lt1"/>
+    </dgm:linClrLst>
+    <dgm:effectClrLst/>
+    <dgm:txLinClrLst/>
+    <dgm:txFillClrLst/>
+    <dgm:txEffectClrLst/>
+  </dgm:styleLbl>
+  <dgm:styleLbl name="node2">
+    <dgm:fillClrLst>
+      <a:schemeClr val="accent5"/>
+    </dgm:fillClrLst>
+    <dgm:linClrLst meth="repeat">
+      <a:schemeClr val="lt1"/>
+    </dgm:linClrLst>
+    <dgm:effectClrLst/>
+    <dgm:txLinClrLst/>
+    <dgm:txFillClrLst/>
+    <dgm:txEffectClrLst/>
+  </dgm:styleLbl>
+  <dgm:styleLbl name="node3">
+    <dgm:fillClrLst>
+      <a:schemeClr val="accent6"/>
+    </dgm:fillClrLst>
+    <dgm:linClrLst meth="repeat">
+      <a:schemeClr val="lt1"/>
+    </dgm:linClrLst>
+    <dgm:effectClrLst/>
+    <dgm:txLinClrLst/>
+    <dgm:txFillClrLst/>
+    <dgm:txEffectClrLst/>
+  </dgm:styleLbl>
+  <dgm:styleLbl name="node4">
+    <dgm:fillClrLst>
+      <a:schemeClr val="accent1"/>
+    </dgm:fillClrLst>
+    <dgm:linClrLst meth="repeat">
+      <a:schemeClr val="lt1"/>
+    </dgm:linClrLst>
+    <dgm:effectClrLst/>
+    <dgm:txLinClrLst/>
+    <dgm:txFillClrLst/>
+    <dgm:txEffectClrLst/>
+  </dgm:styleLbl>
+  <dgm:styleLbl name="fgImgPlace1">
+    <dgm:fillClrLst>
+      <a:schemeClr val="accent4">
+        <a:tint val="50000"/>
+      </a:schemeClr>
+      <a:schemeClr val="accent5">
+        <a:tint val="50000"/>
+      </a:schemeClr>
+    </dgm:fillClrLst>
+    <dgm:linClrLst meth="repeat">
+      <a:schemeClr val="lt1"/>
+    </dgm:linClrLst>
+    <dgm:effectClrLst/>
+    <dgm:txLinClrLst/>
+    <dgm:txFillClrLst meth="repeat">
+      <a:schemeClr val="lt1"/>
+    </dgm:txFillClrLst>
+    <dgm:txEffectClrLst/>
+  </dgm:styleLbl>
+  <dgm:styleLbl name="alignImgPlace1">
+    <dgm:fillClrLst>
+      <a:schemeClr val="accent4">
+        <a:tint val="50000"/>
+      </a:schemeClr>
+      <a:schemeClr val="accent5">
+        <a:tint val="20000"/>
+      </a:schemeClr>
+    </dgm:fillClrLst>
+    <dgm:linClrLst meth="repeat">
+      <a:schemeClr val="lt1"/>
+    </dgm:linClrLst>
+    <dgm:effectClrLst/>
+    <dgm:txLinClrLst/>
+    <dgm:txFillClrLst meth="repeat">
+      <a:schemeClr val="lt1"/>
+    </dgm:txFillClrLst>
+    <dgm:txEffectClrLst/>
+  </dgm:styleLbl>
+  <dgm:styleLbl name="bgImgPlace1">
+    <dgm:fillClrLst>
+      <a:schemeClr val="accent4">
+        <a:tint val="50000"/>
+      </a:schemeClr>
+      <a:schemeClr val="accent5">
+        <a:tint val="20000"/>
+      </a:schemeClr>
+    </dgm:fillClrLst>
+    <dgm:linClrLst meth="repeat">
+      <a:schemeClr val="lt1"/>
+    </dgm:linClrLst>
+    <dgm:effectClrLst/>
+    <dgm:txLinClrLst/>
+    <dgm:txFillClrLst meth="repeat">
+      <a:schemeClr val="lt1"/>
+    </dgm:txFillClrLst>
+    <dgm:txEffectClrLst/>
+  </dgm:styleLbl>
+  <dgm:styleLbl name="sibTrans2D1">
+    <dgm:fillClrLst>
+      <a:schemeClr val="accent4"/>
+      <a:schemeClr val="accent5"/>
+    </dgm:fillClrLst>
+    <dgm:linClrLst meth="repeat">
+      <a:schemeClr val="lt1"/>
+    </dgm:linClrLst>
+    <dgm:effectClrLst/>
+    <dgm:txLinClrLst/>
+    <dgm:txFillClrLst/>
+    <dgm:txEffectClrLst/>
+  </dgm:styleLbl>
+  <dgm:styleLbl name="fgSibTrans2D1">
+    <dgm:fillClrLst>
+      <a:schemeClr val="accent4"/>
+      <a:schemeClr val="accent5"/>
+    </dgm:fillClrLst>
+    <dgm:linClrLst meth="repeat">
+      <a:schemeClr val="lt1"/>
+    </dgm:linClrLst>
+    <dgm:effectClrLst/>
+    <dgm:txLinClrLst/>
+    <dgm:txFillClrLst meth="repeat">
+      <a:schemeClr val="lt1"/>
+    </dgm:txFillClrLst>
+    <dgm:txEffectClrLst/>
+  </dgm:styleLbl>
+  <dgm:styleLbl name="bgSibTrans2D1">
+    <dgm:fillClrLst>
+      <a:schemeClr val="accent4"/>
+      <a:schemeClr val="accent5"/>
+    </dgm:fillClrLst>
+    <dgm:linClrLst meth="repeat">
+      <a:schemeClr val="lt1"/>
+    </dgm:linClrLst>
+    <dgm:effectClrLst/>
+    <dgm:txLinClrLst/>
+    <dgm:txFillClrLst meth="repeat">
+      <a:schemeClr val="lt1"/>
+    </dgm:txFillClrLst>
+    <dgm:txEffectClrLst/>
+  </dgm:styleLbl>
+  <dgm:styleLbl name="sibTrans1D1">
+    <dgm:fillClrLst/>
+    <dgm:linClrLst>
+      <a:schemeClr val="accent4"/>
+      <a:schemeClr val="accent5"/>
+    </dgm:linClrLst>
+    <dgm:effectClrLst/>
+    <dgm:txLinClrLst/>
+    <dgm:txFillClrLst meth="repeat">
+      <a:schemeClr val="tx1"/>
+    </dgm:txFillClrLst>
+    <dgm:txEffectClrLst/>
+  </dgm:styleLbl>
+  <dgm:styleLbl name="callout">
+    <dgm:fillClrLst meth="repeat">
+      <a:schemeClr val="accent4"/>
+    </dgm:fillClrLst>
+    <dgm:linClrLst meth="repeat">
+      <a:schemeClr val="accent4">
+        <a:tint val="50000"/>
+      </a:schemeClr>
+    </dgm:linClrLst>
+    <dgm:effectClrLst/>
+    <dgm:txLinClrLst/>
+    <dgm:txFillClrLst meth="repeat">
+      <a:schemeClr val="tx1"/>
+    </dgm:txFillClrLst>
+    <dgm:txEffectClrLst/>
+  </dgm:styleLbl>
+  <dgm:styleLbl name="asst0">
+    <dgm:fillClrLst meth="repeat">
+      <a:schemeClr val="accent4"/>
+    </dgm:fillClrLst>
+    <dgm:linClrLst meth="repeat">
+      <a:schemeClr val="lt1">
+        <a:shade val="80000"/>
+      </a:schemeClr>
+    </dgm:linClrLst>
+    <dgm:effectClrLst/>
+    <dgm:txLinClrLst/>
+    <dgm:txFillClrLst/>
+    <dgm:txEffectClrLst/>
+  </dgm:styleLbl>
+  <dgm:styleLbl name="asst1">
+    <dgm:fillClrLst meth="repeat">
+      <a:schemeClr val="accent5"/>
+    </dgm:fillClrLst>
+    <dgm:linClrLst meth="repeat">
+      <a:schemeClr val="lt1">
+        <a:shade val="80000"/>
+      </a:schemeClr>
+    </dgm:linClrLst>
+    <dgm:effectClrLst/>
+    <dgm:txLinClrLst/>
+    <dgm:txFillClrLst/>
+    <dgm:txEffectClrLst/>
+  </dgm:styleLbl>
+  <dgm:styleLbl name="asst2">
+    <dgm:fillClrLst>
+      <a:schemeClr val="accent6"/>
+    </dgm:fillClrLst>
+    <dgm:linClrLst meth="repeat">
+      <a:schemeClr val="lt1"/>
+    </dgm:linClrLst>
+    <dgm:effectClrLst/>
+    <dgm:txLinClrLst/>
+    <dgm:txFillClrLst/>
+    <dgm:txEffectClrLst/>
+  </dgm:styleLbl>
+  <dgm:styleLbl name="asst3">
+    <dgm:fillClrLst>
+      <a:schemeClr val="accent1"/>
+    </dgm:fillClrLst>
+    <dgm:linClrLst meth="repeat">
+      <a:schemeClr val="lt1"/>
+    </dgm:linClrLst>
+    <dgm:effectClrLst/>
+    <dgm:txLinClrLst/>
+    <dgm:txFillClrLst/>
+    <dgm:txEffectClrLst/>
+  </dgm:styleLbl>
+  <dgm:styleLbl name="asst4">
+    <dgm:fillClrLst>
+      <a:schemeClr val="accent2"/>
+    </dgm:fillClrLst>
+    <dgm:linClrLst meth="repeat">
+      <a:schemeClr val="lt1"/>
+    </dgm:linClrLst>
+    <dgm:effectClrLst/>
+    <dgm:txLinClrLst/>
+    <dgm:txFillClrLst/>
+    <dgm:txEffectClrLst/>
+  </dgm:styleLbl>
+  <dgm:styleLbl name="parChTrans2D1">
+    <dgm:fillClrLst meth="repeat">
+      <a:schemeClr val="accent4"/>
+    </dgm:fillClrLst>
+    <dgm:linClrLst meth="repeat">
+      <a:schemeClr val="lt1"/>
+    </dgm:linClrLst>
+    <dgm:effectClrLst/>
+    <dgm:txLinClrLst/>
+    <dgm:txFillClrLst meth="repeat">
+      <a:schemeClr val="lt1"/>
+    </dgm:txFillClrLst>
+    <dgm:txEffectClrLst/>
+  </dgm:styleLbl>
+  <dgm:styleLbl name="parChTrans2D2">
+    <dgm:fillClrLst meth="repeat">
+      <a:schemeClr val="accent5"/>
+    </dgm:fillClrLst>
+    <dgm:linClrLst meth="repeat">
+      <a:schemeClr val="lt1"/>
+    </dgm:linClrLst>
+    <dgm:effectClrLst/>
+    <dgm:txLinClrLst/>
+    <dgm:txFillClrLst/>
+    <dgm:txEffectClrLst/>
+  </dgm:styleLbl>
+  <dgm:styleLbl name="parChTrans2D3">
+    <dgm:fillClrLst meth="repeat">
+      <a:schemeClr val="accent5"/>
+    </dgm:fillClrLst>
+    <dgm:linClrLst meth="repeat">
+      <a:schemeClr val="lt1"/>
+    </dgm:linClrLst>
+    <dgm:effectClrLst/>
+    <dgm:txLinClrLst/>
+    <dgm:txFillClrLst/>
+    <dgm:txEffectClrLst/>
+  </dgm:styleLbl>
+  <dgm:styleLbl name="parChTrans2D4">
+    <dgm:fillClrLst meth="repeat">
+      <a:schemeClr val="accent6"/>
+    </dgm:fillClrLst>
+    <dgm:linClrLst meth="repeat">
+      <a:schemeClr val="lt1"/>
+    </dgm:linClrLst>
+    <dgm:effectClrLst/>
+    <dgm:txLinClrLst/>
+    <dgm:txFillClrLst meth="repeat">
+      <a:schemeClr val="lt1"/>
+    </dgm:txFillClrLst>
+    <dgm:txEffectClrLst/>
+  </dgm:styleLbl>
+  <dgm:styleLbl name="parChTrans1D1">
+    <dgm:fillClrLst meth="repeat">
+      <a:schemeClr val="accent4"/>
+    </dgm:fillClrLst>
+    <dgm:linClrLst meth="repeat">
+      <a:schemeClr val="accent4"/>
+    </dgm:linClrLst>
+    <dgm:effectClrLst/>
+    <dgm:txLinClrLst/>
+    <dgm:txFillClrLst meth="repeat">
+      <a:schemeClr val="tx1"/>
+    </dgm:txFillClrLst>
+    <dgm:txEffectClrLst/>
+  </dgm:styleLbl>
+  <dgm:styleLbl name="parChTrans1D2">
+    <dgm:fillClrLst meth="repeat">
+      <a:schemeClr val="accent4">
+        <a:tint val="90000"/>
+      </a:schemeClr>
+    </dgm:fillClrLst>
+    <dgm:linClrLst meth="repeat">
+      <a:schemeClr val="accent5"/>
+    </dgm:linClrLst>
+    <dgm:effectClrLst/>
+    <dgm:txLinClrLst/>
+    <dgm:txFillClrLst meth="repeat">
+      <a:schemeClr val="tx1"/>
+    </dgm:txFillClrLst>
+    <dgm:txEffectClrLst/>
+  </dgm:styleLbl>
+  <dgm:styleLbl name="parChTrans1D3">
+    <dgm:fillClrLst meth="repeat">
+      <a:schemeClr val="accent4">
+        <a:tint val="70000"/>
+      </a:schemeClr>
+    </dgm:fillClrLst>
+    <dgm:linClrLst meth="repeat">
+      <a:schemeClr val="accent6"/>
+    </dgm:linClrLst>
+    <dgm:effectClrLst/>
+    <dgm:txLinClrLst/>
+    <dgm:txFillClrLst meth="repeat">
+      <a:schemeClr val="tx1"/>
+    </dgm:txFillClrLst>
+    <dgm:txEffectClrLst/>
+  </dgm:styleLbl>
+  <dgm:styleLbl name="parChTrans1D4">
+    <dgm:fillClrLst meth="repeat">
+      <a:schemeClr val="accent4">
+        <a:tint val="50000"/>
+      </a:schemeClr>
+    </dgm:fillClrLst>
+    <dgm:linClrLst meth="repeat">
+      <a:schemeClr val="accent1"/>
+    </dgm:linClrLst>
+    <dgm:effectClrLst/>
+    <dgm:txLinClrLst/>
+    <dgm:txFillClrLst meth="repeat">
+      <a:schemeClr val="tx1"/>
+    </dgm:txFillClrLst>
+    <dgm:txEffectClrLst/>
+  </dgm:styleLbl>
+  <dgm:styleLbl name="fgAcc1">
+    <dgm:fillClrLst meth="repeat">
+      <a:schemeClr val="lt1">
+        <a:alpha val="90000"/>
+      </a:schemeClr>
+    </dgm:fillClrLst>
+    <dgm:linClrLst>
+      <a:schemeClr val="accent4"/>
+      <a:schemeClr val="accent5"/>
+    </dgm:linClrLst>
+    <dgm:effectClrLst/>
+    <dgm:txLinClrLst/>
+    <dgm:txFillClrLst meth="repeat">
+      <a:schemeClr val="dk1"/>
+    </dgm:txFillClrLst>
+    <dgm:txEffectClrLst/>
+  </dgm:styleLbl>
+  <dgm:styleLbl name="conFgAcc1">
+    <dgm:fillClrLst meth="repeat">
+      <a:schemeClr val="lt1">
+        <a:alpha val="90000"/>
+      </a:schemeClr>
+    </dgm:fillClrLst>
+    <dgm:linClrLst>
+      <a:schemeClr val="accent4"/>
+      <a:schemeClr val="accent5"/>
+    </dgm:linClrLst>
+    <dgm:effectClrLst/>
+    <dgm:txLinClrLst/>
+    <dgm:txFillClrLst meth="repeat">
+      <a:schemeClr val="dk1"/>
+    </dgm:txFillClrLst>
+    <dgm:txEffectClrLst/>
+  </dgm:styleLbl>
+  <dgm:styleLbl name="alignAcc1">
+    <dgm:fillClrLst meth="repeat">
+      <a:schemeClr val="lt1">
+        <a:alpha val="90000"/>
+      </a:schemeClr>
+    </dgm:fillClrLst>
+    <dgm:linClrLst>
+      <a:schemeClr val="accent4"/>
+      <a:schemeClr val="accent5"/>
+    </dgm:linClrLst>
+    <dgm:effectClrLst/>
+    <dgm:txLinClrLst/>
+    <dgm:txFillClrLst meth="repeat">
+      <a:schemeClr val="dk1"/>
+    </dgm:txFillClrLst>
+    <dgm:txEffectClrLst/>
+  </dgm:styleLbl>
+  <dgm:styleLbl name="trAlignAcc1">
+    <dgm:fillClrLst meth="repeat">
+      <a:schemeClr val="lt1">
+        <a:alpha val="40000"/>
+      </a:schemeClr>
+    </dgm:fillClrLst>
+    <dgm:linClrLst meth="repeat">
+      <a:schemeClr val="accent4"/>
+    </dgm:linClrLst>
+    <dgm:effectClrLst/>
+    <dgm:txLinClrLst/>
+    <dgm:txFillClrLst meth="repeat">
+      <a:schemeClr val="dk1"/>
+    </dgm:txFillClrLst>
+    <dgm:txEffectClrLst/>
+  </dgm:styleLbl>
+  <dgm:styleLbl name="bgAcc1">
+    <dgm:fillClrLst meth="repeat">
+      <a:schemeClr val="lt1">
+        <a:alpha val="90000"/>
+      </a:schemeClr>
+    </dgm:fillClrLst>
+    <dgm:linClrLst>
+      <a:schemeClr val="accent4"/>
+      <a:schemeClr val="accent5"/>
+    </dgm:linClrLst>
+    <dgm:effectClrLst/>
+    <dgm:txLinClrLst/>
+    <dgm:txFillClrLst meth="repeat">
+      <a:schemeClr val="dk1"/>
+    </dgm:txFillClrLst>
+    <dgm:txEffectClrLst/>
+  </dgm:styleLbl>
+  <dgm:styleLbl name="solidFgAcc1">
+    <dgm:fillClrLst meth="repeat">
+      <a:schemeClr val="lt1"/>
+    </dgm:fillClrLst>
+    <dgm:linClrLst>
+      <a:schemeClr val="accent4"/>
+      <a:schemeClr val="accent5"/>
+    </dgm:linClrLst>
+    <dgm:effectClrLst/>
+    <dgm:txLinClrLst/>
+    <dgm:txFillClrLst meth="repeat">
+      <a:schemeClr val="dk1"/>
+    </dgm:txFillClrLst>
+    <dgm:txEffectClrLst/>
+  </dgm:styleLbl>
+  <dgm:styleLbl name="solidAlignAcc1">
+    <dgm:fillClrLst meth="repeat">
+      <a:schemeClr val="lt1"/>
+    </dgm:fillClrLst>
+    <dgm:linClrLst>
+      <a:schemeClr val="accent4"/>
+      <a:schemeClr val="accent5"/>
+    </dgm:linClrLst>
+    <dgm:effectClrLst/>
+    <dgm:txLinClrLst/>
+    <dgm:txFillClrLst meth="repeat">
+      <a:schemeClr val="dk1"/>
+    </dgm:txFillClrLst>
+    <dgm:txEffectClrLst/>
+  </dgm:styleLbl>
+  <dgm:styleLbl name="solidBgAcc1">
+    <dgm:fillClrLst meth="repeat">
+      <a:schemeClr val="lt1"/>
+    </dgm:fillClrLst>
+    <dgm:linClrLst>
+      <a:schemeClr val="accent4"/>
+      <a:schemeClr val="accent5"/>
+    </dgm:linClrLst>
+    <dgm:effectClrLst/>
+    <dgm:txLinClrLst/>
+    <dgm:txFillClrLst meth="repeat">
+      <a:schemeClr val="dk1"/>
+    </dgm:txFillClrLst>
+    <dgm:txEffectClrLst/>
+  </dgm:styleLbl>
+  <dgm:styleLbl name="fgAccFollowNode1">
+    <dgm:fillClrLst>
+      <a:schemeClr val="accent4">
+        <a:tint val="40000"/>
+        <a:alpha val="90000"/>
+      </a:schemeClr>
+      <a:schemeClr val="accent5">
+        <a:tint val="40000"/>
+        <a:alpha val="90000"/>
+      </a:schemeClr>
+    </dgm:fillClrLst>
+    <dgm:linClrLst>
+      <a:schemeClr val="accent4">
+        <a:tint val="40000"/>
+        <a:alpha val="90000"/>
+      </a:schemeClr>
+      <a:schemeClr val="accent5">
+        <a:tint val="40000"/>
+        <a:alpha val="90000"/>
+      </a:schemeClr>
+    </dgm:linClrLst>
+    <dgm:effectClrLst/>
+    <dgm:txLinClrLst/>
+    <dgm:txFillClrLst meth="repeat">
+      <a:schemeClr val="dk1"/>
+    </dgm:txFillClrLst>
+    <dgm:txEffectClrLst/>
+  </dgm:styleLbl>
+  <dgm:styleLbl name="alignAccFollowNode1">
+    <dgm:fillClrLst>
+      <a:schemeClr val="accent4">
+        <a:tint val="40000"/>
+        <a:alpha val="90000"/>
+      </a:schemeClr>
+      <a:schemeClr val="accent5">
+        <a:tint val="40000"/>
+        <a:alpha val="90000"/>
+      </a:schemeClr>
+    </dgm:fillClrLst>
+    <dgm:linClrLst>
+      <a:schemeClr val="accent4">
+        <a:tint val="40000"/>
+        <a:alpha val="90000"/>
+      </a:schemeClr>
+      <a:schemeClr val="accent5">
+        <a:tint val="40000"/>
+        <a:alpha val="90000"/>
+      </a:schemeClr>
+    </dgm:linClrLst>
+    <dgm:effectClrLst/>
+    <dgm:txLinClrLst/>
+    <dgm:txFillClrLst meth="repeat">
+      <a:schemeClr val="dk1"/>
+    </dgm:txFillClrLst>
+    <dgm:txEffectClrLst/>
+  </dgm:styleLbl>
+  <dgm:styleLbl name="bgAccFollowNode1">
+    <dgm:fillClrLst>
+      <a:schemeClr val="accent4">
+        <a:tint val="40000"/>
+        <a:alpha val="90000"/>
+      </a:schemeClr>
+      <a:schemeClr val="accent5">
+        <a:tint val="40000"/>
+        <a:alpha val="90000"/>
+      </a:schemeClr>
+    </dgm:fillClrLst>
+    <dgm:linClrLst>
+      <a:schemeClr val="accent4">
+        <a:tint val="40000"/>
+        <a:alpha val="90000"/>
+      </a:schemeClr>
+      <a:schemeClr val="accent5">
+        <a:tint val="40000"/>
+        <a:alpha val="90000"/>
+      </a:schemeClr>
+    </dgm:linClrLst>
+    <dgm:effectClrLst/>
+    <dgm:txLinClrLst/>
+    <dgm:txFillClrLst meth="repeat">
+      <a:schemeClr val="dk1"/>
+    </dgm:txFillClrLst>
+    <dgm:txEffectClrLst/>
+  </dgm:styleLbl>
+  <dgm:styleLbl name="fgAcc0">
+    <dgm:fillClrLst meth="repeat">
+      <a:schemeClr val="lt1">
+        <a:alpha val="90000"/>
+      </a:schemeClr>
+    </dgm:fillClrLst>
+    <dgm:linClrLst>
+      <a:schemeClr val="accent3"/>
+    </dgm:linClrLst>
+    <dgm:effectClrLst/>
+    <dgm:txLinClrLst/>
+    <dgm:txFillClrLst meth="repeat">
+      <a:schemeClr val="dk1"/>
+    </dgm:txFillClrLst>
+    <dgm:txEffectClrLst/>
+  </dgm:styleLbl>
+  <dgm:styleLbl name="fgAcc2">
+    <dgm:fillClrLst meth="repeat">
+      <a:schemeClr val="lt1">
+        <a:alpha val="90000"/>
+      </a:schemeClr>
+    </dgm:fillClrLst>
+    <dgm:linClrLst>
+      <a:schemeClr val="accent5"/>
+    </dgm:linClrLst>
+    <dgm:effectClrLst/>
+    <dgm:txLinClrLst/>
+    <dgm:txFillClrLst meth="repeat">
+      <a:schemeClr val="dk1"/>
+    </dgm:txFillClrLst>
+    <dgm:txEffectClrLst/>
+  </dgm:styleLbl>
+  <dgm:styleLbl name="fgAcc3">
+    <dgm:fillClrLst meth="repeat">
+      <a:schemeClr val="lt1">
+        <a:alpha val="90000"/>
+      </a:schemeClr>
+    </dgm:fillClrLst>
+    <dgm:linClrLst>
+      <a:schemeClr val="accent6"/>
+    </dgm:linClrLst>
+    <dgm:effectClrLst/>
+    <dgm:txLinClrLst/>
+    <dgm:txFillClrLst meth="repeat">
+      <a:schemeClr val="dk1"/>
+    </dgm:txFillClrLst>
+    <dgm:txEffectClrLst/>
+  </dgm:styleLbl>
+  <dgm:styleLbl name="fgAcc4">
+    <dgm:fillClrLst meth="repeat">
+      <a:schemeClr val="lt1">
+        <a:alpha val="90000"/>
+      </a:schemeClr>
+    </dgm:fillClrLst>
+    <dgm:linClrLst>
+      <a:schemeClr val="accent1"/>
+    </dgm:linClrLst>
+    <dgm:effectClrLst/>
+    <dgm:txLinClrLst/>
+    <dgm:txFillClrLst meth="repeat">
+      <a:schemeClr val="dk1"/>
+    </dgm:txFillClrLst>
+    <dgm:txEffectClrLst/>
+  </dgm:styleLbl>
+  <dgm:styleLbl name="bgShp">
+    <dgm:fillClrLst meth="repeat">
+      <a:schemeClr val="accent4">
+        <a:tint val="40000"/>
+      </a:schemeClr>
+    </dgm:fillClrLst>
+    <dgm:linClrLst meth="repeat">
+      <a:schemeClr val="dk1"/>
+    </dgm:linClrLst>
+    <dgm:effectClrLst/>
+    <dgm:txLinClrLst/>
+    <dgm:txFillClrLst meth="repeat">
+      <a:schemeClr val="dk1"/>
+    </dgm:txFillClrLst>
+    <dgm:txEffectClrLst/>
+  </dgm:styleLbl>
+  <dgm:styleLbl name="dkBgShp">
+    <dgm:fillClrLst meth="repeat">
+      <a:schemeClr val="accent4">
+        <a:shade val="90000"/>
+      </a:schemeClr>
+    </dgm:fillClrLst>
+    <dgm:linClrLst meth="repeat">
+      <a:schemeClr val="dk1"/>
+    </dgm:linClrLst>
+    <dgm:effectClrLst/>
+    <dgm:txLinClrLst/>
+    <dgm:txFillClrLst meth="repeat">
+      <a:schemeClr val="lt1"/>
+    </dgm:txFillClrLst>
+    <dgm:txEffectClrLst/>
+  </dgm:styleLbl>
+  <dgm:styleLbl name="trBgShp">
+    <dgm:fillClrLst meth="repeat">
+      <a:schemeClr val="accent4">
+        <a:tint val="50000"/>
+        <a:alpha val="40000"/>
+      </a:schemeClr>
+    </dgm:fillClrLst>
+    <dgm:linClrLst meth="repeat">
+      <a:schemeClr val="accent4"/>
+    </dgm:linClrLst>
+    <dgm:effectClrLst/>
+    <dgm:txLinClrLst/>
+    <dgm:txFillClrLst meth="repeat">
+      <a:schemeClr val="lt1"/>
+    </dgm:txFillClrLst>
+    <dgm:txEffectClrLst/>
+  </dgm:styleLbl>
+  <dgm:styleLbl name="fgShp">
+    <dgm:fillClrLst meth="repeat">
+      <a:schemeClr val="accent4">
+        <a:tint val="40000"/>
+      </a:schemeClr>
+    </dgm:fillClrLst>
+    <dgm:linClrLst meth="repeat">
+      <a:schemeClr val="lt1"/>
+    </dgm:linClrLst>
+    <dgm:effectClrLst/>
+    <dgm:txLinClrLst/>
+    <dgm:txFillClrLst meth="repeat">
+      <a:schemeClr val="dk1"/>
+    </dgm:txFillClrLst>
+    <dgm:txEffectClrLst/>
+  </dgm:styleLbl>
+  <dgm:styleLbl name="revTx">
+    <dgm:fillClrLst meth="repeat">
+      <a:schemeClr val="lt1">
+        <a:alpha val="0"/>
+      </a:schemeClr>
+    </dgm:fillClrLst>
+    <dgm:linClrLst meth="repeat">
+      <a:schemeClr val="dk1">
+        <a:alpha val="0"/>
+      </a:schemeClr>
+    </dgm:linClrLst>
+    <dgm:effectClrLst/>
+    <dgm:txLinClrLst/>
+    <dgm:txFillClrLst meth="repeat">
+      <a:schemeClr val="tx1"/>
+    </dgm:txFillClrLst>
+    <dgm:txEffectClrLst/>
+  </dgm:styleLbl>
+</dgm:colorsDef>
+</file>
+
+<file path=ppt/diagrams/data1.xml><?xml version="1.0" encoding="utf-8"?>
+<dgm:dataModel xmlns:dgm="http://schemas.openxmlformats.org/drawingml/2006/diagram" xmlns:a="http://schemas.openxmlformats.org/drawingml/2006/main">
+  <dgm:ptLst>
+    <dgm:pt modelId="{D44DD4D8-AA11-4169-A13D-C5A9DBD942DD}" type="doc">
+      <dgm:prSet loTypeId="urn:microsoft.com/office/officeart/2005/8/layout/process4" loCatId="process" qsTypeId="urn:microsoft.com/office/officeart/2005/8/quickstyle/simple1" qsCatId="simple" csTypeId="urn:microsoft.com/office/officeart/2005/8/colors/colorful4" csCatId="colorful" phldr="1"/>
+      <dgm:spPr/>
+      <dgm:t>
+        <a:bodyPr/>
+        <a:lstStyle/>
+        <a:p>
+          <a:endParaRPr lang="en-US"/>
+        </a:p>
+      </dgm:t>
+    </dgm:pt>
+    <dgm:pt modelId="{B0A3615B-A54E-43C3-8722-088073036CBB}">
+      <dgm:prSet phldrT="[Text]"/>
+      <dgm:spPr/>
+      <dgm:t>
+        <a:bodyPr/>
+        <a:lstStyle/>
+        <a:p>
+          <a:r>
+            <a:rPr lang="en-US" dirty="0"/>
+            <a:t>Raw data</a:t>
+          </a:r>
+        </a:p>
+      </dgm:t>
+    </dgm:pt>
+    <dgm:pt modelId="{29271BC1-1111-4F24-A629-FFDA442533DB}" type="parTrans" cxnId="{8BC43986-D592-43E0-97B9-BE2C391D9DAB}">
+      <dgm:prSet/>
+      <dgm:spPr/>
+      <dgm:t>
+        <a:bodyPr/>
+        <a:lstStyle/>
+        <a:p>
+          <a:endParaRPr lang="en-US"/>
+        </a:p>
+      </dgm:t>
+    </dgm:pt>
+    <dgm:pt modelId="{639C3B26-7E70-4210-859B-05B1866CDEDF}" type="sibTrans" cxnId="{8BC43986-D592-43E0-97B9-BE2C391D9DAB}">
+      <dgm:prSet/>
+      <dgm:spPr/>
+      <dgm:t>
+        <a:bodyPr/>
+        <a:lstStyle/>
+        <a:p>
+          <a:endParaRPr lang="en-US"/>
+        </a:p>
+      </dgm:t>
+    </dgm:pt>
+    <dgm:pt modelId="{26ADE66B-3155-4D20-8734-00F9C37485B1}">
+      <dgm:prSet phldrT="[Text]"/>
+      <dgm:spPr/>
+      <dgm:t>
+        <a:bodyPr/>
+        <a:lstStyle/>
+        <a:p>
+          <a:r>
+            <a:rPr lang="en-US" dirty="0"/>
+            <a:t>2700</a:t>
+          </a:r>
+        </a:p>
+      </dgm:t>
+    </dgm:pt>
+    <dgm:pt modelId="{801991D7-24ED-4D63-BCA6-179992CFCD02}" type="parTrans" cxnId="{BC4C87F3-C444-4D0E-8404-F04949E76232}">
+      <dgm:prSet/>
+      <dgm:spPr/>
+      <dgm:t>
+        <a:bodyPr/>
+        <a:lstStyle/>
+        <a:p>
+          <a:endParaRPr lang="en-US"/>
+        </a:p>
+      </dgm:t>
+    </dgm:pt>
+    <dgm:pt modelId="{035FA4E1-CACD-4E94-ACCC-68307C4CBD9D}" type="sibTrans" cxnId="{BC4C87F3-C444-4D0E-8404-F04949E76232}">
+      <dgm:prSet/>
+      <dgm:spPr/>
+      <dgm:t>
+        <a:bodyPr/>
+        <a:lstStyle/>
+        <a:p>
+          <a:endParaRPr lang="en-US"/>
+        </a:p>
+      </dgm:t>
+    </dgm:pt>
+    <dgm:pt modelId="{33DA715C-73BA-4767-89A2-565303B45B2F}">
+      <dgm:prSet phldrT="[Text]"/>
+      <dgm:spPr/>
+      <dgm:t>
+        <a:bodyPr/>
+        <a:lstStyle/>
+        <a:p>
+          <a:r>
+            <a:rPr lang="en-US" dirty="0"/>
+            <a:t>32700</a:t>
+          </a:r>
+        </a:p>
+      </dgm:t>
+    </dgm:pt>
+    <dgm:pt modelId="{D829A378-ADE3-4C72-928C-49E9B4B0104C}" type="parTrans" cxnId="{5EF3328F-DF2E-43A3-9220-5964D7FE5A1F}">
+      <dgm:prSet/>
+      <dgm:spPr/>
+      <dgm:t>
+        <a:bodyPr/>
+        <a:lstStyle/>
+        <a:p>
+          <a:endParaRPr lang="en-US"/>
+        </a:p>
+      </dgm:t>
+    </dgm:pt>
+    <dgm:pt modelId="{02DD18B3-DAB8-4D88-99C7-7988983EA153}" type="sibTrans" cxnId="{5EF3328F-DF2E-43A3-9220-5964D7FE5A1F}">
+      <dgm:prSet/>
+      <dgm:spPr/>
+      <dgm:t>
+        <a:bodyPr/>
+        <a:lstStyle/>
+        <a:p>
+          <a:endParaRPr lang="en-US"/>
+        </a:p>
+      </dgm:t>
+    </dgm:pt>
+    <dgm:pt modelId="{2EC72842-079E-4178-A816-D21F408A5667}">
+      <dgm:prSet phldrT="[Text]"/>
+      <dgm:spPr/>
+      <dgm:t>
+        <a:bodyPr/>
+        <a:lstStyle/>
+        <a:p>
+          <a:r>
+            <a:rPr lang="en-US" dirty="0"/>
+            <a:t>Removal of genes that were not expressed in any cells</a:t>
+          </a:r>
+        </a:p>
+      </dgm:t>
+    </dgm:pt>
+    <dgm:pt modelId="{D02DCA18-7BE8-4BD3-87B6-4AF128A2A79B}" type="parTrans" cxnId="{C66FE160-9037-4C22-8A5C-34642EBE16EC}">
+      <dgm:prSet/>
+      <dgm:spPr/>
+      <dgm:t>
+        <a:bodyPr/>
+        <a:lstStyle/>
+        <a:p>
+          <a:endParaRPr lang="en-US"/>
+        </a:p>
+      </dgm:t>
+    </dgm:pt>
+    <dgm:pt modelId="{2B81F2B4-FB6E-4427-92C7-B0CAF347B5DA}" type="sibTrans" cxnId="{C66FE160-9037-4C22-8A5C-34642EBE16EC}">
+      <dgm:prSet/>
+      <dgm:spPr/>
+      <dgm:t>
+        <a:bodyPr/>
+        <a:lstStyle/>
+        <a:p>
+          <a:endParaRPr lang="en-US"/>
+        </a:p>
+      </dgm:t>
+    </dgm:pt>
+    <dgm:pt modelId="{4ADF29EA-52BA-4F17-B101-12D2274B47A1}">
+      <dgm:prSet phldrT="[Text]"/>
+      <dgm:spPr/>
+      <dgm:t>
+        <a:bodyPr/>
+        <a:lstStyle/>
+        <a:p>
+          <a:r>
+            <a:rPr lang="en-US" dirty="0"/>
+            <a:t>2700</a:t>
+          </a:r>
+        </a:p>
+      </dgm:t>
+    </dgm:pt>
+    <dgm:pt modelId="{00687FDB-00B7-4146-8155-F90407B192EC}" type="parTrans" cxnId="{64FBE917-D3CE-462B-9C26-C34FD2B6D44E}">
+      <dgm:prSet/>
+      <dgm:spPr/>
+      <dgm:t>
+        <a:bodyPr/>
+        <a:lstStyle/>
+        <a:p>
+          <a:endParaRPr lang="en-US"/>
+        </a:p>
+      </dgm:t>
+    </dgm:pt>
+    <dgm:pt modelId="{46834A11-0336-461B-BEEB-C55B5F36E368}" type="sibTrans" cxnId="{64FBE917-D3CE-462B-9C26-C34FD2B6D44E}">
+      <dgm:prSet/>
+      <dgm:spPr/>
+      <dgm:t>
+        <a:bodyPr/>
+        <a:lstStyle/>
+        <a:p>
+          <a:endParaRPr lang="en-US"/>
+        </a:p>
+      </dgm:t>
+    </dgm:pt>
+    <dgm:pt modelId="{D6922E49-1C65-496B-B757-9E80563D8D8C}">
+      <dgm:prSet phldrT="[Text]"/>
+      <dgm:spPr/>
+      <dgm:t>
+        <a:bodyPr/>
+        <a:lstStyle/>
+        <a:p>
+          <a:r>
+            <a:rPr lang="en-US" dirty="0"/>
+            <a:t>16600</a:t>
+          </a:r>
+        </a:p>
+      </dgm:t>
+    </dgm:pt>
+    <dgm:pt modelId="{5A7020C4-74E1-4CD0-8B53-4EB1F3ABC988}" type="parTrans" cxnId="{118C084A-DA75-4BCF-B408-1F3B8CB468E2}">
+      <dgm:prSet/>
+      <dgm:spPr/>
+      <dgm:t>
+        <a:bodyPr/>
+        <a:lstStyle/>
+        <a:p>
+          <a:endParaRPr lang="en-US"/>
+        </a:p>
+      </dgm:t>
+    </dgm:pt>
+    <dgm:pt modelId="{56D8C01C-6F7C-4A8F-89DF-3300AF5714AF}" type="sibTrans" cxnId="{118C084A-DA75-4BCF-B408-1F3B8CB468E2}">
+      <dgm:prSet/>
+      <dgm:spPr/>
+      <dgm:t>
+        <a:bodyPr/>
+        <a:lstStyle/>
+        <a:p>
+          <a:endParaRPr lang="en-US"/>
+        </a:p>
+      </dgm:t>
+    </dgm:pt>
+    <dgm:pt modelId="{8CEC3D21-D031-4BAA-9E6A-D0522E6B2300}">
+      <dgm:prSet phldrT="[Text]"/>
+      <dgm:spPr/>
+      <dgm:t>
+        <a:bodyPr/>
+        <a:lstStyle/>
+        <a:p>
+          <a:r>
+            <a:rPr lang="en-US" dirty="0"/>
+            <a:t>Removal of outliers by Isolation forest algorithm </a:t>
+          </a:r>
+          <a:r>
+            <a:rPr lang="en-US"/>
+            <a:t>(optional) </a:t>
+          </a:r>
+          <a:endParaRPr lang="en-US" dirty="0"/>
+        </a:p>
+      </dgm:t>
+    </dgm:pt>
+    <dgm:pt modelId="{7EAEE753-103C-43A9-85DD-A1441CE39E98}" type="parTrans" cxnId="{259CB312-C2E2-48FF-8AF4-BB59B09FB12F}">
+      <dgm:prSet/>
+      <dgm:spPr/>
+      <dgm:t>
+        <a:bodyPr/>
+        <a:lstStyle/>
+        <a:p>
+          <a:endParaRPr lang="en-US"/>
+        </a:p>
+      </dgm:t>
+    </dgm:pt>
+    <dgm:pt modelId="{F5A6F8EB-8E48-43A6-B3A4-64256270EB12}" type="sibTrans" cxnId="{259CB312-C2E2-48FF-8AF4-BB59B09FB12F}">
+      <dgm:prSet/>
+      <dgm:spPr/>
+      <dgm:t>
+        <a:bodyPr/>
+        <a:lstStyle/>
+        <a:p>
+          <a:endParaRPr lang="en-US"/>
+        </a:p>
+      </dgm:t>
+    </dgm:pt>
+    <dgm:pt modelId="{584CD710-C724-49CC-9AFF-5018992DA3A1}">
+      <dgm:prSet phldrT="[Text]"/>
+      <dgm:spPr/>
+      <dgm:t>
+        <a:bodyPr/>
+        <a:lstStyle/>
+        <a:p>
+          <a:r>
+            <a:rPr lang="en-US" dirty="0"/>
+            <a:t>2511</a:t>
+          </a:r>
+        </a:p>
+      </dgm:t>
+    </dgm:pt>
+    <dgm:pt modelId="{491F6732-402F-4C4F-BC6C-30C9848A2A03}" type="parTrans" cxnId="{F9CA32D8-9CB8-414F-9D6C-46B8A3044B0B}">
+      <dgm:prSet/>
+      <dgm:spPr/>
+      <dgm:t>
+        <a:bodyPr/>
+        <a:lstStyle/>
+        <a:p>
+          <a:endParaRPr lang="en-US"/>
+        </a:p>
+      </dgm:t>
+    </dgm:pt>
+    <dgm:pt modelId="{0E7E8B03-5558-4D60-AE4D-0CFF636AF166}" type="sibTrans" cxnId="{F9CA32D8-9CB8-414F-9D6C-46B8A3044B0B}">
+      <dgm:prSet/>
+      <dgm:spPr/>
+      <dgm:t>
+        <a:bodyPr/>
+        <a:lstStyle/>
+        <a:p>
+          <a:endParaRPr lang="en-US"/>
+        </a:p>
+      </dgm:t>
+    </dgm:pt>
+    <dgm:pt modelId="{3E5A51D5-80C3-4C0A-B034-4C9387C12780}">
+      <dgm:prSet phldrT="[Text]"/>
+      <dgm:spPr/>
+      <dgm:t>
+        <a:bodyPr/>
+        <a:lstStyle/>
+        <a:p>
+          <a:r>
+            <a:rPr lang="en-US" dirty="0"/>
+            <a:t>5</a:t>
+          </a:r>
+        </a:p>
+      </dgm:t>
+    </dgm:pt>
+    <dgm:pt modelId="{07210563-4F3E-4F61-BE13-5523236D2258}" type="parTrans" cxnId="{BBBBA32D-92AE-4368-8074-B333EEBA3A2E}">
+      <dgm:prSet/>
+      <dgm:spPr/>
+      <dgm:t>
+        <a:bodyPr/>
+        <a:lstStyle/>
+        <a:p>
+          <a:endParaRPr lang="en-US"/>
+        </a:p>
+      </dgm:t>
+    </dgm:pt>
+    <dgm:pt modelId="{60046EB7-620D-4D28-9B8C-47027575C436}" type="sibTrans" cxnId="{BBBBA32D-92AE-4368-8074-B333EEBA3A2E}">
+      <dgm:prSet/>
+      <dgm:spPr/>
+      <dgm:t>
+        <a:bodyPr/>
+        <a:lstStyle/>
+        <a:p>
+          <a:endParaRPr lang="en-US"/>
+        </a:p>
+      </dgm:t>
+    </dgm:pt>
+    <dgm:pt modelId="{E6B53E83-69F5-4433-9389-48B46438E5F6}">
+      <dgm:prSet phldrT="[Text]"/>
+      <dgm:spPr/>
+      <dgm:t>
+        <a:bodyPr/>
+        <a:lstStyle/>
+        <a:p>
+          <a:r>
+            <a:rPr lang="en-US" dirty="0"/>
+            <a:t>PCA</a:t>
+          </a:r>
+        </a:p>
+      </dgm:t>
+    </dgm:pt>
+    <dgm:pt modelId="{77228177-7F54-403B-A373-9CA97488FE1D}" type="parTrans" cxnId="{96D6A386-1B44-45BE-B360-CBEEEBCA1F59}">
+      <dgm:prSet/>
+      <dgm:spPr/>
+      <dgm:t>
+        <a:bodyPr/>
+        <a:lstStyle/>
+        <a:p>
+          <a:endParaRPr lang="en-US"/>
+        </a:p>
+      </dgm:t>
+    </dgm:pt>
+    <dgm:pt modelId="{1AA63BFA-19A4-4987-8BDE-E6BA80ADC2D9}" type="sibTrans" cxnId="{96D6A386-1B44-45BE-B360-CBEEEBCA1F59}">
+      <dgm:prSet/>
+      <dgm:spPr/>
+      <dgm:t>
+        <a:bodyPr/>
+        <a:lstStyle/>
+        <a:p>
+          <a:endParaRPr lang="en-US"/>
+        </a:p>
+      </dgm:t>
+    </dgm:pt>
+    <dgm:pt modelId="{0FEF49A3-2EB7-4C7C-A284-BC9A5178A157}">
+      <dgm:prSet phldrT="[Text]"/>
+      <dgm:spPr/>
+      <dgm:t>
+        <a:bodyPr/>
+        <a:lstStyle/>
+        <a:p>
+          <a:r>
+            <a:rPr lang="en-US" dirty="0"/>
+            <a:t>2700</a:t>
+          </a:r>
+        </a:p>
+      </dgm:t>
+    </dgm:pt>
+    <dgm:pt modelId="{5BD267EC-54F3-45C4-9483-7321F374ED9C}" type="parTrans" cxnId="{AE477063-A4AB-46A5-A63C-925774694878}">
+      <dgm:prSet/>
+      <dgm:spPr/>
+      <dgm:t>
+        <a:bodyPr/>
+        <a:lstStyle/>
+        <a:p>
+          <a:endParaRPr lang="en-US"/>
+        </a:p>
+      </dgm:t>
+    </dgm:pt>
+    <dgm:pt modelId="{F940BDD7-BC88-44CF-88DF-D6C461AFF3C3}" type="sibTrans" cxnId="{AE477063-A4AB-46A5-A63C-925774694878}">
+      <dgm:prSet/>
+      <dgm:spPr/>
+      <dgm:t>
+        <a:bodyPr/>
+        <a:lstStyle/>
+        <a:p>
+          <a:endParaRPr lang="en-US"/>
+        </a:p>
+      </dgm:t>
+    </dgm:pt>
+    <dgm:pt modelId="{D39C08E6-3C56-42B1-A07D-B43FC43F4146}">
+      <dgm:prSet phldrT="[Text]"/>
+      <dgm:spPr/>
+      <dgm:t>
+        <a:bodyPr/>
+        <a:lstStyle/>
+        <a:p>
+          <a:r>
+            <a:rPr lang="en-US" dirty="0"/>
+            <a:t>5</a:t>
+          </a:r>
+        </a:p>
+      </dgm:t>
+    </dgm:pt>
+    <dgm:pt modelId="{2CD04BCD-44C9-415B-A217-554E94FE5D5D}" type="parTrans" cxnId="{2317FB51-25E4-424C-8D9C-496DE60D5DCB}">
+      <dgm:prSet/>
+      <dgm:spPr/>
+      <dgm:t>
+        <a:bodyPr/>
+        <a:lstStyle/>
+        <a:p>
+          <a:endParaRPr lang="en-US"/>
+        </a:p>
+      </dgm:t>
+    </dgm:pt>
+    <dgm:pt modelId="{DD02631E-E116-4C17-B22F-5EE93D91B1B6}" type="sibTrans" cxnId="{2317FB51-25E4-424C-8D9C-496DE60D5DCB}">
+      <dgm:prSet/>
+      <dgm:spPr/>
+      <dgm:t>
+        <a:bodyPr/>
+        <a:lstStyle/>
+        <a:p>
+          <a:endParaRPr lang="en-US"/>
+        </a:p>
+      </dgm:t>
+    </dgm:pt>
+    <dgm:pt modelId="{96C4D5A4-2B70-481D-8767-5BE49D22218B}" type="pres">
+      <dgm:prSet presAssocID="{D44DD4D8-AA11-4169-A13D-C5A9DBD942DD}" presName="Name0" presStyleCnt="0">
+        <dgm:presLayoutVars>
+          <dgm:dir/>
+          <dgm:animLvl val="lvl"/>
+          <dgm:resizeHandles val="exact"/>
+        </dgm:presLayoutVars>
+      </dgm:prSet>
+      <dgm:spPr/>
+    </dgm:pt>
+    <dgm:pt modelId="{F591B729-FC79-4A3A-9CDE-3DD603C6B213}" type="pres">
+      <dgm:prSet presAssocID="{8CEC3D21-D031-4BAA-9E6A-D0522E6B2300}" presName="boxAndChildren" presStyleCnt="0"/>
+      <dgm:spPr/>
+    </dgm:pt>
+    <dgm:pt modelId="{6EF7D0CA-F4D4-41BD-B64C-0767307BF0EF}" type="pres">
+      <dgm:prSet presAssocID="{8CEC3D21-D031-4BAA-9E6A-D0522E6B2300}" presName="parentTextBox" presStyleLbl="node1" presStyleIdx="0" presStyleCnt="4"/>
+      <dgm:spPr/>
+    </dgm:pt>
+    <dgm:pt modelId="{05D1771C-699E-4237-8064-66B75FFFF0FE}" type="pres">
+      <dgm:prSet presAssocID="{8CEC3D21-D031-4BAA-9E6A-D0522E6B2300}" presName="entireBox" presStyleLbl="node1" presStyleIdx="0" presStyleCnt="4" custLinFactNeighborY="-663"/>
+      <dgm:spPr/>
+    </dgm:pt>
+    <dgm:pt modelId="{602BD1D0-36BC-4130-996D-4C1C7111E4DD}" type="pres">
+      <dgm:prSet presAssocID="{8CEC3D21-D031-4BAA-9E6A-D0522E6B2300}" presName="descendantBox" presStyleCnt="0"/>
+      <dgm:spPr/>
+    </dgm:pt>
+    <dgm:pt modelId="{D47E33B8-8BA6-4011-ACEC-3853B3788D87}" type="pres">
+      <dgm:prSet presAssocID="{584CD710-C724-49CC-9AFF-5018992DA3A1}" presName="childTextBox" presStyleLbl="fgAccFollowNode1" presStyleIdx="0" presStyleCnt="8" custLinFactNeighborY="1442">
+        <dgm:presLayoutVars>
+          <dgm:bulletEnabled val="1"/>
+        </dgm:presLayoutVars>
+      </dgm:prSet>
+      <dgm:spPr/>
+    </dgm:pt>
+    <dgm:pt modelId="{1F3526C0-F05E-417F-85BE-BE17C3DBE7F0}" type="pres">
+      <dgm:prSet presAssocID="{3E5A51D5-80C3-4C0A-B034-4C9387C12780}" presName="childTextBox" presStyleLbl="fgAccFollowNode1" presStyleIdx="1" presStyleCnt="8" custLinFactNeighborY="1005">
+        <dgm:presLayoutVars>
+          <dgm:bulletEnabled val="1"/>
+        </dgm:presLayoutVars>
+      </dgm:prSet>
+      <dgm:spPr/>
+    </dgm:pt>
+    <dgm:pt modelId="{CDC1B787-3AAD-4568-BDC5-25D234227B3E}" type="pres">
+      <dgm:prSet presAssocID="{1AA63BFA-19A4-4987-8BDE-E6BA80ADC2D9}" presName="sp" presStyleCnt="0"/>
+      <dgm:spPr/>
+    </dgm:pt>
+    <dgm:pt modelId="{DCD194DF-D4EC-4D3B-8503-6EFF6872B4F6}" type="pres">
+      <dgm:prSet presAssocID="{E6B53E83-69F5-4433-9389-48B46438E5F6}" presName="arrowAndChildren" presStyleCnt="0"/>
+      <dgm:spPr/>
+    </dgm:pt>
+    <dgm:pt modelId="{01E79B97-B28F-434E-8A0E-B2FDA1E1A9E0}" type="pres">
+      <dgm:prSet presAssocID="{E6B53E83-69F5-4433-9389-48B46438E5F6}" presName="parentTextArrow" presStyleLbl="node1" presStyleIdx="0" presStyleCnt="4"/>
+      <dgm:spPr/>
+    </dgm:pt>
+    <dgm:pt modelId="{5688FB06-1F06-4C6F-9853-205CD48A0E25}" type="pres">
+      <dgm:prSet presAssocID="{E6B53E83-69F5-4433-9389-48B46438E5F6}" presName="arrow" presStyleLbl="node1" presStyleIdx="1" presStyleCnt="4"/>
+      <dgm:spPr/>
+    </dgm:pt>
+    <dgm:pt modelId="{1C476141-7C52-4C04-B006-3E7CEF160E72}" type="pres">
+      <dgm:prSet presAssocID="{E6B53E83-69F5-4433-9389-48B46438E5F6}" presName="descendantArrow" presStyleCnt="0"/>
+      <dgm:spPr/>
+    </dgm:pt>
+    <dgm:pt modelId="{B943A58F-A690-49EC-8117-010964ECCE60}" type="pres">
+      <dgm:prSet presAssocID="{0FEF49A3-2EB7-4C7C-A284-BC9A5178A157}" presName="childTextArrow" presStyleLbl="fgAccFollowNode1" presStyleIdx="2" presStyleCnt="8">
+        <dgm:presLayoutVars>
+          <dgm:bulletEnabled val="1"/>
+        </dgm:presLayoutVars>
+      </dgm:prSet>
+      <dgm:spPr/>
+    </dgm:pt>
+    <dgm:pt modelId="{9E963D98-FED2-4984-B718-98470D8660E0}" type="pres">
+      <dgm:prSet presAssocID="{D39C08E6-3C56-42B1-A07D-B43FC43F4146}" presName="childTextArrow" presStyleLbl="fgAccFollowNode1" presStyleIdx="3" presStyleCnt="8">
+        <dgm:presLayoutVars>
+          <dgm:bulletEnabled val="1"/>
+        </dgm:presLayoutVars>
+      </dgm:prSet>
+      <dgm:spPr/>
+    </dgm:pt>
+    <dgm:pt modelId="{32682870-9AAB-498B-8094-A348ABBBC89D}" type="pres">
+      <dgm:prSet presAssocID="{2B81F2B4-FB6E-4427-92C7-B0CAF347B5DA}" presName="sp" presStyleCnt="0"/>
+      <dgm:spPr/>
+    </dgm:pt>
+    <dgm:pt modelId="{31F31232-52E2-4668-AF3C-5A4AA4F86311}" type="pres">
+      <dgm:prSet presAssocID="{2EC72842-079E-4178-A816-D21F408A5667}" presName="arrowAndChildren" presStyleCnt="0"/>
+      <dgm:spPr/>
+    </dgm:pt>
+    <dgm:pt modelId="{BE5756A5-7EE5-484C-961D-90F9E4F4C091}" type="pres">
+      <dgm:prSet presAssocID="{2EC72842-079E-4178-A816-D21F408A5667}" presName="parentTextArrow" presStyleLbl="node1" presStyleIdx="1" presStyleCnt="4"/>
+      <dgm:spPr/>
+    </dgm:pt>
+    <dgm:pt modelId="{76B36FBD-8273-43BC-9F4C-87ABB8A930A8}" type="pres">
+      <dgm:prSet presAssocID="{2EC72842-079E-4178-A816-D21F408A5667}" presName="arrow" presStyleLbl="node1" presStyleIdx="2" presStyleCnt="4"/>
+      <dgm:spPr/>
+    </dgm:pt>
+    <dgm:pt modelId="{1E37C5D3-1F64-4743-AA87-24553DC1D66B}" type="pres">
+      <dgm:prSet presAssocID="{2EC72842-079E-4178-A816-D21F408A5667}" presName="descendantArrow" presStyleCnt="0"/>
+      <dgm:spPr/>
+    </dgm:pt>
+    <dgm:pt modelId="{1B0F38DE-A1AF-4C6C-9186-F8A512CE55B2}" type="pres">
+      <dgm:prSet presAssocID="{4ADF29EA-52BA-4F17-B101-12D2274B47A1}" presName="childTextArrow" presStyleLbl="fgAccFollowNode1" presStyleIdx="4" presStyleCnt="8">
+        <dgm:presLayoutVars>
+          <dgm:bulletEnabled val="1"/>
+        </dgm:presLayoutVars>
+      </dgm:prSet>
+      <dgm:spPr/>
+    </dgm:pt>
+    <dgm:pt modelId="{B8F010AC-EDCB-4F28-B9D2-1F5B862163EB}" type="pres">
+      <dgm:prSet presAssocID="{D6922E49-1C65-496B-B757-9E80563D8D8C}" presName="childTextArrow" presStyleLbl="fgAccFollowNode1" presStyleIdx="5" presStyleCnt="8">
+        <dgm:presLayoutVars>
+          <dgm:bulletEnabled val="1"/>
+        </dgm:presLayoutVars>
+      </dgm:prSet>
+      <dgm:spPr/>
+    </dgm:pt>
+    <dgm:pt modelId="{BEB5D646-A57E-4985-B757-0308E7C0B966}" type="pres">
+      <dgm:prSet presAssocID="{639C3B26-7E70-4210-859B-05B1866CDEDF}" presName="sp" presStyleCnt="0"/>
+      <dgm:spPr/>
+    </dgm:pt>
+    <dgm:pt modelId="{7C4EF720-A37F-4BC0-AA18-1ABAE2A9B327}" type="pres">
+      <dgm:prSet presAssocID="{B0A3615B-A54E-43C3-8722-088073036CBB}" presName="arrowAndChildren" presStyleCnt="0"/>
+      <dgm:spPr/>
+    </dgm:pt>
+    <dgm:pt modelId="{E337195E-4C0E-4133-BF61-F47B6AFBDB50}" type="pres">
+      <dgm:prSet presAssocID="{B0A3615B-A54E-43C3-8722-088073036CBB}" presName="parentTextArrow" presStyleLbl="node1" presStyleIdx="2" presStyleCnt="4"/>
+      <dgm:spPr/>
+    </dgm:pt>
+    <dgm:pt modelId="{04A0F07B-35D0-460F-9FF1-E084AFE36519}" type="pres">
+      <dgm:prSet presAssocID="{B0A3615B-A54E-43C3-8722-088073036CBB}" presName="arrow" presStyleLbl="node1" presStyleIdx="3" presStyleCnt="4"/>
+      <dgm:spPr/>
+    </dgm:pt>
+    <dgm:pt modelId="{E86ABA9E-092D-482A-B59F-2E78A644DE70}" type="pres">
+      <dgm:prSet presAssocID="{B0A3615B-A54E-43C3-8722-088073036CBB}" presName="descendantArrow" presStyleCnt="0"/>
+      <dgm:spPr/>
+    </dgm:pt>
+    <dgm:pt modelId="{D817C69C-79EC-4772-AC14-D2C60880EF8D}" type="pres">
+      <dgm:prSet presAssocID="{26ADE66B-3155-4D20-8734-00F9C37485B1}" presName="childTextArrow" presStyleLbl="fgAccFollowNode1" presStyleIdx="6" presStyleCnt="8">
+        <dgm:presLayoutVars>
+          <dgm:bulletEnabled val="1"/>
+        </dgm:presLayoutVars>
+      </dgm:prSet>
+      <dgm:spPr/>
+    </dgm:pt>
+    <dgm:pt modelId="{96059E09-E9CB-4481-9DE6-2E445465AA68}" type="pres">
+      <dgm:prSet presAssocID="{33DA715C-73BA-4767-89A2-565303B45B2F}" presName="childTextArrow" presStyleLbl="fgAccFollowNode1" presStyleIdx="7" presStyleCnt="8">
+        <dgm:presLayoutVars>
+          <dgm:bulletEnabled val="1"/>
+        </dgm:presLayoutVars>
+      </dgm:prSet>
+      <dgm:spPr/>
+    </dgm:pt>
+  </dgm:ptLst>
+  <dgm:cxnLst>
+    <dgm:cxn modelId="{104A2707-770A-4081-A89B-601E75FFD478}" type="presOf" srcId="{26ADE66B-3155-4D20-8734-00F9C37485B1}" destId="{D817C69C-79EC-4772-AC14-D2C60880EF8D}" srcOrd="0" destOrd="0" presId="urn:microsoft.com/office/officeart/2005/8/layout/process4"/>
+    <dgm:cxn modelId="{7DC89C10-6FF5-4FD4-9804-EC6003A57E04}" type="presOf" srcId="{8CEC3D21-D031-4BAA-9E6A-D0522E6B2300}" destId="{05D1771C-699E-4237-8064-66B75FFFF0FE}" srcOrd="1" destOrd="0" presId="urn:microsoft.com/office/officeart/2005/8/layout/process4"/>
+    <dgm:cxn modelId="{259CB312-C2E2-48FF-8AF4-BB59B09FB12F}" srcId="{D44DD4D8-AA11-4169-A13D-C5A9DBD942DD}" destId="{8CEC3D21-D031-4BAA-9E6A-D0522E6B2300}" srcOrd="3" destOrd="0" parTransId="{7EAEE753-103C-43A9-85DD-A1441CE39E98}" sibTransId="{F5A6F8EB-8E48-43A6-B3A4-64256270EB12}"/>
+    <dgm:cxn modelId="{64FBE917-D3CE-462B-9C26-C34FD2B6D44E}" srcId="{2EC72842-079E-4178-A816-D21F408A5667}" destId="{4ADF29EA-52BA-4F17-B101-12D2274B47A1}" srcOrd="0" destOrd="0" parTransId="{00687FDB-00B7-4146-8155-F90407B192EC}" sibTransId="{46834A11-0336-461B-BEEB-C55B5F36E368}"/>
+    <dgm:cxn modelId="{29A17623-FB4D-4E18-B230-1B855BF62084}" type="presOf" srcId="{584CD710-C724-49CC-9AFF-5018992DA3A1}" destId="{D47E33B8-8BA6-4011-ACEC-3853B3788D87}" srcOrd="0" destOrd="0" presId="urn:microsoft.com/office/officeart/2005/8/layout/process4"/>
+    <dgm:cxn modelId="{BBBBA32D-92AE-4368-8074-B333EEBA3A2E}" srcId="{8CEC3D21-D031-4BAA-9E6A-D0522E6B2300}" destId="{3E5A51D5-80C3-4C0A-B034-4C9387C12780}" srcOrd="1" destOrd="0" parTransId="{07210563-4F3E-4F61-BE13-5523236D2258}" sibTransId="{60046EB7-620D-4D28-9B8C-47027575C436}"/>
+    <dgm:cxn modelId="{A10EAD5B-1FA5-40BB-AED9-B68D58C20038}" type="presOf" srcId="{2EC72842-079E-4178-A816-D21F408A5667}" destId="{76B36FBD-8273-43BC-9F4C-87ABB8A930A8}" srcOrd="1" destOrd="0" presId="urn:microsoft.com/office/officeart/2005/8/layout/process4"/>
+    <dgm:cxn modelId="{C66FE160-9037-4C22-8A5C-34642EBE16EC}" srcId="{D44DD4D8-AA11-4169-A13D-C5A9DBD942DD}" destId="{2EC72842-079E-4178-A816-D21F408A5667}" srcOrd="1" destOrd="0" parTransId="{D02DCA18-7BE8-4BD3-87B6-4AF128A2A79B}" sibTransId="{2B81F2B4-FB6E-4427-92C7-B0CAF347B5DA}"/>
+    <dgm:cxn modelId="{AE477063-A4AB-46A5-A63C-925774694878}" srcId="{E6B53E83-69F5-4433-9389-48B46438E5F6}" destId="{0FEF49A3-2EB7-4C7C-A284-BC9A5178A157}" srcOrd="0" destOrd="0" parTransId="{5BD267EC-54F3-45C4-9483-7321F374ED9C}" sibTransId="{F940BDD7-BC88-44CF-88DF-D6C461AFF3C3}"/>
+    <dgm:cxn modelId="{730B4444-76D9-4ABF-9087-21F090FBCE9C}" type="presOf" srcId="{D6922E49-1C65-496B-B757-9E80563D8D8C}" destId="{B8F010AC-EDCB-4F28-B9D2-1F5B862163EB}" srcOrd="0" destOrd="0" presId="urn:microsoft.com/office/officeart/2005/8/layout/process4"/>
+    <dgm:cxn modelId="{9A30FA65-8D58-4FE4-84D2-CB0EBA20A471}" type="presOf" srcId="{8CEC3D21-D031-4BAA-9E6A-D0522E6B2300}" destId="{6EF7D0CA-F4D4-41BD-B64C-0767307BF0EF}" srcOrd="0" destOrd="0" presId="urn:microsoft.com/office/officeart/2005/8/layout/process4"/>
+    <dgm:cxn modelId="{118C084A-DA75-4BCF-B408-1F3B8CB468E2}" srcId="{2EC72842-079E-4178-A816-D21F408A5667}" destId="{D6922E49-1C65-496B-B757-9E80563D8D8C}" srcOrd="1" destOrd="0" parTransId="{5A7020C4-74E1-4CD0-8B53-4EB1F3ABC988}" sibTransId="{56D8C01C-6F7C-4A8F-89DF-3300AF5714AF}"/>
+    <dgm:cxn modelId="{77CABC4A-8578-4464-A6EE-095B5BE5CA84}" type="presOf" srcId="{E6B53E83-69F5-4433-9389-48B46438E5F6}" destId="{01E79B97-B28F-434E-8A0E-B2FDA1E1A9E0}" srcOrd="0" destOrd="0" presId="urn:microsoft.com/office/officeart/2005/8/layout/process4"/>
+    <dgm:cxn modelId="{C7F6AA6B-F498-4F21-8250-2F429105E709}" type="presOf" srcId="{D39C08E6-3C56-42B1-A07D-B43FC43F4146}" destId="{9E963D98-FED2-4984-B718-98470D8660E0}" srcOrd="0" destOrd="0" presId="urn:microsoft.com/office/officeart/2005/8/layout/process4"/>
+    <dgm:cxn modelId="{6EF19771-2FBB-426A-907C-103A3F1F2A37}" type="presOf" srcId="{D44DD4D8-AA11-4169-A13D-C5A9DBD942DD}" destId="{96C4D5A4-2B70-481D-8767-5BE49D22218B}" srcOrd="0" destOrd="0" presId="urn:microsoft.com/office/officeart/2005/8/layout/process4"/>
+    <dgm:cxn modelId="{2317FB51-25E4-424C-8D9C-496DE60D5DCB}" srcId="{E6B53E83-69F5-4433-9389-48B46438E5F6}" destId="{D39C08E6-3C56-42B1-A07D-B43FC43F4146}" srcOrd="1" destOrd="0" parTransId="{2CD04BCD-44C9-415B-A217-554E94FE5D5D}" sibTransId="{DD02631E-E116-4C17-B22F-5EE93D91B1B6}"/>
+    <dgm:cxn modelId="{8BC43986-D592-43E0-97B9-BE2C391D9DAB}" srcId="{D44DD4D8-AA11-4169-A13D-C5A9DBD942DD}" destId="{B0A3615B-A54E-43C3-8722-088073036CBB}" srcOrd="0" destOrd="0" parTransId="{29271BC1-1111-4F24-A629-FFDA442533DB}" sibTransId="{639C3B26-7E70-4210-859B-05B1866CDEDF}"/>
+    <dgm:cxn modelId="{96D6A386-1B44-45BE-B360-CBEEEBCA1F59}" srcId="{D44DD4D8-AA11-4169-A13D-C5A9DBD942DD}" destId="{E6B53E83-69F5-4433-9389-48B46438E5F6}" srcOrd="2" destOrd="0" parTransId="{77228177-7F54-403B-A373-9CA97488FE1D}" sibTransId="{1AA63BFA-19A4-4987-8BDE-E6BA80ADC2D9}"/>
+    <dgm:cxn modelId="{8CE4428D-2F73-41EE-B685-DD10638AF44C}" type="presOf" srcId="{4ADF29EA-52BA-4F17-B101-12D2274B47A1}" destId="{1B0F38DE-A1AF-4C6C-9186-F8A512CE55B2}" srcOrd="0" destOrd="0" presId="urn:microsoft.com/office/officeart/2005/8/layout/process4"/>
+    <dgm:cxn modelId="{5EF3328F-DF2E-43A3-9220-5964D7FE5A1F}" srcId="{B0A3615B-A54E-43C3-8722-088073036CBB}" destId="{33DA715C-73BA-4767-89A2-565303B45B2F}" srcOrd="1" destOrd="0" parTransId="{D829A378-ADE3-4C72-928C-49E9B4B0104C}" sibTransId="{02DD18B3-DAB8-4D88-99C7-7988983EA153}"/>
+    <dgm:cxn modelId="{77B3B492-5BCA-43EE-8680-2CDD2FEE283E}" type="presOf" srcId="{2EC72842-079E-4178-A816-D21F408A5667}" destId="{BE5756A5-7EE5-484C-961D-90F9E4F4C091}" srcOrd="0" destOrd="0" presId="urn:microsoft.com/office/officeart/2005/8/layout/process4"/>
+    <dgm:cxn modelId="{122EBE93-9624-4BAF-AABE-98F7ABDACDE2}" type="presOf" srcId="{0FEF49A3-2EB7-4C7C-A284-BC9A5178A157}" destId="{B943A58F-A690-49EC-8117-010964ECCE60}" srcOrd="0" destOrd="0" presId="urn:microsoft.com/office/officeart/2005/8/layout/process4"/>
+    <dgm:cxn modelId="{33718CA9-E95A-405B-AFE1-8D2EB62E230A}" type="presOf" srcId="{B0A3615B-A54E-43C3-8722-088073036CBB}" destId="{04A0F07B-35D0-460F-9FF1-E084AFE36519}" srcOrd="1" destOrd="0" presId="urn:microsoft.com/office/officeart/2005/8/layout/process4"/>
+    <dgm:cxn modelId="{965BBEC9-38D3-4956-A074-8143D8976628}" type="presOf" srcId="{B0A3615B-A54E-43C3-8722-088073036CBB}" destId="{E337195E-4C0E-4133-BF61-F47B6AFBDB50}" srcOrd="0" destOrd="0" presId="urn:microsoft.com/office/officeart/2005/8/layout/process4"/>
+    <dgm:cxn modelId="{1CC046D2-11C4-4FF9-B86D-67CC01C948D4}" type="presOf" srcId="{3E5A51D5-80C3-4C0A-B034-4C9387C12780}" destId="{1F3526C0-F05E-417F-85BE-BE17C3DBE7F0}" srcOrd="0" destOrd="0" presId="urn:microsoft.com/office/officeart/2005/8/layout/process4"/>
+    <dgm:cxn modelId="{F9CA32D8-9CB8-414F-9D6C-46B8A3044B0B}" srcId="{8CEC3D21-D031-4BAA-9E6A-D0522E6B2300}" destId="{584CD710-C724-49CC-9AFF-5018992DA3A1}" srcOrd="0" destOrd="0" parTransId="{491F6732-402F-4C4F-BC6C-30C9848A2A03}" sibTransId="{0E7E8B03-5558-4D60-AE4D-0CFF636AF166}"/>
+    <dgm:cxn modelId="{B55C31DC-6BE4-41A1-AA62-6C6009409F37}" type="presOf" srcId="{E6B53E83-69F5-4433-9389-48B46438E5F6}" destId="{5688FB06-1F06-4C6F-9853-205CD48A0E25}" srcOrd="1" destOrd="0" presId="urn:microsoft.com/office/officeart/2005/8/layout/process4"/>
+    <dgm:cxn modelId="{70E725E6-62D3-4EE6-B69E-BF8C1BFE4448}" type="presOf" srcId="{33DA715C-73BA-4767-89A2-565303B45B2F}" destId="{96059E09-E9CB-4481-9DE6-2E445465AA68}" srcOrd="0" destOrd="0" presId="urn:microsoft.com/office/officeart/2005/8/layout/process4"/>
+    <dgm:cxn modelId="{BC4C87F3-C444-4D0E-8404-F04949E76232}" srcId="{B0A3615B-A54E-43C3-8722-088073036CBB}" destId="{26ADE66B-3155-4D20-8734-00F9C37485B1}" srcOrd="0" destOrd="0" parTransId="{801991D7-24ED-4D63-BCA6-179992CFCD02}" sibTransId="{035FA4E1-CACD-4E94-ACCC-68307C4CBD9D}"/>
+    <dgm:cxn modelId="{9BA206A0-BE86-4B18-9F51-9146BAD2F244}" type="presParOf" srcId="{96C4D5A4-2B70-481D-8767-5BE49D22218B}" destId="{F591B729-FC79-4A3A-9CDE-3DD603C6B213}" srcOrd="0" destOrd="0" presId="urn:microsoft.com/office/officeart/2005/8/layout/process4"/>
+    <dgm:cxn modelId="{9F7C096D-5ECB-4817-9C88-2C5988695831}" type="presParOf" srcId="{F591B729-FC79-4A3A-9CDE-3DD603C6B213}" destId="{6EF7D0CA-F4D4-41BD-B64C-0767307BF0EF}" srcOrd="0" destOrd="0" presId="urn:microsoft.com/office/officeart/2005/8/layout/process4"/>
+    <dgm:cxn modelId="{3C1F0A36-0213-4645-8214-2D3F405A7D1B}" type="presParOf" srcId="{F591B729-FC79-4A3A-9CDE-3DD603C6B213}" destId="{05D1771C-699E-4237-8064-66B75FFFF0FE}" srcOrd="1" destOrd="0" presId="urn:microsoft.com/office/officeart/2005/8/layout/process4"/>
+    <dgm:cxn modelId="{0DDC3FB3-13B5-43BA-9A22-DA07C55756C8}" type="presParOf" srcId="{F591B729-FC79-4A3A-9CDE-3DD603C6B213}" destId="{602BD1D0-36BC-4130-996D-4C1C7111E4DD}" srcOrd="2" destOrd="0" presId="urn:microsoft.com/office/officeart/2005/8/layout/process4"/>
+    <dgm:cxn modelId="{1191C9EA-4179-49F7-B4B8-877FDA27199A}" type="presParOf" srcId="{602BD1D0-36BC-4130-996D-4C1C7111E4DD}" destId="{D47E33B8-8BA6-4011-ACEC-3853B3788D87}" srcOrd="0" destOrd="0" presId="urn:microsoft.com/office/officeart/2005/8/layout/process4"/>
+    <dgm:cxn modelId="{ADE478FC-D17D-46E4-B3F7-8C223127C22A}" type="presParOf" srcId="{602BD1D0-36BC-4130-996D-4C1C7111E4DD}" destId="{1F3526C0-F05E-417F-85BE-BE17C3DBE7F0}" srcOrd="1" destOrd="0" presId="urn:microsoft.com/office/officeart/2005/8/layout/process4"/>
+    <dgm:cxn modelId="{051666F8-7667-4632-BCA9-0B020110F68B}" type="presParOf" srcId="{96C4D5A4-2B70-481D-8767-5BE49D22218B}" destId="{CDC1B787-3AAD-4568-BDC5-25D234227B3E}" srcOrd="1" destOrd="0" presId="urn:microsoft.com/office/officeart/2005/8/layout/process4"/>
+    <dgm:cxn modelId="{8836AE9B-BBEE-4F28-A1F9-AC821CA24BA0}" type="presParOf" srcId="{96C4D5A4-2B70-481D-8767-5BE49D22218B}" destId="{DCD194DF-D4EC-4D3B-8503-6EFF6872B4F6}" srcOrd="2" destOrd="0" presId="urn:microsoft.com/office/officeart/2005/8/layout/process4"/>
+    <dgm:cxn modelId="{7E38A5FF-2826-466C-AB1E-2AB4A37FCF2E}" type="presParOf" srcId="{DCD194DF-D4EC-4D3B-8503-6EFF6872B4F6}" destId="{01E79B97-B28F-434E-8A0E-B2FDA1E1A9E0}" srcOrd="0" destOrd="0" presId="urn:microsoft.com/office/officeart/2005/8/layout/process4"/>
+    <dgm:cxn modelId="{8C8DC764-6194-4B73-9222-3DEF3A6D17C2}" type="presParOf" srcId="{DCD194DF-D4EC-4D3B-8503-6EFF6872B4F6}" destId="{5688FB06-1F06-4C6F-9853-205CD48A0E25}" srcOrd="1" destOrd="0" presId="urn:microsoft.com/office/officeart/2005/8/layout/process4"/>
+    <dgm:cxn modelId="{D5762F22-629D-41A8-A958-7F3E768ADFDE}" type="presParOf" srcId="{DCD194DF-D4EC-4D3B-8503-6EFF6872B4F6}" destId="{1C476141-7C52-4C04-B006-3E7CEF160E72}" srcOrd="2" destOrd="0" presId="urn:microsoft.com/office/officeart/2005/8/layout/process4"/>
+    <dgm:cxn modelId="{E64B8AA4-7A08-4AD1-BA29-DFBED533B05B}" type="presParOf" srcId="{1C476141-7C52-4C04-B006-3E7CEF160E72}" destId="{B943A58F-A690-49EC-8117-010964ECCE60}" srcOrd="0" destOrd="0" presId="urn:microsoft.com/office/officeart/2005/8/layout/process4"/>
+    <dgm:cxn modelId="{89EB6710-535E-4141-A38F-5A3B65B20A25}" type="presParOf" srcId="{1C476141-7C52-4C04-B006-3E7CEF160E72}" destId="{9E963D98-FED2-4984-B718-98470D8660E0}" srcOrd="1" destOrd="0" presId="urn:microsoft.com/office/officeart/2005/8/layout/process4"/>
+    <dgm:cxn modelId="{5D1CD04A-FAA6-4EFF-9DAB-305696893F01}" type="presParOf" srcId="{96C4D5A4-2B70-481D-8767-5BE49D22218B}" destId="{32682870-9AAB-498B-8094-A348ABBBC89D}" srcOrd="3" destOrd="0" presId="urn:microsoft.com/office/officeart/2005/8/layout/process4"/>
+    <dgm:cxn modelId="{3072F7E1-EF18-45EB-ABB4-69F119B9A4DC}" type="presParOf" srcId="{96C4D5A4-2B70-481D-8767-5BE49D22218B}" destId="{31F31232-52E2-4668-AF3C-5A4AA4F86311}" srcOrd="4" destOrd="0" presId="urn:microsoft.com/office/officeart/2005/8/layout/process4"/>
+    <dgm:cxn modelId="{93F9CD6D-C60C-4283-9F18-BDB995E9CEB4}" type="presParOf" srcId="{31F31232-52E2-4668-AF3C-5A4AA4F86311}" destId="{BE5756A5-7EE5-484C-961D-90F9E4F4C091}" srcOrd="0" destOrd="0" presId="urn:microsoft.com/office/officeart/2005/8/layout/process4"/>
+    <dgm:cxn modelId="{E797CB0E-5748-400F-82FA-5F2086EA093F}" type="presParOf" srcId="{31F31232-52E2-4668-AF3C-5A4AA4F86311}" destId="{76B36FBD-8273-43BC-9F4C-87ABB8A930A8}" srcOrd="1" destOrd="0" presId="urn:microsoft.com/office/officeart/2005/8/layout/process4"/>
+    <dgm:cxn modelId="{69BCB505-8413-4ED3-AA6A-E0D8CA2A4E03}" type="presParOf" srcId="{31F31232-52E2-4668-AF3C-5A4AA4F86311}" destId="{1E37C5D3-1F64-4743-AA87-24553DC1D66B}" srcOrd="2" destOrd="0" presId="urn:microsoft.com/office/officeart/2005/8/layout/process4"/>
+    <dgm:cxn modelId="{012B0E56-262C-4CA8-A1C7-B77302008080}" type="presParOf" srcId="{1E37C5D3-1F64-4743-AA87-24553DC1D66B}" destId="{1B0F38DE-A1AF-4C6C-9186-F8A512CE55B2}" srcOrd="0" destOrd="0" presId="urn:microsoft.com/office/officeart/2005/8/layout/process4"/>
+    <dgm:cxn modelId="{4EB3CA66-0B31-4ED1-B2C9-1BD71D09AC5D}" type="presParOf" srcId="{1E37C5D3-1F64-4743-AA87-24553DC1D66B}" destId="{B8F010AC-EDCB-4F28-B9D2-1F5B862163EB}" srcOrd="1" destOrd="0" presId="urn:microsoft.com/office/officeart/2005/8/layout/process4"/>
+    <dgm:cxn modelId="{B8D0F4E2-EF53-4B4A-92BC-284694C4F912}" type="presParOf" srcId="{96C4D5A4-2B70-481D-8767-5BE49D22218B}" destId="{BEB5D646-A57E-4985-B757-0308E7C0B966}" srcOrd="5" destOrd="0" presId="urn:microsoft.com/office/officeart/2005/8/layout/process4"/>
+    <dgm:cxn modelId="{7F7AAA3E-7163-4052-8B84-8079FA0EB1A5}" type="presParOf" srcId="{96C4D5A4-2B70-481D-8767-5BE49D22218B}" destId="{7C4EF720-A37F-4BC0-AA18-1ABAE2A9B327}" srcOrd="6" destOrd="0" presId="urn:microsoft.com/office/officeart/2005/8/layout/process4"/>
+    <dgm:cxn modelId="{FAADDE33-CB2B-4990-AF8D-11C5FC80B094}" type="presParOf" srcId="{7C4EF720-A37F-4BC0-AA18-1ABAE2A9B327}" destId="{E337195E-4C0E-4133-BF61-F47B6AFBDB50}" srcOrd="0" destOrd="0" presId="urn:microsoft.com/office/officeart/2005/8/layout/process4"/>
+    <dgm:cxn modelId="{CB236C80-0AF8-409C-B5D5-31B9BC863B2A}" type="presParOf" srcId="{7C4EF720-A37F-4BC0-AA18-1ABAE2A9B327}" destId="{04A0F07B-35D0-460F-9FF1-E084AFE36519}" srcOrd="1" destOrd="0" presId="urn:microsoft.com/office/officeart/2005/8/layout/process4"/>
+    <dgm:cxn modelId="{81D04745-212A-4D8D-8074-70794624163E}" type="presParOf" srcId="{7C4EF720-A37F-4BC0-AA18-1ABAE2A9B327}" destId="{E86ABA9E-092D-482A-B59F-2E78A644DE70}" srcOrd="2" destOrd="0" presId="urn:microsoft.com/office/officeart/2005/8/layout/process4"/>
+    <dgm:cxn modelId="{5764DA48-D9E8-4839-8F2B-EB26A3AE2ADE}" type="presParOf" srcId="{E86ABA9E-092D-482A-B59F-2E78A644DE70}" destId="{D817C69C-79EC-4772-AC14-D2C60880EF8D}" srcOrd="0" destOrd="0" presId="urn:microsoft.com/office/officeart/2005/8/layout/process4"/>
+    <dgm:cxn modelId="{A8938D25-C903-419E-B680-3BD928342804}" type="presParOf" srcId="{E86ABA9E-092D-482A-B59F-2E78A644DE70}" destId="{96059E09-E9CB-4481-9DE6-2E445465AA68}" srcOrd="1" destOrd="0" presId="urn:microsoft.com/office/officeart/2005/8/layout/process4"/>
+  </dgm:cxnLst>
+  <dgm:bg/>
+  <dgm:whole/>
+  <dgm:extLst>
+    <a:ext uri="http://schemas.microsoft.com/office/drawing/2008/diagram">
+      <dsp:dataModelExt xmlns:dsp="http://schemas.microsoft.com/office/drawing/2008/diagram" relId="rId6" minVer="http://schemas.openxmlformats.org/drawingml/2006/diagram"/>
+    </a:ext>
+  </dgm:extLst>
+</dgm:dataModel>
+</file>
+
+<file path=ppt/diagrams/drawing1.xml><?xml version="1.0" encoding="utf-8"?>
+<dsp:drawing xmlns:dgm="http://schemas.openxmlformats.org/drawingml/2006/diagram" xmlns:dsp="http://schemas.microsoft.com/office/drawing/2008/diagram" xmlns:a="http://schemas.openxmlformats.org/drawingml/2006/main">
+  <dsp:spTree>
+    <dsp:nvGrpSpPr>
+      <dsp:cNvPr id="0" name=""/>
+      <dsp:cNvGrpSpPr/>
+    </dsp:nvGrpSpPr>
+    <dsp:grpSpPr/>
+    <dsp:sp modelId="{05D1771C-699E-4237-8064-66B75FFFF0FE}">
+      <dsp:nvSpPr>
+        <dsp:cNvPr id="0" name=""/>
+        <dsp:cNvSpPr/>
+      </dsp:nvSpPr>
+      <dsp:spPr>
+        <a:xfrm>
+          <a:off x="0" y="3958144"/>
+          <a:ext cx="9601200" cy="867203"/>
+        </a:xfrm>
+        <a:prstGeom prst="rect">
+          <a:avLst/>
+        </a:prstGeom>
+        <a:solidFill>
+          <a:schemeClr val="accent4">
+            <a:hueOff val="0"/>
+            <a:satOff val="0"/>
+            <a:lumOff val="0"/>
+            <a:alphaOff val="0"/>
+          </a:schemeClr>
+        </a:solidFill>
+        <a:ln w="34925" cap="flat" cmpd="sng" algn="in">
+          <a:solidFill>
+            <a:schemeClr val="lt1">
+              <a:hueOff val="0"/>
+              <a:satOff val="0"/>
+              <a:lumOff val="0"/>
+              <a:alphaOff val="0"/>
+            </a:schemeClr>
+          </a:solidFill>
+          <a:prstDash val="solid"/>
+        </a:ln>
+        <a:effectLst/>
+      </dsp:spPr>
+      <dsp:style>
+        <a:lnRef idx="2">
+          <a:scrgbClr r="0" g="0" b="0"/>
+        </a:lnRef>
+        <a:fillRef idx="1">
+          <a:scrgbClr r="0" g="0" b="0"/>
+        </a:fillRef>
+        <a:effectRef idx="0">
+          <a:scrgbClr r="0" g="0" b="0"/>
+        </a:effectRef>
+        <a:fontRef idx="minor">
+          <a:schemeClr val="lt1"/>
+        </a:fontRef>
+      </dsp:style>
+      <dsp:txBody>
+        <a:bodyPr spcFirstLastPara="0" vert="horz" wrap="square" lIns="120904" tIns="120904" rIns="120904" bIns="120904" numCol="1" spcCol="1270" anchor="ctr" anchorCtr="0">
+          <a:noAutofit/>
+        </a:bodyPr>
+        <a:lstStyle/>
+        <a:p>
+          <a:pPr marL="0" lvl="0" indent="0" algn="ctr" defTabSz="755650">
+            <a:lnSpc>
+              <a:spcPct val="90000"/>
+            </a:lnSpc>
+            <a:spcBef>
+              <a:spcPct val="0"/>
+            </a:spcBef>
+            <a:spcAft>
+              <a:spcPct val="35000"/>
+            </a:spcAft>
+            <a:buNone/>
+          </a:pPr>
+          <a:r>
+            <a:rPr lang="en-US" sz="1700" kern="1200" dirty="0"/>
+            <a:t>Removal of outliers by Isolation forest algorithm </a:t>
+          </a:r>
+          <a:r>
+            <a:rPr lang="en-US" sz="1700" kern="1200"/>
+            <a:t>(optional) </a:t>
+          </a:r>
+          <a:endParaRPr lang="en-US" sz="1700" kern="1200" dirty="0"/>
+        </a:p>
+      </dsp:txBody>
+      <dsp:txXfrm>
+        <a:off x="0" y="3958144"/>
+        <a:ext cx="9601200" cy="468289"/>
+      </dsp:txXfrm>
+    </dsp:sp>
+    <dsp:sp modelId="{D47E33B8-8BA6-4011-ACEC-3853B3788D87}">
+      <dsp:nvSpPr>
+        <dsp:cNvPr id="0" name=""/>
+        <dsp:cNvSpPr/>
+      </dsp:nvSpPr>
+      <dsp:spPr>
+        <a:xfrm>
+          <a:off x="0" y="4420591"/>
+          <a:ext cx="4800600" cy="398913"/>
+        </a:xfrm>
+        <a:prstGeom prst="rect">
+          <a:avLst/>
+        </a:prstGeom>
+        <a:solidFill>
+          <a:schemeClr val="accent4">
+            <a:tint val="40000"/>
+            <a:alpha val="90000"/>
+            <a:hueOff val="0"/>
+            <a:satOff val="0"/>
+            <a:lumOff val="0"/>
+            <a:alphaOff val="0"/>
+          </a:schemeClr>
+        </a:solidFill>
+        <a:ln w="34925" cap="flat" cmpd="sng" algn="in">
+          <a:solidFill>
+            <a:schemeClr val="accent4">
+              <a:tint val="40000"/>
+              <a:alpha val="90000"/>
+              <a:hueOff val="0"/>
+              <a:satOff val="0"/>
+              <a:lumOff val="0"/>
+              <a:alphaOff val="0"/>
+            </a:schemeClr>
+          </a:solidFill>
+          <a:prstDash val="solid"/>
+        </a:ln>
+        <a:effectLst/>
+      </dsp:spPr>
+      <dsp:style>
+        <a:lnRef idx="2">
+          <a:scrgbClr r="0" g="0" b="0"/>
+        </a:lnRef>
+        <a:fillRef idx="1">
+          <a:scrgbClr r="0" g="0" b="0"/>
+        </a:fillRef>
+        <a:effectRef idx="0">
+          <a:scrgbClr r="0" g="0" b="0"/>
+        </a:effectRef>
+        <a:fontRef idx="minor"/>
+      </dsp:style>
+      <dsp:txBody>
+        <a:bodyPr spcFirstLastPara="0" vert="horz" wrap="square" lIns="177800" tIns="31750" rIns="177800" bIns="31750" numCol="1" spcCol="1270" anchor="ctr" anchorCtr="0">
+          <a:noAutofit/>
+        </a:bodyPr>
+        <a:lstStyle/>
+        <a:p>
+          <a:pPr marL="0" lvl="0" indent="0" algn="ctr" defTabSz="1111250">
+            <a:lnSpc>
+              <a:spcPct val="90000"/>
+            </a:lnSpc>
+            <a:spcBef>
+              <a:spcPct val="0"/>
+            </a:spcBef>
+            <a:spcAft>
+              <a:spcPct val="35000"/>
+            </a:spcAft>
+            <a:buNone/>
+          </a:pPr>
+          <a:r>
+            <a:rPr lang="en-US" sz="2500" kern="1200" dirty="0"/>
+            <a:t>2511</a:t>
+          </a:r>
+        </a:p>
+      </dsp:txBody>
+      <dsp:txXfrm>
+        <a:off x="0" y="4420591"/>
+        <a:ext cx="4800600" cy="398913"/>
+      </dsp:txXfrm>
+    </dsp:sp>
+    <dsp:sp modelId="{1F3526C0-F05E-417F-85BE-BE17C3DBE7F0}">
+      <dsp:nvSpPr>
+        <dsp:cNvPr id="0" name=""/>
+        <dsp:cNvSpPr/>
+      </dsp:nvSpPr>
+      <dsp:spPr>
+        <a:xfrm>
+          <a:off x="4800600" y="4418848"/>
+          <a:ext cx="4800600" cy="398913"/>
+        </a:xfrm>
+        <a:prstGeom prst="rect">
+          <a:avLst/>
+        </a:prstGeom>
+        <a:solidFill>
+          <a:schemeClr val="accent4">
+            <a:tint val="40000"/>
+            <a:alpha val="90000"/>
+            <a:hueOff val="0"/>
+            <a:satOff val="0"/>
+            <a:lumOff val="-323"/>
+            <a:alphaOff val="0"/>
+          </a:schemeClr>
+        </a:solidFill>
+        <a:ln w="34925" cap="flat" cmpd="sng" algn="in">
+          <a:solidFill>
+            <a:schemeClr val="accent4">
+              <a:tint val="40000"/>
+              <a:alpha val="90000"/>
+              <a:hueOff val="0"/>
+              <a:satOff val="0"/>
+              <a:lumOff val="-323"/>
+              <a:alphaOff val="0"/>
+            </a:schemeClr>
+          </a:solidFill>
+          <a:prstDash val="solid"/>
+        </a:ln>
+        <a:effectLst/>
+      </dsp:spPr>
+      <dsp:style>
+        <a:lnRef idx="2">
+          <a:scrgbClr r="0" g="0" b="0"/>
+        </a:lnRef>
+        <a:fillRef idx="1">
+          <a:scrgbClr r="0" g="0" b="0"/>
+        </a:fillRef>
+        <a:effectRef idx="0">
+          <a:scrgbClr r="0" g="0" b="0"/>
+        </a:effectRef>
+        <a:fontRef idx="minor"/>
+      </dsp:style>
+      <dsp:txBody>
+        <a:bodyPr spcFirstLastPara="0" vert="horz" wrap="square" lIns="177800" tIns="31750" rIns="177800" bIns="31750" numCol="1" spcCol="1270" anchor="ctr" anchorCtr="0">
+          <a:noAutofit/>
+        </a:bodyPr>
+        <a:lstStyle/>
+        <a:p>
+          <a:pPr marL="0" lvl="0" indent="0" algn="ctr" defTabSz="1111250">
+            <a:lnSpc>
+              <a:spcPct val="90000"/>
+            </a:lnSpc>
+            <a:spcBef>
+              <a:spcPct val="0"/>
+            </a:spcBef>
+            <a:spcAft>
+              <a:spcPct val="35000"/>
+            </a:spcAft>
+            <a:buNone/>
+          </a:pPr>
+          <a:r>
+            <a:rPr lang="en-US" sz="2500" kern="1200" dirty="0"/>
+            <a:t>5</a:t>
+          </a:r>
+        </a:p>
+      </dsp:txBody>
+      <dsp:txXfrm>
+        <a:off x="4800600" y="4418848"/>
+        <a:ext cx="4800600" cy="398913"/>
+      </dsp:txXfrm>
+    </dsp:sp>
+    <dsp:sp modelId="{5688FB06-1F06-4C6F-9853-205CD48A0E25}">
+      <dsp:nvSpPr>
+        <dsp:cNvPr id="0" name=""/>
+        <dsp:cNvSpPr/>
+      </dsp:nvSpPr>
+      <dsp:spPr>
+        <a:xfrm rot="10800000">
+          <a:off x="0" y="2643143"/>
+          <a:ext cx="9601200" cy="1333758"/>
+        </a:xfrm>
+        <a:prstGeom prst="upArrowCallout">
+          <a:avLst/>
+        </a:prstGeom>
+        <a:solidFill>
+          <a:schemeClr val="accent4">
+            <a:hueOff val="0"/>
+            <a:satOff val="0"/>
+            <a:lumOff val="-4313"/>
+            <a:alphaOff val="0"/>
+          </a:schemeClr>
+        </a:solidFill>
+        <a:ln w="34925" cap="flat" cmpd="sng" algn="in">
+          <a:solidFill>
+            <a:schemeClr val="lt1">
+              <a:hueOff val="0"/>
+              <a:satOff val="0"/>
+              <a:lumOff val="0"/>
+              <a:alphaOff val="0"/>
+            </a:schemeClr>
+          </a:solidFill>
+          <a:prstDash val="solid"/>
+        </a:ln>
+        <a:effectLst/>
+      </dsp:spPr>
+      <dsp:style>
+        <a:lnRef idx="2">
+          <a:scrgbClr r="0" g="0" b="0"/>
+        </a:lnRef>
+        <a:fillRef idx="1">
+          <a:scrgbClr r="0" g="0" b="0"/>
+        </a:fillRef>
+        <a:effectRef idx="0">
+          <a:scrgbClr r="0" g="0" b="0"/>
+        </a:effectRef>
+        <a:fontRef idx="minor">
+          <a:schemeClr val="lt1"/>
+        </a:fontRef>
+      </dsp:style>
+      <dsp:txBody>
+        <a:bodyPr spcFirstLastPara="0" vert="horz" wrap="square" lIns="120904" tIns="120904" rIns="120904" bIns="120904" numCol="1" spcCol="1270" anchor="ctr" anchorCtr="0">
+          <a:noAutofit/>
+        </a:bodyPr>
+        <a:lstStyle/>
+        <a:p>
+          <a:pPr marL="0" lvl="0" indent="0" algn="ctr" defTabSz="755650">
+            <a:lnSpc>
+              <a:spcPct val="90000"/>
+            </a:lnSpc>
+            <a:spcBef>
+              <a:spcPct val="0"/>
+            </a:spcBef>
+            <a:spcAft>
+              <a:spcPct val="35000"/>
+            </a:spcAft>
+            <a:buNone/>
+          </a:pPr>
+          <a:r>
+            <a:rPr lang="en-US" sz="1700" kern="1200" dirty="0"/>
+            <a:t>PCA</a:t>
+          </a:r>
+        </a:p>
+      </dsp:txBody>
+      <dsp:txXfrm rot="-10800000">
+        <a:off x="0" y="2643143"/>
+        <a:ext cx="9601200" cy="468149"/>
+      </dsp:txXfrm>
+    </dsp:sp>
+    <dsp:sp modelId="{B943A58F-A690-49EC-8117-010964ECCE60}">
+      <dsp:nvSpPr>
+        <dsp:cNvPr id="0" name=""/>
+        <dsp:cNvSpPr/>
+      </dsp:nvSpPr>
+      <dsp:spPr>
+        <a:xfrm>
+          <a:off x="0" y="3111292"/>
+          <a:ext cx="4800600" cy="398793"/>
+        </a:xfrm>
+        <a:prstGeom prst="rect">
+          <a:avLst/>
+        </a:prstGeom>
+        <a:solidFill>
+          <a:schemeClr val="accent4">
+            <a:tint val="40000"/>
+            <a:alpha val="90000"/>
+            <a:hueOff val="0"/>
+            <a:satOff val="0"/>
+            <a:lumOff val="-646"/>
+            <a:alphaOff val="0"/>
+          </a:schemeClr>
+        </a:solidFill>
+        <a:ln w="34925" cap="flat" cmpd="sng" algn="in">
+          <a:solidFill>
+            <a:schemeClr val="accent4">
+              <a:tint val="40000"/>
+              <a:alpha val="90000"/>
+              <a:hueOff val="0"/>
+              <a:satOff val="0"/>
+              <a:lumOff val="-646"/>
+              <a:alphaOff val="0"/>
+            </a:schemeClr>
+          </a:solidFill>
+          <a:prstDash val="solid"/>
+        </a:ln>
+        <a:effectLst/>
+      </dsp:spPr>
+      <dsp:style>
+        <a:lnRef idx="2">
+          <a:scrgbClr r="0" g="0" b="0"/>
+        </a:lnRef>
+        <a:fillRef idx="1">
+          <a:scrgbClr r="0" g="0" b="0"/>
+        </a:fillRef>
+        <a:effectRef idx="0">
+          <a:scrgbClr r="0" g="0" b="0"/>
+        </a:effectRef>
+        <a:fontRef idx="minor"/>
+      </dsp:style>
+      <dsp:txBody>
+        <a:bodyPr spcFirstLastPara="0" vert="horz" wrap="square" lIns="177800" tIns="31750" rIns="177800" bIns="31750" numCol="1" spcCol="1270" anchor="ctr" anchorCtr="0">
+          <a:noAutofit/>
+        </a:bodyPr>
+        <a:lstStyle/>
+        <a:p>
+          <a:pPr marL="0" lvl="0" indent="0" algn="ctr" defTabSz="1111250">
+            <a:lnSpc>
+              <a:spcPct val="90000"/>
+            </a:lnSpc>
+            <a:spcBef>
+              <a:spcPct val="0"/>
+            </a:spcBef>
+            <a:spcAft>
+              <a:spcPct val="35000"/>
+            </a:spcAft>
+            <a:buNone/>
+          </a:pPr>
+          <a:r>
+            <a:rPr lang="en-US" sz="2500" kern="1200" dirty="0"/>
+            <a:t>2700</a:t>
+          </a:r>
+        </a:p>
+      </dsp:txBody>
+      <dsp:txXfrm>
+        <a:off x="0" y="3111292"/>
+        <a:ext cx="4800600" cy="398793"/>
+      </dsp:txXfrm>
+    </dsp:sp>
+    <dsp:sp modelId="{9E963D98-FED2-4984-B718-98470D8660E0}">
+      <dsp:nvSpPr>
+        <dsp:cNvPr id="0" name=""/>
+        <dsp:cNvSpPr/>
+      </dsp:nvSpPr>
+      <dsp:spPr>
+        <a:xfrm>
+          <a:off x="4800600" y="3111292"/>
+          <a:ext cx="4800600" cy="398793"/>
+        </a:xfrm>
+        <a:prstGeom prst="rect">
+          <a:avLst/>
+        </a:prstGeom>
+        <a:solidFill>
+          <a:schemeClr val="accent4">
+            <a:tint val="40000"/>
+            <a:alpha val="90000"/>
+            <a:hueOff val="0"/>
+            <a:satOff val="0"/>
+            <a:lumOff val="-969"/>
+            <a:alphaOff val="0"/>
+          </a:schemeClr>
+        </a:solidFill>
+        <a:ln w="34925" cap="flat" cmpd="sng" algn="in">
+          <a:solidFill>
+            <a:schemeClr val="accent4">
+              <a:tint val="40000"/>
+              <a:alpha val="90000"/>
+              <a:hueOff val="0"/>
+              <a:satOff val="0"/>
+              <a:lumOff val="-969"/>
+              <a:alphaOff val="0"/>
+            </a:schemeClr>
+          </a:solidFill>
+          <a:prstDash val="solid"/>
+        </a:ln>
+        <a:effectLst/>
+      </dsp:spPr>
+      <dsp:style>
+        <a:lnRef idx="2">
+          <a:scrgbClr r="0" g="0" b="0"/>
+        </a:lnRef>
+        <a:fillRef idx="1">
+          <a:scrgbClr r="0" g="0" b="0"/>
+        </a:fillRef>
+        <a:effectRef idx="0">
+          <a:scrgbClr r="0" g="0" b="0"/>
+        </a:effectRef>
+        <a:fontRef idx="minor"/>
+      </dsp:style>
+      <dsp:txBody>
+        <a:bodyPr spcFirstLastPara="0" vert="horz" wrap="square" lIns="177800" tIns="31750" rIns="177800" bIns="31750" numCol="1" spcCol="1270" anchor="ctr" anchorCtr="0">
+          <a:noAutofit/>
+        </a:bodyPr>
+        <a:lstStyle/>
+        <a:p>
+          <a:pPr marL="0" lvl="0" indent="0" algn="ctr" defTabSz="1111250">
+            <a:lnSpc>
+              <a:spcPct val="90000"/>
+            </a:lnSpc>
+            <a:spcBef>
+              <a:spcPct val="0"/>
+            </a:spcBef>
+            <a:spcAft>
+              <a:spcPct val="35000"/>
+            </a:spcAft>
+            <a:buNone/>
+          </a:pPr>
+          <a:r>
+            <a:rPr lang="en-US" sz="2500" kern="1200" dirty="0"/>
+            <a:t>5</a:t>
+          </a:r>
+        </a:p>
+      </dsp:txBody>
+      <dsp:txXfrm>
+        <a:off x="4800600" y="3111292"/>
+        <a:ext cx="4800600" cy="398793"/>
+      </dsp:txXfrm>
+    </dsp:sp>
+    <dsp:sp modelId="{76B36FBD-8273-43BC-9F4C-87ABB8A930A8}">
+      <dsp:nvSpPr>
+        <dsp:cNvPr id="0" name=""/>
+        <dsp:cNvSpPr/>
+      </dsp:nvSpPr>
+      <dsp:spPr>
+        <a:xfrm rot="10800000">
+          <a:off x="0" y="1322393"/>
+          <a:ext cx="9601200" cy="1333758"/>
+        </a:xfrm>
+        <a:prstGeom prst="upArrowCallout">
+          <a:avLst/>
+        </a:prstGeom>
+        <a:solidFill>
+          <a:schemeClr val="accent4">
+            <a:hueOff val="0"/>
+            <a:satOff val="0"/>
+            <a:lumOff val="-8627"/>
+            <a:alphaOff val="0"/>
+          </a:schemeClr>
+        </a:solidFill>
+        <a:ln w="34925" cap="flat" cmpd="sng" algn="in">
+          <a:solidFill>
+            <a:schemeClr val="lt1">
+              <a:hueOff val="0"/>
+              <a:satOff val="0"/>
+              <a:lumOff val="0"/>
+              <a:alphaOff val="0"/>
+            </a:schemeClr>
+          </a:solidFill>
+          <a:prstDash val="solid"/>
+        </a:ln>
+        <a:effectLst/>
+      </dsp:spPr>
+      <dsp:style>
+        <a:lnRef idx="2">
+          <a:scrgbClr r="0" g="0" b="0"/>
+        </a:lnRef>
+        <a:fillRef idx="1">
+          <a:scrgbClr r="0" g="0" b="0"/>
+        </a:fillRef>
+        <a:effectRef idx="0">
+          <a:scrgbClr r="0" g="0" b="0"/>
+        </a:effectRef>
+        <a:fontRef idx="minor">
+          <a:schemeClr val="lt1"/>
+        </a:fontRef>
+      </dsp:style>
+      <dsp:txBody>
+        <a:bodyPr spcFirstLastPara="0" vert="horz" wrap="square" lIns="120904" tIns="120904" rIns="120904" bIns="120904" numCol="1" spcCol="1270" anchor="ctr" anchorCtr="0">
+          <a:noAutofit/>
+        </a:bodyPr>
+        <a:lstStyle/>
+        <a:p>
+          <a:pPr marL="0" lvl="0" indent="0" algn="ctr" defTabSz="755650">
+            <a:lnSpc>
+              <a:spcPct val="90000"/>
+            </a:lnSpc>
+            <a:spcBef>
+              <a:spcPct val="0"/>
+            </a:spcBef>
+            <a:spcAft>
+              <a:spcPct val="35000"/>
+            </a:spcAft>
+            <a:buNone/>
+          </a:pPr>
+          <a:r>
+            <a:rPr lang="en-US" sz="1700" kern="1200" dirty="0"/>
+            <a:t>Removal of genes that were not expressed in any cells</a:t>
+          </a:r>
+        </a:p>
+      </dsp:txBody>
+      <dsp:txXfrm rot="-10800000">
+        <a:off x="0" y="1322393"/>
+        <a:ext cx="9601200" cy="468149"/>
+      </dsp:txXfrm>
+    </dsp:sp>
+    <dsp:sp modelId="{1B0F38DE-A1AF-4C6C-9186-F8A512CE55B2}">
+      <dsp:nvSpPr>
+        <dsp:cNvPr id="0" name=""/>
+        <dsp:cNvSpPr/>
+      </dsp:nvSpPr>
+      <dsp:spPr>
+        <a:xfrm>
+          <a:off x="0" y="1790542"/>
+          <a:ext cx="4800600" cy="398793"/>
+        </a:xfrm>
+        <a:prstGeom prst="rect">
+          <a:avLst/>
+        </a:prstGeom>
+        <a:solidFill>
+          <a:schemeClr val="accent4">
+            <a:tint val="40000"/>
+            <a:alpha val="90000"/>
+            <a:hueOff val="0"/>
+            <a:satOff val="0"/>
+            <a:lumOff val="-1291"/>
+            <a:alphaOff val="0"/>
+          </a:schemeClr>
+        </a:solidFill>
+        <a:ln w="34925" cap="flat" cmpd="sng" algn="in">
+          <a:solidFill>
+            <a:schemeClr val="accent4">
+              <a:tint val="40000"/>
+              <a:alpha val="90000"/>
+              <a:hueOff val="0"/>
+              <a:satOff val="0"/>
+              <a:lumOff val="-1291"/>
+              <a:alphaOff val="0"/>
+            </a:schemeClr>
+          </a:solidFill>
+          <a:prstDash val="solid"/>
+        </a:ln>
+        <a:effectLst/>
+      </dsp:spPr>
+      <dsp:style>
+        <a:lnRef idx="2">
+          <a:scrgbClr r="0" g="0" b="0"/>
+        </a:lnRef>
+        <a:fillRef idx="1">
+          <a:scrgbClr r="0" g="0" b="0"/>
+        </a:fillRef>
+        <a:effectRef idx="0">
+          <a:scrgbClr r="0" g="0" b="0"/>
+        </a:effectRef>
+        <a:fontRef idx="minor"/>
+      </dsp:style>
+      <dsp:txBody>
+        <a:bodyPr spcFirstLastPara="0" vert="horz" wrap="square" lIns="177800" tIns="31750" rIns="177800" bIns="31750" numCol="1" spcCol="1270" anchor="ctr" anchorCtr="0">
+          <a:noAutofit/>
+        </a:bodyPr>
+        <a:lstStyle/>
+        <a:p>
+          <a:pPr marL="0" lvl="0" indent="0" algn="ctr" defTabSz="1111250">
+            <a:lnSpc>
+              <a:spcPct val="90000"/>
+            </a:lnSpc>
+            <a:spcBef>
+              <a:spcPct val="0"/>
+            </a:spcBef>
+            <a:spcAft>
+              <a:spcPct val="35000"/>
+            </a:spcAft>
+            <a:buNone/>
+          </a:pPr>
+          <a:r>
+            <a:rPr lang="en-US" sz="2500" kern="1200" dirty="0"/>
+            <a:t>2700</a:t>
+          </a:r>
+        </a:p>
+      </dsp:txBody>
+      <dsp:txXfrm>
+        <a:off x="0" y="1790542"/>
+        <a:ext cx="4800600" cy="398793"/>
+      </dsp:txXfrm>
+    </dsp:sp>
+    <dsp:sp modelId="{B8F010AC-EDCB-4F28-B9D2-1F5B862163EB}">
+      <dsp:nvSpPr>
+        <dsp:cNvPr id="0" name=""/>
+        <dsp:cNvSpPr/>
+      </dsp:nvSpPr>
+      <dsp:spPr>
+        <a:xfrm>
+          <a:off x="4800600" y="1790542"/>
+          <a:ext cx="4800600" cy="398793"/>
+        </a:xfrm>
+        <a:prstGeom prst="rect">
+          <a:avLst/>
+        </a:prstGeom>
+        <a:solidFill>
+          <a:schemeClr val="accent4">
+            <a:tint val="40000"/>
+            <a:alpha val="90000"/>
+            <a:hueOff val="0"/>
+            <a:satOff val="0"/>
+            <a:lumOff val="-1614"/>
+            <a:alphaOff val="0"/>
+          </a:schemeClr>
+        </a:solidFill>
+        <a:ln w="34925" cap="flat" cmpd="sng" algn="in">
+          <a:solidFill>
+            <a:schemeClr val="accent4">
+              <a:tint val="40000"/>
+              <a:alpha val="90000"/>
+              <a:hueOff val="0"/>
+              <a:satOff val="0"/>
+              <a:lumOff val="-1614"/>
+              <a:alphaOff val="0"/>
+            </a:schemeClr>
+          </a:solidFill>
+          <a:prstDash val="solid"/>
+        </a:ln>
+        <a:effectLst/>
+      </dsp:spPr>
+      <dsp:style>
+        <a:lnRef idx="2">
+          <a:scrgbClr r="0" g="0" b="0"/>
+        </a:lnRef>
+        <a:fillRef idx="1">
+          <a:scrgbClr r="0" g="0" b="0"/>
+        </a:fillRef>
+        <a:effectRef idx="0">
+          <a:scrgbClr r="0" g="0" b="0"/>
+        </a:effectRef>
+        <a:fontRef idx="minor"/>
+      </dsp:style>
+      <dsp:txBody>
+        <a:bodyPr spcFirstLastPara="0" vert="horz" wrap="square" lIns="177800" tIns="31750" rIns="177800" bIns="31750" numCol="1" spcCol="1270" anchor="ctr" anchorCtr="0">
+          <a:noAutofit/>
+        </a:bodyPr>
+        <a:lstStyle/>
+        <a:p>
+          <a:pPr marL="0" lvl="0" indent="0" algn="ctr" defTabSz="1111250">
+            <a:lnSpc>
+              <a:spcPct val="90000"/>
+            </a:lnSpc>
+            <a:spcBef>
+              <a:spcPct val="0"/>
+            </a:spcBef>
+            <a:spcAft>
+              <a:spcPct val="35000"/>
+            </a:spcAft>
+            <a:buNone/>
+          </a:pPr>
+          <a:r>
+            <a:rPr lang="en-US" sz="2500" kern="1200" dirty="0"/>
+            <a:t>16600</a:t>
+          </a:r>
+        </a:p>
+      </dsp:txBody>
+      <dsp:txXfrm>
+        <a:off x="4800600" y="1790542"/>
+        <a:ext cx="4800600" cy="398793"/>
+      </dsp:txXfrm>
+    </dsp:sp>
+    <dsp:sp modelId="{04A0F07B-35D0-460F-9FF1-E084AFE36519}">
+      <dsp:nvSpPr>
+        <dsp:cNvPr id="0" name=""/>
+        <dsp:cNvSpPr/>
+      </dsp:nvSpPr>
+      <dsp:spPr>
+        <a:xfrm rot="10800000">
+          <a:off x="0" y="1642"/>
+          <a:ext cx="9601200" cy="1333758"/>
+        </a:xfrm>
+        <a:prstGeom prst="upArrowCallout">
+          <a:avLst/>
+        </a:prstGeom>
+        <a:solidFill>
+          <a:schemeClr val="accent4">
+            <a:hueOff val="0"/>
+            <a:satOff val="0"/>
+            <a:lumOff val="-12940"/>
+            <a:alphaOff val="0"/>
+          </a:schemeClr>
+        </a:solidFill>
+        <a:ln w="34925" cap="flat" cmpd="sng" algn="in">
+          <a:solidFill>
+            <a:schemeClr val="lt1">
+              <a:hueOff val="0"/>
+              <a:satOff val="0"/>
+              <a:lumOff val="0"/>
+              <a:alphaOff val="0"/>
+            </a:schemeClr>
+          </a:solidFill>
+          <a:prstDash val="solid"/>
+        </a:ln>
+        <a:effectLst/>
+      </dsp:spPr>
+      <dsp:style>
+        <a:lnRef idx="2">
+          <a:scrgbClr r="0" g="0" b="0"/>
+        </a:lnRef>
+        <a:fillRef idx="1">
+          <a:scrgbClr r="0" g="0" b="0"/>
+        </a:fillRef>
+        <a:effectRef idx="0">
+          <a:scrgbClr r="0" g="0" b="0"/>
+        </a:effectRef>
+        <a:fontRef idx="minor">
+          <a:schemeClr val="lt1"/>
+        </a:fontRef>
+      </dsp:style>
+      <dsp:txBody>
+        <a:bodyPr spcFirstLastPara="0" vert="horz" wrap="square" lIns="120904" tIns="120904" rIns="120904" bIns="120904" numCol="1" spcCol="1270" anchor="ctr" anchorCtr="0">
+          <a:noAutofit/>
+        </a:bodyPr>
+        <a:lstStyle/>
+        <a:p>
+          <a:pPr marL="0" lvl="0" indent="0" algn="ctr" defTabSz="755650">
+            <a:lnSpc>
+              <a:spcPct val="90000"/>
+            </a:lnSpc>
+            <a:spcBef>
+              <a:spcPct val="0"/>
+            </a:spcBef>
+            <a:spcAft>
+              <a:spcPct val="35000"/>
+            </a:spcAft>
+            <a:buNone/>
+          </a:pPr>
+          <a:r>
+            <a:rPr lang="en-US" sz="1700" kern="1200" dirty="0"/>
+            <a:t>Raw data</a:t>
+          </a:r>
+        </a:p>
+      </dsp:txBody>
+      <dsp:txXfrm rot="-10800000">
+        <a:off x="0" y="1642"/>
+        <a:ext cx="9601200" cy="468149"/>
+      </dsp:txXfrm>
+    </dsp:sp>
+    <dsp:sp modelId="{D817C69C-79EC-4772-AC14-D2C60880EF8D}">
+      <dsp:nvSpPr>
+        <dsp:cNvPr id="0" name=""/>
+        <dsp:cNvSpPr/>
+      </dsp:nvSpPr>
+      <dsp:spPr>
+        <a:xfrm>
+          <a:off x="0" y="469792"/>
+          <a:ext cx="4800600" cy="398793"/>
+        </a:xfrm>
+        <a:prstGeom prst="rect">
+          <a:avLst/>
+        </a:prstGeom>
+        <a:solidFill>
+          <a:schemeClr val="accent4">
+            <a:tint val="40000"/>
+            <a:alpha val="90000"/>
+            <a:hueOff val="0"/>
+            <a:satOff val="0"/>
+            <a:lumOff val="-1937"/>
+            <a:alphaOff val="0"/>
+          </a:schemeClr>
+        </a:solidFill>
+        <a:ln w="34925" cap="flat" cmpd="sng" algn="in">
+          <a:solidFill>
+            <a:schemeClr val="accent4">
+              <a:tint val="40000"/>
+              <a:alpha val="90000"/>
+              <a:hueOff val="0"/>
+              <a:satOff val="0"/>
+              <a:lumOff val="-1937"/>
+              <a:alphaOff val="0"/>
+            </a:schemeClr>
+          </a:solidFill>
+          <a:prstDash val="solid"/>
+        </a:ln>
+        <a:effectLst/>
+      </dsp:spPr>
+      <dsp:style>
+        <a:lnRef idx="2">
+          <a:scrgbClr r="0" g="0" b="0"/>
+        </a:lnRef>
+        <a:fillRef idx="1">
+          <a:scrgbClr r="0" g="0" b="0"/>
+        </a:fillRef>
+        <a:effectRef idx="0">
+          <a:scrgbClr r="0" g="0" b="0"/>
+        </a:effectRef>
+        <a:fontRef idx="minor"/>
+      </dsp:style>
+      <dsp:txBody>
+        <a:bodyPr spcFirstLastPara="0" vert="horz" wrap="square" lIns="177800" tIns="31750" rIns="177800" bIns="31750" numCol="1" spcCol="1270" anchor="ctr" anchorCtr="0">
+          <a:noAutofit/>
+        </a:bodyPr>
+        <a:lstStyle/>
+        <a:p>
+          <a:pPr marL="0" lvl="0" indent="0" algn="ctr" defTabSz="1111250">
+            <a:lnSpc>
+              <a:spcPct val="90000"/>
+            </a:lnSpc>
+            <a:spcBef>
+              <a:spcPct val="0"/>
+            </a:spcBef>
+            <a:spcAft>
+              <a:spcPct val="35000"/>
+            </a:spcAft>
+            <a:buNone/>
+          </a:pPr>
+          <a:r>
+            <a:rPr lang="en-US" sz="2500" kern="1200" dirty="0"/>
+            <a:t>2700</a:t>
+          </a:r>
+        </a:p>
+      </dsp:txBody>
+      <dsp:txXfrm>
+        <a:off x="0" y="469792"/>
+        <a:ext cx="4800600" cy="398793"/>
+      </dsp:txXfrm>
+    </dsp:sp>
+    <dsp:sp modelId="{96059E09-E9CB-4481-9DE6-2E445465AA68}">
+      <dsp:nvSpPr>
+        <dsp:cNvPr id="0" name=""/>
+        <dsp:cNvSpPr/>
+      </dsp:nvSpPr>
+      <dsp:spPr>
+        <a:xfrm>
+          <a:off x="4800600" y="469792"/>
+          <a:ext cx="4800600" cy="398793"/>
+        </a:xfrm>
+        <a:prstGeom prst="rect">
+          <a:avLst/>
+        </a:prstGeom>
+        <a:solidFill>
+          <a:schemeClr val="accent4">
+            <a:tint val="40000"/>
+            <a:alpha val="90000"/>
+            <a:hueOff val="0"/>
+            <a:satOff val="0"/>
+            <a:lumOff val="-2260"/>
+            <a:alphaOff val="0"/>
+          </a:schemeClr>
+        </a:solidFill>
+        <a:ln w="34925" cap="flat" cmpd="sng" algn="in">
+          <a:solidFill>
+            <a:schemeClr val="accent4">
+              <a:tint val="40000"/>
+              <a:alpha val="90000"/>
+              <a:hueOff val="0"/>
+              <a:satOff val="0"/>
+              <a:lumOff val="-2260"/>
+              <a:alphaOff val="0"/>
+            </a:schemeClr>
+          </a:solidFill>
+          <a:prstDash val="solid"/>
+        </a:ln>
+        <a:effectLst/>
+      </dsp:spPr>
+      <dsp:style>
+        <a:lnRef idx="2">
+          <a:scrgbClr r="0" g="0" b="0"/>
+        </a:lnRef>
+        <a:fillRef idx="1">
+          <a:scrgbClr r="0" g="0" b="0"/>
+        </a:fillRef>
+        <a:effectRef idx="0">
+          <a:scrgbClr r="0" g="0" b="0"/>
+        </a:effectRef>
+        <a:fontRef idx="minor"/>
+      </dsp:style>
+      <dsp:txBody>
+        <a:bodyPr spcFirstLastPara="0" vert="horz" wrap="square" lIns="177800" tIns="31750" rIns="177800" bIns="31750" numCol="1" spcCol="1270" anchor="ctr" anchorCtr="0">
+          <a:noAutofit/>
+        </a:bodyPr>
+        <a:lstStyle/>
+        <a:p>
+          <a:pPr marL="0" lvl="0" indent="0" algn="ctr" defTabSz="1111250">
+            <a:lnSpc>
+              <a:spcPct val="90000"/>
+            </a:lnSpc>
+            <a:spcBef>
+              <a:spcPct val="0"/>
+            </a:spcBef>
+            <a:spcAft>
+              <a:spcPct val="35000"/>
+            </a:spcAft>
+            <a:buNone/>
+          </a:pPr>
+          <a:r>
+            <a:rPr lang="en-US" sz="2500" kern="1200" dirty="0"/>
+            <a:t>32700</a:t>
+          </a:r>
+        </a:p>
+      </dsp:txBody>
+      <dsp:txXfrm>
+        <a:off x="4800600" y="469792"/>
+        <a:ext cx="4800600" cy="398793"/>
+      </dsp:txXfrm>
+    </dsp:sp>
+  </dsp:spTree>
+</dsp:drawing>
+</file>
+
+<file path=ppt/diagrams/layout1.xml><?xml version="1.0" encoding="utf-8"?>
+<dgm:layoutDef xmlns:dgm="http://schemas.openxmlformats.org/drawingml/2006/diagram" xmlns:a="http://schemas.openxmlformats.org/drawingml/2006/main" uniqueId="urn:microsoft.com/office/officeart/2005/8/layout/process4">
+  <dgm:title val=""/>
+  <dgm:desc val=""/>
+  <dgm:catLst>
+    <dgm:cat type="process" pri="16000"/>
+    <dgm:cat type="list" pri="20000"/>
+  </dgm:catLst>
+  <dgm:sampData>
+    <dgm:dataModel>
+      <dgm:ptLst>
+        <dgm:pt modelId="0" type="doc"/>
+        <dgm:pt modelId="1">
+          <dgm:prSet phldr="1"/>
+        </dgm:pt>
+        <dgm:pt modelId="11">
+          <dgm:prSet phldr="1"/>
+        </dgm:pt>
+        <dgm:pt modelId="12">
+          <dgm:prSet phldr="1"/>
+        </dgm:pt>
+        <dgm:pt modelId="2">
+          <dgm:prSet phldr="1"/>
+        </dgm:pt>
+        <dgm:pt modelId="21">
+          <dgm:prSet phldr="1"/>
+        </dgm:pt>
+        <dgm:pt modelId="22">
+          <dgm:prSet phldr="1"/>
+        </dgm:pt>
+        <dgm:pt modelId="3">
+          <dgm:prSet phldr="1"/>
+        </dgm:pt>
+        <dgm:pt modelId="31">
+          <dgm:prSet phldr="1"/>
+        </dgm:pt>
+        <dgm:pt modelId="32">
+          <dgm:prSet phldr="1"/>
+        </dgm:pt>
+      </dgm:ptLst>
+      <dgm:cxnLst>
+        <dgm:cxn modelId="4" srcId="0" destId="1" srcOrd="0" destOrd="0"/>
+        <dgm:cxn modelId="5" srcId="0" destId="2" srcOrd="1" destOrd="0"/>
+        <dgm:cxn modelId="6" srcId="0" destId="3" srcOrd="2" destOrd="0"/>
+        <dgm:cxn modelId="13" srcId="1" destId="11" srcOrd="0" destOrd="0"/>
+        <dgm:cxn modelId="14" srcId="1" destId="12" srcOrd="1" destOrd="0"/>
+        <dgm:cxn modelId="23" srcId="2" destId="21" srcOrd="0" destOrd="0"/>
+        <dgm:cxn modelId="24" srcId="2" destId="22" srcOrd="1" destOrd="0"/>
+        <dgm:cxn modelId="33" srcId="3" destId="31" srcOrd="0" destOrd="0"/>
+        <dgm:cxn modelId="34" srcId="3" destId="32" srcOrd="1" destOrd="0"/>
+      </dgm:cxnLst>
+      <dgm:bg/>
+      <dgm:whole/>
+    </dgm:dataModel>
+  </dgm:sampData>
+  <dgm:styleData>
+    <dgm:dataModel>
+      <dgm:ptLst>
+        <dgm:pt modelId="0" type="doc"/>
+        <dgm:pt modelId="1"/>
+        <dgm:pt modelId="11"/>
+        <dgm:pt modelId="2"/>
+        <dgm:pt modelId="21"/>
+      </dgm:ptLst>
+      <dgm:cxnLst>
+        <dgm:cxn modelId="4" srcId="0" destId="1" srcOrd="0" destOrd="0"/>
+        <dgm:cxn modelId="5" srcId="0" destId="2" srcOrd="1" destOrd="0"/>
+        <dgm:cxn modelId="13" srcId="1" destId="11" srcOrd="0" destOrd="0"/>
+        <dgm:cxn modelId="23" srcId="2" destId="21" srcOrd="0" destOrd="0"/>
+      </dgm:cxnLst>
+      <dgm:bg/>
+      <dgm:whole/>
+    </dgm:dataModel>
+  </dgm:styleData>
+  <dgm:clrData>
+    <dgm:dataModel>
+      <dgm:ptLst>
+        <dgm:pt modelId="0" type="doc"/>
+        <dgm:pt modelId="1"/>
+        <dgm:pt modelId="11"/>
+        <dgm:pt modelId="2"/>
+        <dgm:pt modelId="21"/>
+        <dgm:pt modelId="3"/>
+        <dgm:pt modelId="31"/>
+        <dgm:pt modelId="4"/>
+        <dgm:pt modelId="41"/>
+      </dgm:ptLst>
+      <dgm:cxnLst>
+        <dgm:cxn modelId="5" srcId="0" destId="1" srcOrd="0" destOrd="0"/>
+        <dgm:cxn modelId="6" srcId="0" destId="2" srcOrd="1" destOrd="0"/>
+        <dgm:cxn modelId="7" srcId="0" destId="3" srcOrd="2" destOrd="0"/>
+        <dgm:cxn modelId="8" srcId="0" destId="4" srcOrd="3" destOrd="0"/>
+        <dgm:cxn modelId="13" srcId="1" destId="11" srcOrd="0" destOrd="0"/>
+        <dgm:cxn modelId="23" srcId="2" destId="21" srcOrd="0" destOrd="0"/>
+        <dgm:cxn modelId="33" srcId="3" destId="31" srcOrd="0" destOrd="0"/>
+        <dgm:cxn modelId="43" srcId="4" destId="41" srcOrd="0" destOrd="0"/>
+      </dgm:cxnLst>
+      <dgm:bg/>
+      <dgm:whole/>
+    </dgm:dataModel>
+  </dgm:clrData>
+  <dgm:layoutNode name="Name0">
+    <dgm:varLst>
+      <dgm:dir/>
+      <dgm:animLvl val="lvl"/>
+      <dgm:resizeHandles val="exact"/>
+    </dgm:varLst>
+    <dgm:alg type="lin">
+      <dgm:param type="linDir" val="fromB"/>
+    </dgm:alg>
+    <dgm:shape xmlns:r="http://schemas.openxmlformats.org/officeDocument/2006/relationships" r:blip="">
+      <dgm:adjLst/>
+    </dgm:shape>
+    <dgm:presOf/>
+    <dgm:constrLst>
+      <dgm:constr type="h" for="ch" forName="boxAndChildren" refType="h"/>
+      <dgm:constr type="h" for="ch" forName="arrowAndChildren" refType="h" refFor="ch" refForName="boxAndChildren" op="equ" fact="1.538"/>
+      <dgm:constr type="w" for="ch" forName="arrowAndChildren" refType="w"/>
+      <dgm:constr type="w" for="ch" forName="boxAndChildren" refType="w"/>
+      <dgm:constr type="h" for="ch" forName="sp" refType="h" fact="-0.015"/>
+      <dgm:constr type="primFontSz" for="des" forName="parentTextBox" val="65"/>
+      <dgm:constr type="primFontSz" for="des" forName="parentTextArrow" refType="primFontSz" refFor="des" refForName="parentTextBox" op="equ"/>
+      <dgm:constr type="primFontSz" for="des" forName="childTextArrow" val="65"/>
+      <dgm:constr type="primFontSz" for="des" forName="childTextBox" refType="primFontSz" refFor="des" refForName="childTextArrow" op="equ"/>
+    </dgm:constrLst>
+    <dgm:ruleLst/>
+    <dgm:forEach name="Name1" axis="ch" ptType="node" st="-1" step="-1">
+      <dgm:choose name="Name2">
+        <dgm:if name="Name3" axis="self" ptType="node" func="revPos" op="equ" val="1">
+          <dgm:layoutNode name="boxAndChildren">
+            <dgm:alg type="composite"/>
+            <dgm:shape xmlns:r="http://schemas.openxmlformats.org/officeDocument/2006/relationships" r:blip="">
+              <dgm:adjLst/>
+            </dgm:shape>
+            <dgm:presOf/>
+            <dgm:choose name="Name4">
+              <dgm:if name="Name5" axis="ch" ptType="node" func="cnt" op="gte" val="1">
+                <dgm:constrLst>
+                  <dgm:constr type="w" for="ch" forName="parentTextBox" refType="w"/>
+                  <dgm:constr type="h" for="ch" forName="parentTextBox" refType="h" fact="0.54"/>
+                  <dgm:constr type="t" for="ch" forName="parentTextBox"/>
+                  <dgm:constr type="w" for="ch" forName="entireBox" refType="w"/>
+                  <dgm:constr type="h" for="ch" forName="entireBox" refType="h"/>
+                  <dgm:constr type="w" for="ch" forName="descendantBox" refType="w"/>
+                  <dgm:constr type="b" for="ch" forName="descendantBox" refType="h" fact="0.98"/>
+                  <dgm:constr type="h" for="ch" forName="descendantBox" refType="h" fact="0.46"/>
+                </dgm:constrLst>
+              </dgm:if>
+              <dgm:else name="Name6">
+                <dgm:constrLst>
+                  <dgm:constr type="w" for="ch" forName="parentTextBox" refType="w"/>
+                  <dgm:constr type="h" for="ch" forName="parentTextBox" refType="h"/>
+                </dgm:constrLst>
+              </dgm:else>
+            </dgm:choose>
+            <dgm:ruleLst/>
+            <dgm:layoutNode name="parentTextBox">
+              <dgm:alg type="tx"/>
+              <dgm:choose name="Name7">
+                <dgm:if name="Name8" axis="ch" ptType="node" func="cnt" op="gte" val="1">
+                  <dgm:shape xmlns:r="http://schemas.openxmlformats.org/officeDocument/2006/relationships" type="rect" r:blip="" zOrderOff="1" hideGeom="1">
+                    <dgm:adjLst/>
+                  </dgm:shape>
+                </dgm:if>
+                <dgm:else name="Name9">
+                  <dgm:shape xmlns:r="http://schemas.openxmlformats.org/officeDocument/2006/relationships" type="rect" r:blip="">
+                    <dgm:adjLst/>
+                  </dgm:shape>
+                </dgm:else>
+              </dgm:choose>
+              <dgm:presOf axis="self"/>
+              <dgm:constrLst/>
+              <dgm:ruleLst>
+                <dgm:rule type="primFontSz" val="5" fact="NaN" max="NaN"/>
+              </dgm:ruleLst>
+            </dgm:layoutNode>
+            <dgm:choose name="Name10">
+              <dgm:if name="Name11" axis="ch" ptType="node" func="cnt" op="gte" val="1">
+                <dgm:layoutNode name="entireBox">
+                  <dgm:alg type="sp"/>
+                  <dgm:shape xmlns:r="http://schemas.openxmlformats.org/officeDocument/2006/relationships" type="rect" r:blip="">
+                    <dgm:adjLst/>
+                  </dgm:shape>
+                  <dgm:presOf axis="self"/>
+                  <dgm:constrLst/>
+                  <dgm:ruleLst/>
+                </dgm:layoutNode>
+                <dgm:layoutNode name="descendantBox" styleLbl="fgAccFollowNode1">
+                  <dgm:choose name="Name12">
+                    <dgm:if name="Name13" func="var" arg="dir" op="equ" val="norm">
+                      <dgm:alg type="lin"/>
+                    </dgm:if>
+                    <dgm:else name="Name14">
+                      <dgm:alg type="lin">
+                        <dgm:param type="linDir" val="fromR"/>
+                      </dgm:alg>
+                    </dgm:else>
+                  </dgm:choose>
+                  <dgm:shape xmlns:r="http://schemas.openxmlformats.org/officeDocument/2006/relationships" r:blip="">
+                    <dgm:adjLst/>
+                  </dgm:shape>
+                  <dgm:presOf/>
+                  <dgm:constrLst>
+                    <dgm:constr type="w" for="ch" forName="childTextBox" refType="w"/>
+                    <dgm:constr type="h" for="ch" forName="childTextBox" refType="h"/>
+                  </dgm:constrLst>
+                  <dgm:ruleLst/>
+                  <dgm:forEach name="Name15" axis="ch" ptType="node">
+                    <dgm:layoutNode name="childTextBox" styleLbl="fgAccFollowNode1">
+                      <dgm:varLst>
+                        <dgm:bulletEnabled val="1"/>
+                      </dgm:varLst>
+                      <dgm:alg type="tx"/>
+                      <dgm:shape xmlns:r="http://schemas.openxmlformats.org/officeDocument/2006/relationships" type="rect" r:blip="">
+                        <dgm:adjLst/>
+                      </dgm:shape>
+                      <dgm:presOf axis="desOrSelf" ptType="node"/>
+                      <dgm:constrLst>
+                        <dgm:constr type="tMarg" refType="primFontSz" fact="0.1"/>
+                        <dgm:constr type="bMarg" refType="primFontSz" fact="0.1"/>
+                      </dgm:constrLst>
+                      <dgm:ruleLst>
+                        <dgm:rule type="primFontSz" val="5" fact="NaN" max="NaN"/>
+                      </dgm:ruleLst>
+                    </dgm:layoutNode>
+                  </dgm:forEach>
+                </dgm:layoutNode>
+              </dgm:if>
+              <dgm:else name="Name16"/>
+            </dgm:choose>
+          </dgm:layoutNode>
+        </dgm:if>
+        <dgm:else name="Name17">
+          <dgm:layoutNode name="arrowAndChildren">
+            <dgm:alg type="composite"/>
+            <dgm:shape xmlns:r="http://schemas.openxmlformats.org/officeDocument/2006/relationships" r:blip="">
+              <dgm:adjLst/>
+            </dgm:shape>
+            <dgm:presOf/>
+            <dgm:choose name="Name18">
+              <dgm:if name="Name19" axis="ch" ptType="node" func="cnt" op="gte" val="1">
+                <dgm:constrLst>
+                  <dgm:constr type="w" for="ch" forName="parentTextArrow" refType="w"/>
+                  <dgm:constr type="t" for="ch" forName="parentTextArrow"/>
+                  <dgm:constr type="h" for="ch" forName="parentTextArrow" refType="h" fact="0.351"/>
+                  <dgm:constr type="w" for="ch" forName="arrow" refType="w"/>
+                  <dgm:constr type="h" for="ch" forName="arrow" refType="h"/>
+                  <dgm:constr type="w" for="ch" forName="descendantArrow" refType="w"/>
+                  <dgm:constr type="b" for="ch" forName="descendantArrow" refType="h" fact="0.65"/>
+                  <dgm:constr type="h" for="ch" forName="descendantArrow" refType="h" fact="0.299"/>
+                </dgm:constrLst>
+              </dgm:if>
+              <dgm:else name="Name20">
+                <dgm:constrLst>
+                  <dgm:constr type="w" for="ch" forName="parentTextArrow" refType="w"/>
+                  <dgm:constr type="h" for="ch" forName="parentTextArrow" refType="h"/>
+                </dgm:constrLst>
+              </dgm:else>
+            </dgm:choose>
+            <dgm:ruleLst/>
+            <dgm:layoutNode name="parentTextArrow">
+              <dgm:alg type="tx"/>
+              <dgm:choose name="Name21">
+                <dgm:if name="Name22" axis="ch" ptType="node" func="cnt" op="gte" val="1">
+                  <dgm:shape xmlns:r="http://schemas.openxmlformats.org/officeDocument/2006/relationships" type="rect" r:blip="" zOrderOff="1" hideGeom="1">
+                    <dgm:adjLst/>
+                  </dgm:shape>
+                </dgm:if>
+                <dgm:else name="Name23">
+                  <dgm:shape xmlns:r="http://schemas.openxmlformats.org/officeDocument/2006/relationships" rot="180" type="upArrowCallout" r:blip="">
+                    <dgm:adjLst/>
+                  </dgm:shape>
+                </dgm:else>
+              </dgm:choose>
+              <dgm:presOf axis="self"/>
+              <dgm:constrLst/>
+              <dgm:ruleLst>
+                <dgm:rule type="primFontSz" val="5" fact="NaN" max="NaN"/>
+              </dgm:ruleLst>
+            </dgm:layoutNode>
+            <dgm:choose name="Name24">
+              <dgm:if name="Name25" axis="ch" ptType="node" func="cnt" op="gte" val="1">
+                <dgm:layoutNode name="arrow">
+                  <dgm:alg type="sp"/>
+                  <dgm:shape xmlns:r="http://schemas.openxmlformats.org/officeDocument/2006/relationships" rot="180" type="upArrowCallout" r:blip="">
+                    <dgm:adjLst/>
+                  </dgm:shape>
+                  <dgm:presOf axis="self"/>
+                  <dgm:constrLst/>
+                  <dgm:ruleLst/>
+                </dgm:layoutNode>
+                <dgm:layoutNode name="descendantArrow">
+                  <dgm:choose name="Name26">
+                    <dgm:if name="Name27" func="var" arg="dir" op="equ" val="norm">
+                      <dgm:alg type="lin"/>
+                    </dgm:if>
+                    <dgm:else name="Name28">
+                      <dgm:alg type="lin">
+                        <dgm:param type="linDir" val="fromR"/>
+                      </dgm:alg>
+                    </dgm:else>
+                  </dgm:choose>
+                  <dgm:shape xmlns:r="http://schemas.openxmlformats.org/officeDocument/2006/relationships" r:blip="">
+                    <dgm:adjLst/>
+                  </dgm:shape>
+                  <dgm:presOf/>
+                  <dgm:constrLst>
+                    <dgm:constr type="w" for="ch" forName="childTextArrow" refType="w"/>
+                    <dgm:constr type="h" for="ch" forName="childTextArrow" refType="h"/>
+                  </dgm:constrLst>
+                  <dgm:ruleLst/>
+                  <dgm:forEach name="Name29" axis="ch" ptType="node">
+                    <dgm:layoutNode name="childTextArrow" styleLbl="fgAccFollowNode1">
+                      <dgm:varLst>
+                        <dgm:bulletEnabled val="1"/>
+                      </dgm:varLst>
+                      <dgm:alg type="tx"/>
+                      <dgm:shape xmlns:r="http://schemas.openxmlformats.org/officeDocument/2006/relationships" type="rect" r:blip="">
+                        <dgm:adjLst/>
+                      </dgm:shape>
+                      <dgm:presOf axis="desOrSelf" ptType="node"/>
+                      <dgm:constrLst>
+                        <dgm:constr type="tMarg" refType="primFontSz" fact="0.1"/>
+                        <dgm:constr type="bMarg" refType="primFontSz" fact="0.1"/>
+                      </dgm:constrLst>
+                      <dgm:ruleLst>
+                        <dgm:rule type="primFontSz" val="5" fact="NaN" max="NaN"/>
+                      </dgm:ruleLst>
+                    </dgm:layoutNode>
+                  </dgm:forEach>
+                </dgm:layoutNode>
+              </dgm:if>
+              <dgm:else name="Name30"/>
+            </dgm:choose>
+          </dgm:layoutNode>
+        </dgm:else>
+      </dgm:choose>
+      <dgm:forEach name="Name31" axis="precedSib" ptType="sibTrans" st="-1" cnt="1">
+        <dgm:layoutNode name="sp">
+          <dgm:alg type="sp"/>
+          <dgm:shape xmlns:r="http://schemas.openxmlformats.org/officeDocument/2006/relationships" r:blip="">
+            <dgm:adjLst/>
+          </dgm:shape>
+          <dgm:presOf axis="self"/>
+          <dgm:constrLst/>
+          <dgm:ruleLst/>
+        </dgm:layoutNode>
+      </dgm:forEach>
+    </dgm:forEach>
+  </dgm:layoutNode>
+</dgm:layoutDef>
+</file>
+
+<file path=ppt/diagrams/quickStyle1.xml><?xml version="1.0" encoding="utf-8"?>
+<dgm:styleDef xmlns:dgm="http://schemas.openxmlformats.org/drawingml/2006/diagram" xmlns:a="http://schemas.openxmlformats.org/drawingml/2006/main" uniqueId="urn:microsoft.com/office/officeart/2005/8/quickstyle/simple1">
+  <dgm:title val=""/>
+  <dgm:desc val=""/>
+  <dgm:catLst>
+    <dgm:cat type="simple" pri="10100"/>
+  </dgm:catLst>
+  <dgm:scene3d>
+    <a:camera prst="orthographicFront"/>
+    <a:lightRig rig="threePt" dir="t"/>
+  </dgm:scene3d>
+  <dgm:styleLbl name="node0">
+    <dgm:scene3d>
+      <a:camera prst="orthographicFront"/>
+      <a:lightRig rig="threePt" dir="t"/>
+    </dgm:scene3d>
+    <dgm:sp3d/>
+    <dgm:txPr/>
+    <dgm:style>
+      <a:lnRef idx="2">
+        <a:scrgbClr r="0" g="0" b="0"/>
+      </a:lnRef>
+      <a:fillRef idx="1">
+        <a:scrgbClr r="0" g="0" b="0"/>
+      </a:fillRef>
+      <a:effectRef idx="0">
+        <a:scrgbClr r="0" g="0" b="0"/>
+      </a:effectRef>
+      <a:fontRef idx="minor">
+        <a:schemeClr val="lt1"/>
+      </a:fontRef>
+    </dgm:style>
+  </dgm:styleLbl>
+  <dgm:styleLbl name="lnNode1">
+    <dgm:scene3d>
+      <a:camera prst="orthographicFront"/>
+      <a:lightRig rig="threePt" dir="t"/>
+    </dgm:scene3d>
+    <dgm:sp3d/>
+    <dgm:txPr/>
+    <dgm:style>
+      <a:lnRef idx="2">
+        <a:scrgbClr r="0" g="0" b="0"/>
+      </a:lnRef>
+      <a:fillRef idx="1">
+        <a:scrgbClr r="0" g="0" b="0"/>
+      </a:fillRef>
+      <a:effectRef idx="0">
+        <a:scrgbClr r="0" g="0" b="0"/>
+      </a:effectRef>
+      <a:fontRef idx="minor">
+        <a:schemeClr val="lt1"/>
+      </a:fontRef>
+    </dgm:style>
+  </dgm:styleLbl>
+  <dgm:styleLbl name="vennNode1">
+    <dgm:scene3d>
+      <a:camera prst="orthographicFront"/>
+      <a:lightRig rig="threePt" dir="t"/>
+    </dgm:scene3d>
+    <dgm:sp3d/>
+    <dgm:txPr/>
+    <dgm:style>
+      <a:lnRef idx="2">
+        <a:scrgbClr r="0" g="0" b="0"/>
+      </a:lnRef>
+      <a:fillRef idx="1">
+        <a:scrgbClr r="0" g="0" b="0"/>
+      </a:fillRef>
+      <a:effectRef idx="0">
+        <a:scrgbClr r="0" g="0" b="0"/>
+      </a:effectRef>
+      <a:fontRef idx="minor">
+        <a:schemeClr val="tx1"/>
+      </a:fontRef>
+    </dgm:style>
+  </dgm:styleLbl>
+  <dgm:styleLbl name="alignNode1">
+    <dgm:scene3d>
+      <a:camera prst="orthographicFront"/>
+      <a:lightRig rig="threePt" dir="t"/>
+    </dgm:scene3d>
+    <dgm:sp3d/>
+    <dgm:txPr/>
+    <dgm:style>
+      <a:lnRef idx="2">
+        <a:scrgbClr r="0" g="0" b="0"/>
+      </a:lnRef>
+      <a:fillRef idx="1">
+        <a:scrgbClr r="0" g="0" b="0"/>
+      </a:fillRef>
+      <a:effectRef idx="0">
+        <a:scrgbClr r="0" g="0" b="0"/>
+      </a:effectRef>
+      <a:fontRef idx="minor">
+        <a:schemeClr val="lt1"/>
+      </a:fontRef>
+    </dgm:style>
+  </dgm:styleLbl>
+  <dgm:styleLbl name="node1">
+    <dgm:scene3d>
+      <a:camera prst="orthographicFront"/>
+      <a:lightRig rig="threePt" dir="t"/>
+    </dgm:scene3d>
+    <dgm:sp3d/>
+    <dgm:txPr/>
+    <dgm:style>
+      <a:lnRef idx="2">
+        <a:scrgbClr r="0" g="0" b="0"/>
+      </a:lnRef>
+      <a:fillRef idx="1">
+        <a:scrgbClr r="0" g="0" b="0"/>
+      </a:fillRef>
+      <a:effectRef idx="0">
+        <a:scrgbClr r="0" g="0" b="0"/>
+      </a:effectRef>
+      <a:fontRef idx="minor">
+        <a:schemeClr val="lt1"/>
+      </a:fontRef>
+    </dgm:style>
+  </dgm:styleLbl>
+  <dgm:styleLbl name="node2">
+    <dgm:scene3d>
+      <a:camera prst="orthographicFront"/>
+      <a:lightRig rig="threePt" dir="t"/>
+    </dgm:scene3d>
+    <dgm:sp3d/>
+    <dgm:txPr/>
+    <dgm:style>
+      <a:lnRef idx="2">
+        <a:scrgbClr r="0" g="0" b="0"/>
+      </a:lnRef>
+      <a:fillRef idx="1">
+        <a:scrgbClr r="0" g="0" b="0"/>
+      </a:fillRef>
+      <a:effectRef idx="0">
+        <a:scrgbClr r="0" g="0" b="0"/>
+      </a:effectRef>
+      <a:fontRef idx="minor">
+        <a:schemeClr val="lt1"/>
+      </a:fontRef>
+    </dgm:style>
+  </dgm:styleLbl>
+  <dgm:styleLbl name="node3">
+    <dgm:scene3d>
+      <a:camera prst="orthographicFront"/>
+      <a:lightRig rig="threePt" dir="t"/>
+    </dgm:scene3d>
+    <dgm:sp3d/>
+    <dgm:txPr/>
+    <dgm:style>
+      <a:lnRef idx="2">
+        <a:scrgbClr r="0" g="0" b="0"/>
+      </a:lnRef>
+      <a:fillRef idx="1">
+        <a:scrgbClr r="0" g="0" b="0"/>
+      </a:fillRef>
+      <a:effectRef idx="0">
+        <a:scrgbClr r="0" g="0" b="0"/>
+      </a:effectRef>
+      <a:fontRef idx="minor">
+        <a:schemeClr val="lt1"/>
+      </a:fontRef>
+    </dgm:style>
+  </dgm:styleLbl>
+  <dgm:styleLbl name="node4">
+    <dgm:scene3d>
+      <a:camera prst="orthographicFront"/>
+      <a:lightRig rig="threePt" dir="t"/>
+    </dgm:scene3d>
+    <dgm:sp3d/>
+    <dgm:txPr/>
+    <dgm:style>
+      <a:lnRef idx="2">
+        <a:scrgbClr r="0" g="0" b="0"/>
+      </a:lnRef>
+      <a:fillRef idx="1">
+        <a:scrgbClr r="0" g="0" b="0"/>
+      </a:fillRef>
+      <a:effectRef idx="0">
+        <a:scrgbClr r="0" g="0" b="0"/>
+      </a:effectRef>
+      <a:fontRef idx="minor">
+        <a:schemeClr val="lt1"/>
+      </a:fontRef>
+    </dgm:style>
+  </dgm:styleLbl>
+  <dgm:styleLbl name="fgImgPlace1">
+    <dgm:scene3d>
+      <a:camera prst="orthographicFront"/>
+      <a:lightRig rig="threePt" dir="t"/>
+    </dgm:scene3d>
+    <dgm:sp3d/>
+    <dgm:txPr/>
+    <dgm:style>
+      <a:lnRef idx="2">
+        <a:scrgbClr r="0" g="0" b="0"/>
+      </a:lnRef>
+      <a:fillRef idx="1">
+        <a:scrgbClr r="0" g="0" b="0"/>
+      </a:fillRef>
+      <a:effectRef idx="0">
+        <a:scrgbClr r="0" g="0" b="0"/>
+      </a:effectRef>
+      <a:fontRef idx="minor"/>
+    </dgm:style>
+  </dgm:styleLbl>
+  <dgm:styleLbl name="alignImgPlace1">
+    <dgm:scene3d>
+      <a:camera prst="orthographicFront"/>
+      <a:lightRig rig="threePt" dir="t"/>
+    </dgm:scene3d>
+    <dgm:sp3d/>
+    <dgm:txPr/>
+    <dgm:style>
+      <a:lnRef idx="2">
+        <a:scrgbClr r="0" g="0" b="0"/>
+      </a:lnRef>
+      <a:fillRef idx="1">
+        <a:scrgbClr r="0" g="0" b="0"/>
+      </a:fillRef>
+      <a:effectRef idx="0">
+        <a:scrgbClr r="0" g="0" b="0"/>
+      </a:effectRef>
+      <a:fontRef idx="minor"/>
+    </dgm:style>
+  </dgm:styleLbl>
+  <dgm:styleLbl name="bgImgPlace1">
+    <dgm:scene3d>
+      <a:camera prst="orthographicFront"/>
+      <a:lightRig rig="threePt" dir="t"/>
+    </dgm:scene3d>
+    <dgm:sp3d/>
+    <dgm:txPr/>
+    <dgm:style>
+      <a:lnRef idx="2">
+        <a:scrgbClr r="0" g="0" b="0"/>
+      </a:lnRef>
+      <a:fillRef idx="1">
+        <a:scrgbClr r="0" g="0" b="0"/>
+      </a:fillRef>
+      <a:effectRef idx="0">
+        <a:scrgbClr r="0" g="0" b="0"/>
+      </a:effectRef>
+      <a:fontRef idx="minor"/>
+    </dgm:style>
+  </dgm:styleLbl>
+  <dgm:styleLbl name="sibTrans2D1">
+    <dgm:scene3d>
+      <a:camera prst="orthographicFront"/>
+      <a:lightRig rig="threePt" dir="t"/>
+    </dgm:scene3d>
+    <dgm:sp3d/>
+    <dgm:txPr/>
+    <dgm:style>
+      <a:lnRef idx="0">
+        <a:scrgbClr r="0" g="0" b="0"/>
+      </a:lnRef>
+      <a:fillRef idx="1">
+        <a:scrgbClr r="0" g="0" b="0"/>
+      </a:fillRef>
+      <a:effectRef idx="0">
+        <a:scrgbClr r="0" g="0" b="0"/>
+      </a:effectRef>
+      <a:fontRef idx="minor">
+        <a:schemeClr val="lt1"/>
+      </a:fontRef>
+    </dgm:style>
+  </dgm:styleLbl>
+  <dgm:styleLbl name="fgSibTrans2D1">
+    <dgm:scene3d>
+      <a:camera prst="orthographicFront"/>
+      <a:lightRig rig="threePt" dir="t"/>
+    </dgm:scene3d>
+    <dgm:sp3d/>
+    <dgm:txPr/>
+    <dgm:style>
+      <a:lnRef idx="0">
+        <a:scrgbClr r="0" g="0" b="0"/>
+      </a:lnRef>
+      <a:fillRef idx="1">
+        <a:scrgbClr r="0" g="0" b="0"/>
+      </a:fillRef>
+      <a:effectRef idx="0">
+        <a:scrgbClr r="0" g="0" b="0"/>
+      </a:effectRef>
+      <a:fontRef idx="minor">
+        <a:schemeClr val="lt1"/>
+      </a:fontRef>
+    </dgm:style>
+  </dgm:styleLbl>
+  <dgm:styleLbl name="bgSibTrans2D1">
+    <dgm:scene3d>
+      <a:camera prst="orthographicFront"/>
+      <a:lightRig rig="threePt" dir="t"/>
+    </dgm:scene3d>
+    <dgm:sp3d/>
+    <dgm:txPr/>
+    <dgm:style>
+      <a:lnRef idx="0">
+        <a:scrgbClr r="0" g="0" b="0"/>
+      </a:lnRef>
+      <a:fillRef idx="1">
+        <a:scrgbClr r="0" g="0" b="0"/>
+      </a:fillRef>
+      <a:effectRef idx="0">
+        <a:scrgbClr r="0" g="0" b="0"/>
+      </a:effectRef>
+      <a:fontRef idx="minor">
+        <a:schemeClr val="lt1"/>
+      </a:fontRef>
+    </dgm:style>
+  </dgm:styleLbl>
+  <dgm:styleLbl name="sibTrans1D1">
+    <dgm:scene3d>
+      <a:camera prst="orthographicFront"/>
+      <a:lightRig rig="threePt" dir="t"/>
+    </dgm:scene3d>
+    <dgm:sp3d/>
+    <dgm:txPr/>
+    <dgm:style>
+      <a:lnRef idx="1">
+        <a:scrgbClr r="0" g="0" b="0"/>
+      </a:lnRef>
+      <a:fillRef idx="0">
+        <a:scrgbClr r="0" g="0" b="0"/>
+      </a:fillRef>
+      <a:effectRef idx="0">
+        <a:scrgbClr r="0" g="0" b="0"/>
+      </a:effectRef>
+      <a:fontRef idx="minor"/>
+    </dgm:style>
+  </dgm:styleLbl>
+  <dgm:styleLbl name="callout">
+    <dgm:scene3d>
+      <a:camera prst="orthographicFront"/>
+      <a:lightRig rig="threePt" dir="t"/>
+    </dgm:scene3d>
+    <dgm:sp3d/>
+    <dgm:txPr/>
+    <dgm:style>
+      <a:lnRef idx="2">
+        <a:scrgbClr r="0" g="0" b="0"/>
+      </a:lnRef>
+      <a:fillRef idx="1">
+        <a:scrgbClr r="0" g="0" b="0"/>
+      </a:fillRef>
+      <a:effectRef idx="0">
+        <a:scrgbClr r="0" g="0" b="0"/>
+      </a:effectRef>
+      <a:fontRef idx="minor"/>
+    </dgm:style>
+  </dgm:styleLbl>
+  <dgm:styleLbl name="asst0">
+    <dgm:scene3d>
+      <a:camera prst="orthographicFront"/>
+      <a:lightRig rig="threePt" dir="t"/>
+    </dgm:scene3d>
+    <dgm:sp3d/>
+    <dgm:txPr/>
+    <dgm:style>
+      <a:lnRef idx="2">
+        <a:scrgbClr r="0" g="0" b="0"/>
+      </a:lnRef>
+      <a:fillRef idx="1">
+        <a:scrgbClr r="0" g="0" b="0"/>
+      </a:fillRef>
+      <a:effectRef idx="0">
+        <a:scrgbClr r="0" g="0" b="0"/>
+      </a:effectRef>
+      <a:fontRef idx="minor">
+        <a:schemeClr val="lt1"/>
+      </a:fontRef>
+    </dgm:style>
+  </dgm:styleLbl>
+  <dgm:styleLbl name="asst1">
+    <dgm:scene3d>
+      <a:camera prst="orthographicFront"/>
+      <a:lightRig rig="threePt" dir="t"/>
+    </dgm:scene3d>
+    <dgm:sp3d/>
+    <dgm:txPr/>
+    <dgm:style>
+      <a:lnRef idx="2">
+        <a:scrgbClr r="0" g="0" b="0"/>
+      </a:lnRef>
+      <a:fillRef idx="1">
+        <a:scrgbClr r="0" g="0" b="0"/>
+      </a:fillRef>
+      <a:effectRef idx="0">
+        <a:scrgbClr r="0" g="0" b="0"/>
+      </a:effectRef>
+      <a:fontRef idx="minor">
+        <a:schemeClr val="lt1"/>
+      </a:fontRef>
+    </dgm:style>
+  </dgm:styleLbl>
+  <dgm:styleLbl name="asst2">
+    <dgm:scene3d>
+      <a:camera prst="orthographicFront"/>
+      <a:lightRig rig="threePt" dir="t"/>
+    </dgm:scene3d>
+    <dgm:sp3d/>
+    <dgm:txPr/>
+    <dgm:style>
+      <a:lnRef idx="2">
+        <a:scrgbClr r="0" g="0" b="0"/>
+      </a:lnRef>
+      <a:fillRef idx="1">
+        <a:scrgbClr r="0" g="0" b="0"/>
+      </a:fillRef>
+      <a:effectRef idx="0">
+        <a:scrgbClr r="0" g="0" b="0"/>
+      </a:effectRef>
+      <a:fontRef idx="minor">
+        <a:schemeClr val="lt1"/>
+      </a:fontRef>
+    </dgm:style>
+  </dgm:styleLbl>
+  <dgm:styleLbl name="asst3">
+    <dgm:scene3d>
+      <a:camera prst="orthographicFront"/>
+      <a:lightRig rig="threePt" dir="t"/>
+    </dgm:scene3d>
+    <dgm:sp3d/>
+    <dgm:txPr/>
+    <dgm:style>
+      <a:lnRef idx="2">
+        <a:scrgbClr r="0" g="0" b="0"/>
+      </a:lnRef>
+      <a:fillRef idx="1">
+        <a:scrgbClr r="0" g="0" b="0"/>
+      </a:fillRef>
+      <a:effectRef idx="0">
+        <a:scrgbClr r="0" g="0" b="0"/>
+      </a:effectRef>
+      <a:fontRef idx="minor">
+        <a:schemeClr val="lt1"/>
+      </a:fontRef>
+    </dgm:style>
+  </dgm:styleLbl>
+  <dgm:styleLbl name="asst4">
+    <dgm:scene3d>
+      <a:camera prst="orthographicFront"/>
+      <a:lightRig rig="threePt" dir="t"/>
+    </dgm:scene3d>
+    <dgm:sp3d/>
+    <dgm:txPr/>
+    <dgm:style>
+      <a:lnRef idx="2">
+        <a:scrgbClr r="0" g="0" b="0"/>
+      </a:lnRef>
+      <a:fillRef idx="1">
+        <a:scrgbClr r="0" g="0" b="0"/>
+      </a:fillRef>
+      <a:effectRef idx="0">
+        <a:scrgbClr r="0" g="0" b="0"/>
+      </a:effectRef>
+      <a:fontRef idx="minor">
+        <a:schemeClr val="lt1"/>
+      </a:fontRef>
+    </dgm:style>
+  </dgm:styleLbl>
+  <dgm:styleLbl name="parChTrans2D1">
+    <dgm:scene3d>
+      <a:camera prst="orthographicFront"/>
+      <a:lightRig rig="threePt" dir="t"/>
+    </dgm:scene3d>
+    <dgm:sp3d/>
+    <dgm:txPr/>
+    <dgm:style>
+      <a:lnRef idx="2">
+        <a:scrgbClr r="0" g="0" b="0"/>
+      </a:lnRef>
+      <a:fillRef idx="1">
+        <a:scrgbClr r="0" g="0" b="0"/>
+      </a:fillRef>
+      <a:effectRef idx="0">
+        <a:scrgbClr r="0" g="0" b="0"/>
+      </a:effectRef>
+      <a:fontRef idx="minor">
+        <a:schemeClr val="lt1"/>
+      </a:fontRef>
+    </dgm:style>
+  </dgm:styleLbl>
+  <dgm:styleLbl name="parChTrans2D2">
+    <dgm:scene3d>
+      <a:camera prst="orthographicFront"/>
+      <a:lightRig rig="threePt" dir="t"/>
+    </dgm:scene3d>
+    <dgm:sp3d/>
+    <dgm:txPr/>
+    <dgm:style>
+      <a:lnRef idx="2">
+        <a:scrgbClr r="0" g="0" b="0"/>
+      </a:lnRef>
+      <a:fillRef idx="1">
+        <a:scrgbClr r="0" g="0" b="0"/>
+      </a:fillRef>
+      <a:effectRef idx="0">
+        <a:scrgbClr r="0" g="0" b="0"/>
+      </a:effectRef>
+      <a:fontRef idx="minor">
+        <a:schemeClr val="lt1"/>
+      </a:fontRef>
+    </dgm:style>
+  </dgm:styleLbl>
+  <dgm:styleLbl name="parChTrans2D3">
+    <dgm:scene3d>
+      <a:camera prst="orthographicFront"/>
+      <a:lightRig rig="threePt" dir="t"/>
+    </dgm:scene3d>
+    <dgm:sp3d/>
+    <dgm:txPr/>
+    <dgm:style>
+      <a:lnRef idx="2">
+        <a:scrgbClr r="0" g="0" b="0"/>
+      </a:lnRef>
+      <a:fillRef idx="1">
+        <a:scrgbClr r="0" g="0" b="0"/>
+      </a:fillRef>
+      <a:effectRef idx="0">
+        <a:scrgbClr r="0" g="0" b="0"/>
+      </a:effectRef>
+      <a:fontRef idx="minor">
+        <a:schemeClr val="lt1"/>
+      </a:fontRef>
+    </dgm:style>
+  </dgm:styleLbl>
+  <dgm:styleLbl name="parChTrans2D4">
+    <dgm:scene3d>
+      <a:camera prst="orthographicFront"/>
+      <a:lightRig rig="threePt" dir="t"/>
+    </dgm:scene3d>
+    <dgm:sp3d/>
+    <dgm:txPr/>
+    <dgm:style>
+      <a:lnRef idx="2">
+        <a:scrgbClr r="0" g="0" b="0"/>
+      </a:lnRef>
+      <a:fillRef idx="1">
+        <a:scrgbClr r="0" g="0" b="0"/>
+      </a:fillRef>
+      <a:effectRef idx="0">
+        <a:scrgbClr r="0" g="0" b="0"/>
+      </a:effectRef>
+      <a:fontRef idx="minor">
+        <a:schemeClr val="lt1"/>
+      </a:fontRef>
+    </dgm:style>
+  </dgm:styleLbl>
+  <dgm:styleLbl name="parChTrans1D1">
+    <dgm:scene3d>
+      <a:camera prst="orthographicFront"/>
+      <a:lightRig rig="threePt" dir="t"/>
+    </dgm:scene3d>
+    <dgm:sp3d/>
+    <dgm:txPr/>
+    <dgm:style>
+      <a:lnRef idx="2">
+        <a:scrgbClr r="0" g="0" b="0"/>
+      </a:lnRef>
+      <a:fillRef idx="0">
+        <a:scrgbClr r="0" g="0" b="0"/>
+      </a:fillRef>
+      <a:effectRef idx="0">
+        <a:scrgbClr r="0" g="0" b="0"/>
+      </a:effectRef>
+      <a:fontRef idx="minor"/>
+    </dgm:style>
+  </dgm:styleLbl>
+  <dgm:styleLbl name="parChTrans1D2">
+    <dgm:scene3d>
+      <a:camera prst="orthographicFront"/>
+      <a:lightRig rig="threePt" dir="t"/>
+    </dgm:scene3d>
+    <dgm:sp3d/>
+    <dgm:txPr/>
+    <dgm:style>
+      <a:lnRef idx="2">
+        <a:scrgbClr r="0" g="0" b="0"/>
+      </a:lnRef>
+      <a:fillRef idx="0">
+        <a:scrgbClr r="0" g="0" b="0"/>
+      </a:fillRef>
+      <a:effectRef idx="0">
+        <a:scrgbClr r="0" g="0" b="0"/>
+      </a:effectRef>
+      <a:fontRef idx="minor"/>
+    </dgm:style>
+  </dgm:styleLbl>
+  <dgm:styleLbl name="parChTrans1D3">
+    <dgm:scene3d>
+      <a:camera prst="orthographicFront"/>
+      <a:lightRig rig="threePt" dir="t"/>
+    </dgm:scene3d>
+    <dgm:sp3d/>
+    <dgm:txPr/>
+    <dgm:style>
+      <a:lnRef idx="2">
+        <a:scrgbClr r="0" g="0" b="0"/>
+      </a:lnRef>
+      <a:fillRef idx="0">
+        <a:scrgbClr r="0" g="0" b="0"/>
+      </a:fillRef>
+      <a:effectRef idx="0">
+        <a:scrgbClr r="0" g="0" b="0"/>
+      </a:effectRef>
+      <a:fontRef idx="minor"/>
+    </dgm:style>
+  </dgm:styleLbl>
+  <dgm:styleLbl name="parChTrans1D4">
+    <dgm:scene3d>
+      <a:camera prst="orthographicFront"/>
+      <a:lightRig rig="threePt" dir="t"/>
+    </dgm:scene3d>
+    <dgm:sp3d/>
+    <dgm:txPr/>
+    <dgm:style>
+      <a:lnRef idx="2">
+        <a:scrgbClr r="0" g="0" b="0"/>
+      </a:lnRef>
+      <a:fillRef idx="0">
+        <a:scrgbClr r="0" g="0" b="0"/>
+      </a:fillRef>
+      <a:effectRef idx="0">
+        <a:scrgbClr r="0" g="0" b="0"/>
+      </a:effectRef>
+      <a:fontRef idx="minor"/>
+    </dgm:style>
+  </dgm:styleLbl>
+  <dgm:styleLbl name="fgAcc1">
+    <dgm:scene3d>
+      <a:camera prst="orthographicFront"/>
+      <a:lightRig rig="threePt" dir="t"/>
+    </dgm:scene3d>
+    <dgm:sp3d/>
+    <dgm:txPr/>
+    <dgm:style>
+      <a:lnRef idx="2">
+        <a:scrgbClr r="0" g="0" b="0"/>
+      </a:lnRef>
+      <a:fillRef idx="1">
+        <a:scrgbClr r="0" g="0" b="0"/>
+      </a:fillRef>
+      <a:effectRef idx="0">
+        <a:scrgbClr r="0" g="0" b="0"/>
+      </a:effectRef>
+      <a:fontRef idx="minor"/>
+    </dgm:style>
+  </dgm:styleLbl>
+  <dgm:styleLbl name="conFgAcc1">
+    <dgm:scene3d>
+      <a:camera prst="orthographicFront"/>
+      <a:lightRig rig="threePt" dir="t"/>
+    </dgm:scene3d>
+    <dgm:sp3d/>
+    <dgm:txPr/>
+    <dgm:style>
+      <a:lnRef idx="2">
+        <a:scrgbClr r="0" g="0" b="0"/>
+      </a:lnRef>
+      <a:fillRef idx="1">
+        <a:scrgbClr r="0" g="0" b="0"/>
+      </a:fillRef>
+      <a:effectRef idx="0">
+        <a:scrgbClr r="0" g="0" b="0"/>
+      </a:effectRef>
+      <a:fontRef idx="minor"/>
+    </dgm:style>
+  </dgm:styleLbl>
+  <dgm:styleLbl name="alignAcc1">
+    <dgm:scene3d>
+      <a:camera prst="orthographicFront"/>
+      <a:lightRig rig="threePt" dir="t"/>
+    </dgm:scene3d>
+    <dgm:sp3d/>
+    <dgm:txPr/>
+    <dgm:style>
+      <a:lnRef idx="2">
+        <a:scrgbClr r="0" g="0" b="0"/>
+      </a:lnRef>
+      <a:fillRef idx="1">
+        <a:scrgbClr r="0" g="0" b="0"/>
+      </a:fillRef>
+      <a:effectRef idx="0">
+        <a:scrgbClr r="0" g="0" b="0"/>
+      </a:effectRef>
+      <a:fontRef idx="minor"/>
+    </dgm:style>
+  </dgm:styleLbl>
+  <dgm:styleLbl name="trAlignAcc1">
+    <dgm:scene3d>
+      <a:camera prst="orthographicFront"/>
+      <a:lightRig rig="threePt" dir="t"/>
+    </dgm:scene3d>
+    <dgm:sp3d/>
+    <dgm:txPr/>
+    <dgm:style>
+      <a:lnRef idx="1">
+        <a:scrgbClr r="0" g="0" b="0"/>
+      </a:lnRef>
+      <a:fillRef idx="1">
+        <a:scrgbClr r="0" g="0" b="0"/>
+      </a:fillRef>
+      <a:effectRef idx="0">
+        <a:scrgbClr r="0" g="0" b="0"/>
+      </a:effectRef>
+      <a:fontRef idx="minor"/>
+    </dgm:style>
+  </dgm:styleLbl>
+  <dgm:styleLbl name="bgAcc1">
+    <dgm:scene3d>
+      <a:camera prst="orthographicFront"/>
+      <a:lightRig rig="threePt" dir="t"/>
+    </dgm:scene3d>
+    <dgm:sp3d/>
+    <dgm:txPr/>
+    <dgm:style>
+      <a:lnRef idx="2">
+        <a:scrgbClr r="0" g="0" b="0"/>
+      </a:lnRef>
+      <a:fillRef idx="1">
+        <a:scrgbClr r="0" g="0" b="0"/>
+      </a:fillRef>
+      <a:effectRef idx="0">
+        <a:scrgbClr r="0" g="0" b="0"/>
+      </a:effectRef>
+      <a:fontRef idx="minor"/>
+    </dgm:style>
+  </dgm:styleLbl>
+  <dgm:styleLbl name="solidFgAcc1">
+    <dgm:scene3d>
+      <a:camera prst="orthographicFront"/>
+      <a:lightRig rig="threePt" dir="t"/>
+    </dgm:scene3d>
+    <dgm:sp3d/>
+    <dgm:txPr/>
+    <dgm:style>
+      <a:lnRef idx="2">
+        <a:scrgbClr r="0" g="0" b="0"/>
+      </a:lnRef>
+      <a:fillRef idx="1">
+        <a:scrgbClr r="0" g="0" b="0"/>
+      </a:fillRef>
+      <a:effectRef idx="0">
+        <a:scrgbClr r="0" g="0" b="0"/>
+      </a:effectRef>
+      <a:fontRef idx="minor"/>
+    </dgm:style>
+  </dgm:styleLbl>
+  <dgm:styleLbl name="solidAlignAcc1">
+    <dgm:scene3d>
+      <a:camera prst="orthographicFront"/>
+      <a:lightRig rig="threePt" dir="t"/>
+    </dgm:scene3d>
+    <dgm:sp3d/>
+    <dgm:txPr/>
+    <dgm:style>
+      <a:lnRef idx="2">
+        <a:scrgbClr r="0" g="0" b="0"/>
+      </a:lnRef>
+      <a:fillRef idx="1">
+        <a:scrgbClr r="0" g="0" b="0"/>
+      </a:fillRef>
+      <a:effectRef idx="0">
+        <a:scrgbClr r="0" g="0" b="0"/>
+      </a:effectRef>
+      <a:fontRef idx="minor"/>
+    </dgm:style>
+  </dgm:styleLbl>
+  <dgm:styleLbl name="solidBgAcc1">
+    <dgm:scene3d>
+      <a:camera prst="orthographicFront"/>
+      <a:lightRig rig="threePt" dir="t"/>
+    </dgm:scene3d>
+    <dgm:sp3d/>
+    <dgm:txPr/>
+    <dgm:style>
+      <a:lnRef idx="2">
+        <a:scrgbClr r="0" g="0" b="0"/>
+      </a:lnRef>
+      <a:fillRef idx="1">
+        <a:scrgbClr r="0" g="0" b="0"/>
+      </a:fillRef>
+      <a:effectRef idx="0">
+        <a:scrgbClr r="0" g="0" b="0"/>
+      </a:effectRef>
+      <a:fontRef idx="minor"/>
+    </dgm:style>
+  </dgm:styleLbl>
+  <dgm:styleLbl name="fgAccFollowNode1">
+    <dgm:scene3d>
+      <a:camera prst="orthographicFront"/>
+      <a:lightRig rig="threePt" dir="t"/>
+    </dgm:scene3d>
+    <dgm:sp3d/>
+    <dgm:txPr/>
+    <dgm:style>
+      <a:lnRef idx="2">
+        <a:scrgbClr r="0" g="0" b="0"/>
+      </a:lnRef>
+      <a:fillRef idx="1">
+        <a:scrgbClr r="0" g="0" b="0"/>
+      </a:fillRef>
+      <a:effectRef idx="0">
+        <a:scrgbClr r="0" g="0" b="0"/>
+      </a:effectRef>
+      <a:fontRef idx="minor"/>
+    </dgm:style>
+  </dgm:styleLbl>
+  <dgm:styleLbl name="alignAccFollowNode1">
+    <dgm:scene3d>
+      <a:camera prst="orthographicFront"/>
+      <a:lightRig rig="threePt" dir="t"/>
+    </dgm:scene3d>
+    <dgm:sp3d/>
+    <dgm:txPr/>
+    <dgm:style>
+      <a:lnRef idx="2">
+        <a:scrgbClr r="0" g="0" b="0"/>
+      </a:lnRef>
+      <a:fillRef idx="1">
+        <a:scrgbClr r="0" g="0" b="0"/>
+      </a:fillRef>
+      <a:effectRef idx="0">
+        <a:scrgbClr r="0" g="0" b="0"/>
+      </a:effectRef>
+      <a:fontRef idx="minor"/>
+    </dgm:style>
+  </dgm:styleLbl>
+  <dgm:styleLbl name="bgAccFollowNode1">
+    <dgm:scene3d>
+      <a:camera prst="orthographicFront"/>
+      <a:lightRig rig="threePt" dir="t"/>
+    </dgm:scene3d>
+    <dgm:sp3d/>
+    <dgm:txPr/>
+    <dgm:style>
+      <a:lnRef idx="2">
+        <a:scrgbClr r="0" g="0" b="0"/>
+      </a:lnRef>
+      <a:fillRef idx="1">
+        <a:scrgbClr r="0" g="0" b="0"/>
+      </a:fillRef>
+      <a:effectRef idx="0">
+        <a:scrgbClr r="0" g="0" b="0"/>
+      </a:effectRef>
+      <a:fontRef idx="minor"/>
+    </dgm:style>
+  </dgm:styleLbl>
+  <dgm:styleLbl name="fgAcc0">
+    <dgm:scene3d>
+      <a:camera prst="orthographicFront"/>
+      <a:lightRig rig="threePt" dir="t"/>
+    </dgm:scene3d>
+    <dgm:sp3d/>
+    <dgm:txPr/>
+    <dgm:style>
+      <a:lnRef idx="2">
+        <a:scrgbClr r="0" g="0" b="0"/>
+      </a:lnRef>
+      <a:fillRef idx="1">
+        <a:scrgbClr r="0" g="0" b="0"/>
+      </a:fillRef>
+      <a:effectRef idx="0">
+        <a:scrgbClr r="0" g="0" b="0"/>
+      </a:effectRef>
+      <a:fontRef idx="minor"/>
+    </dgm:style>
+  </dgm:styleLbl>
+  <dgm:styleLbl name="fgAcc2">
+    <dgm:scene3d>
+      <a:camera prst="orthographicFront"/>
+      <a:lightRig rig="threePt" dir="t"/>
+    </dgm:scene3d>
+    <dgm:sp3d/>
+    <dgm:txPr/>
+    <dgm:style>
+      <a:lnRef idx="2">
+        <a:scrgbClr r="0" g="0" b="0"/>
+      </a:lnRef>
+      <a:fillRef idx="1">
+        <a:scrgbClr r="0" g="0" b="0"/>
+      </a:fillRef>
+      <a:effectRef idx="0">
+        <a:scrgbClr r="0" g="0" b="0"/>
+      </a:effectRef>
+      <a:fontRef idx="minor"/>
+    </dgm:style>
+  </dgm:styleLbl>
+  <dgm:styleLbl name="fgAcc3">
+    <dgm:scene3d>
+      <a:camera prst="orthographicFront"/>
+      <a:lightRig rig="threePt" dir="t"/>
+    </dgm:scene3d>
+    <dgm:sp3d/>
+    <dgm:txPr/>
+    <dgm:style>
+      <a:lnRef idx="2">
+        <a:scrgbClr r="0" g="0" b="0"/>
+      </a:lnRef>
+      <a:fillRef idx="1">
+        <a:scrgbClr r="0" g="0" b="0"/>
+      </a:fillRef>
+      <a:effectRef idx="0">
+        <a:scrgbClr r="0" g="0" b="0"/>
+      </a:effectRef>
+      <a:fontRef idx="minor"/>
+    </dgm:style>
+  </dgm:styleLbl>
+  <dgm:styleLbl name="fgAcc4">
+    <dgm:scene3d>
+      <a:camera prst="orthographicFront"/>
+      <a:lightRig rig="threePt" dir="t"/>
+    </dgm:scene3d>
+    <dgm:sp3d/>
+    <dgm:txPr/>
+    <dgm:style>
+      <a:lnRef idx="2">
+        <a:scrgbClr r="0" g="0" b="0"/>
+      </a:lnRef>
+      <a:fillRef idx="1">
+        <a:scrgbClr r="0" g="0" b="0"/>
+      </a:fillRef>
+      <a:effectRef idx="0">
+        <a:scrgbClr r="0" g="0" b="0"/>
+      </a:effectRef>
+      <a:fontRef idx="minor"/>
+    </dgm:style>
+  </dgm:styleLbl>
+  <dgm:styleLbl name="bgShp">
+    <dgm:scene3d>
+      <a:camera prst="orthographicFront"/>
+      <a:lightRig rig="threePt" dir="t"/>
+    </dgm:scene3d>
+    <dgm:sp3d/>
+    <dgm:txPr/>
+    <dgm:style>
+      <a:lnRef idx="0">
+        <a:scrgbClr r="0" g="0" b="0"/>
+      </a:lnRef>
+      <a:fillRef idx="1">
+        <a:scrgbClr r="0" g="0" b="0"/>
+      </a:fillRef>
+      <a:effectRef idx="0">
+        <a:scrgbClr r="0" g="0" b="0"/>
+      </a:effectRef>
+      <a:fontRef idx="minor"/>
+    </dgm:style>
+  </dgm:styleLbl>
+  <dgm:styleLbl name="dkBgShp">
+    <dgm:scene3d>
+      <a:camera prst="orthographicFront"/>
+      <a:lightRig rig="threePt" dir="t"/>
+    </dgm:scene3d>
+    <dgm:sp3d/>
+    <dgm:txPr/>
+    <dgm:style>
+      <a:lnRef idx="0">
+        <a:scrgbClr r="0" g="0" b="0"/>
+      </a:lnRef>
+      <a:fillRef idx="1">
+        <a:scrgbClr r="0" g="0" b="0"/>
+      </a:fillRef>
+      <a:effectRef idx="0">
+        <a:scrgbClr r="0" g="0" b="0"/>
+      </a:effectRef>
+      <a:fontRef idx="minor"/>
+    </dgm:style>
+  </dgm:styleLbl>
+  <dgm:styleLbl name="trBgShp">
+    <dgm:scene3d>
+      <a:camera prst="orthographicFront"/>
+      <a:lightRig rig="threePt" dir="t"/>
+    </dgm:scene3d>
+    <dgm:sp3d/>
+    <dgm:txPr/>
+    <dgm:style>
+      <a:lnRef idx="0">
+        <a:scrgbClr r="0" g="0" b="0"/>
+      </a:lnRef>
+      <a:fillRef idx="1">
+        <a:scrgbClr r="0" g="0" b="0"/>
+      </a:fillRef>
+      <a:effectRef idx="0">
+        <a:scrgbClr r="0" g="0" b="0"/>
+      </a:effectRef>
+      <a:fontRef idx="minor"/>
+    </dgm:style>
+  </dgm:styleLbl>
+  <dgm:styleLbl name="fgShp">
+    <dgm:scene3d>
+      <a:camera prst="orthographicFront"/>
+      <a:lightRig rig="threePt" dir="t"/>
+    </dgm:scene3d>
+    <dgm:sp3d/>
+    <dgm:txPr/>
+    <dgm:style>
+      <a:lnRef idx="2">
+        <a:scrgbClr r="0" g="0" b="0"/>
+      </a:lnRef>
+      <a:fillRef idx="1">
+        <a:scrgbClr r="0" g="0" b="0"/>
+      </a:fillRef>
+      <a:effectRef idx="0">
+        <a:scrgbClr r="0" g="0" b="0"/>
+      </a:effectRef>
+      <a:fontRef idx="minor"/>
+    </dgm:style>
+  </dgm:styleLbl>
+  <dgm:styleLbl name="revTx">
+    <dgm:scene3d>
+      <a:camera prst="orthographicFront"/>
+      <a:lightRig rig="threePt" dir="t"/>
+    </dgm:scene3d>
+    <dgm:sp3d/>
+    <dgm:txPr/>
+    <dgm:style>
+      <a:lnRef idx="0">
+        <a:scrgbClr r="0" g="0" b="0"/>
+      </a:lnRef>
+      <a:fillRef idx="0">
+        <a:scrgbClr r="0" g="0" b="0"/>
+      </a:fillRef>
+      <a:effectRef idx="0">
+        <a:scrgbClr r="0" g="0" b="0"/>
+      </a:effectRef>
+      <a:fontRef idx="minor"/>
+    </dgm:style>
+  </dgm:styleLbl>
+</dgm:styleDef>
 </file>
 
 <file path=ppt/slideLayouts/slideLayout1.xml><?xml version="1.0" encoding="utf-8"?>
@@ -3853,6 +7654,1339 @@
           <p:cNvPr id="2" name="Titel 1">
             <a:extLst>
               <a:ext uri="{FF2B5EF4-FFF2-40B4-BE49-F238E27FC236}">
+                <a16:creationId xmlns:a16="http://schemas.microsoft.com/office/drawing/2014/main" id="{4F9D963E-861F-437F-B6B3-A089933EDDD7}"/>
+              </a:ext>
+            </a:extLst>
+          </p:cNvPr>
+          <p:cNvSpPr>
+            <a:spLocks noGrp="1"/>
+          </p:cNvSpPr>
+          <p:nvPr>
+            <p:ph type="ctrTitle"/>
+          </p:nvPr>
+        </p:nvSpPr>
+        <p:spPr>
+          <a:xfrm>
+            <a:off x="8086582" y="1314922"/>
+            <a:ext cx="3176246" cy="3000139"/>
+          </a:xfrm>
+        </p:spPr>
+        <p:txBody>
+          <a:bodyPr>
+            <a:normAutofit/>
+          </a:bodyPr>
+          <a:lstStyle/>
+          <a:p>
+            <a:pPr algn="l"/>
+            <a:r>
+              <a:rPr lang="de-DE" sz="4100"/>
+              <a:t>K-means clustering project proposal</a:t>
+            </a:r>
+            <a:endParaRPr lang="de-DE" sz="4100" dirty="0"/>
+          </a:p>
+        </p:txBody>
+      </p:sp>
+      <p:sp>
+        <p:nvSpPr>
+          <p:cNvPr id="3" name="Untertitel 2">
+            <a:extLst>
+              <a:ext uri="{FF2B5EF4-FFF2-40B4-BE49-F238E27FC236}">
+                <a16:creationId xmlns:a16="http://schemas.microsoft.com/office/drawing/2014/main" id="{23733FA8-9CC6-462B-AEF8-82C8EBAFF009}"/>
+              </a:ext>
+            </a:extLst>
+          </p:cNvPr>
+          <p:cNvSpPr>
+            <a:spLocks noGrp="1"/>
+          </p:cNvSpPr>
+          <p:nvPr>
+            <p:ph type="subTitle" idx="1"/>
+          </p:nvPr>
+        </p:nvSpPr>
+        <p:spPr>
+          <a:xfrm>
+            <a:off x="8086582" y="4458645"/>
+            <a:ext cx="3176246" cy="1656413"/>
+          </a:xfrm>
+        </p:spPr>
+        <p:txBody>
+          <a:bodyPr>
+            <a:normAutofit/>
+          </a:bodyPr>
+          <a:lstStyle/>
+          <a:p>
+            <a:pPr algn="l">
+              <a:spcAft>
+                <a:spcPts val="600"/>
+              </a:spcAft>
+            </a:pPr>
+            <a:r>
+              <a:rPr lang="de-DE" sz="2000" dirty="0">
+                <a:solidFill>
+                  <a:schemeClr val="tx1"/>
+                </a:solidFill>
+              </a:rPr>
+              <a:t>Data </a:t>
+            </a:r>
+            <a:r>
+              <a:rPr lang="de-DE" sz="2000" dirty="0" err="1">
+                <a:solidFill>
+                  <a:schemeClr val="tx1"/>
+                </a:solidFill>
+              </a:rPr>
+              <a:t>analysis</a:t>
+            </a:r>
+            <a:r>
+              <a:rPr lang="de-DE" sz="2000" dirty="0">
+                <a:solidFill>
+                  <a:schemeClr val="tx1"/>
+                </a:solidFill>
+              </a:rPr>
+              <a:t> </a:t>
+            </a:r>
+            <a:r>
+              <a:rPr lang="de-DE" sz="2000" dirty="0" err="1">
+                <a:solidFill>
+                  <a:schemeClr val="tx1"/>
+                </a:solidFill>
+              </a:rPr>
+              <a:t>project</a:t>
+            </a:r>
+            <a:r>
+              <a:rPr lang="de-DE" sz="2000" dirty="0">
+                <a:solidFill>
+                  <a:schemeClr val="tx1"/>
+                </a:solidFill>
+              </a:rPr>
+              <a:t> 4, </a:t>
+            </a:r>
+            <a:r>
+              <a:rPr lang="de-DE" sz="2000" dirty="0" err="1">
+                <a:solidFill>
+                  <a:schemeClr val="tx1"/>
+                </a:solidFill>
+              </a:rPr>
+              <a:t>group</a:t>
+            </a:r>
+            <a:r>
+              <a:rPr lang="de-DE" sz="2000" dirty="0">
+                <a:solidFill>
+                  <a:schemeClr val="tx1"/>
+                </a:solidFill>
+              </a:rPr>
+              <a:t> 2</a:t>
+            </a:r>
+          </a:p>
+        </p:txBody>
+      </p:sp>
+    </p:spTree>
+    <p:extLst>
+      <p:ext uri="{BB962C8B-B14F-4D97-AF65-F5344CB8AC3E}">
+        <p14:creationId xmlns:p14="http://schemas.microsoft.com/office/powerpoint/2010/main" val="3307117363"/>
+      </p:ext>
+    </p:extLst>
+  </p:cSld>
+  <p:clrMapOvr>
+    <a:masterClrMapping/>
+  </p:clrMapOvr>
+</p:sld>
+</file>
+
+<file path=ppt/slides/slide2.xml><?xml version="1.0" encoding="utf-8"?>
+<p:sld xmlns:a="http://schemas.openxmlformats.org/drawingml/2006/main" xmlns:r="http://schemas.openxmlformats.org/officeDocument/2006/relationships" xmlns:p="http://schemas.openxmlformats.org/presentationml/2006/main">
+  <p:cSld>
+    <p:spTree>
+      <p:nvGrpSpPr>
+        <p:cNvPr id="1" name=""/>
+        <p:cNvGrpSpPr/>
+        <p:nvPr/>
+      </p:nvGrpSpPr>
+      <p:grpSpPr>
+        <a:xfrm>
+          <a:off x="0" y="0"/>
+          <a:ext cx="0" cy="0"/>
+          <a:chOff x="0" y="0"/>
+          <a:chExt cx="0" cy="0"/>
+        </a:xfrm>
+      </p:grpSpPr>
+      <p:sp>
+        <p:nvSpPr>
+          <p:cNvPr id="7" name="Titel 6">
+            <a:extLst>
+              <a:ext uri="{FF2B5EF4-FFF2-40B4-BE49-F238E27FC236}">
+                <a16:creationId xmlns:a16="http://schemas.microsoft.com/office/drawing/2014/main" id="{74223A4D-AD75-492E-BCA8-4F7C9938C9F4}"/>
+              </a:ext>
+            </a:extLst>
+          </p:cNvPr>
+          <p:cNvSpPr>
+            <a:spLocks noGrp="1"/>
+          </p:cNvSpPr>
+          <p:nvPr>
+            <p:ph type="title"/>
+          </p:nvPr>
+        </p:nvSpPr>
+        <p:spPr/>
+        <p:txBody>
+          <a:bodyPr/>
+          <a:lstStyle/>
+          <a:p>
+            <a:r>
+              <a:rPr lang="en-US" dirty="0"/>
+              <a:t>Filtering </a:t>
+            </a:r>
+          </a:p>
+        </p:txBody>
+      </p:sp>
+      <p:graphicFrame>
+        <p:nvGraphicFramePr>
+          <p:cNvPr id="9" name="Inhaltsplatzhalter 8">
+            <a:extLst>
+              <a:ext uri="{FF2B5EF4-FFF2-40B4-BE49-F238E27FC236}">
+                <a16:creationId xmlns:a16="http://schemas.microsoft.com/office/drawing/2014/main" id="{6A5AA7D9-A7C9-46AC-97A9-8A3BE6AFC00F}"/>
+              </a:ext>
+            </a:extLst>
+          </p:cNvPr>
+          <p:cNvGraphicFramePr>
+            <a:graphicFrameLocks noGrp="1"/>
+          </p:cNvGraphicFramePr>
+          <p:nvPr>
+            <p:ph idx="1"/>
+          </p:nvPr>
+        </p:nvGraphicFramePr>
+        <p:xfrm>
+          <a:off x="1371600" y="1637071"/>
+          <a:ext cx="9601200" cy="4832740"/>
+        </p:xfrm>
+        <a:graphic>
+          <a:graphicData uri="http://schemas.openxmlformats.org/drawingml/2006/diagram">
+            <dgm:relIds xmlns:dgm="http://schemas.openxmlformats.org/drawingml/2006/diagram" xmlns:r="http://schemas.openxmlformats.org/officeDocument/2006/relationships" r:dm="rId2" r:lo="rId3" r:qs="rId4" r:cs="rId5"/>
+          </a:graphicData>
+        </a:graphic>
+      </p:graphicFrame>
+    </p:spTree>
+    <p:extLst>
+      <p:ext uri="{BB962C8B-B14F-4D97-AF65-F5344CB8AC3E}">
+        <p14:creationId xmlns:p14="http://schemas.microsoft.com/office/powerpoint/2010/main" val="190157857"/>
+      </p:ext>
+    </p:extLst>
+  </p:cSld>
+  <p:clrMapOvr>
+    <a:masterClrMapping/>
+  </p:clrMapOvr>
+</p:sld>
+</file>
+
+<file path=ppt/slides/slide3.xml><?xml version="1.0" encoding="utf-8"?>
+<p:sld xmlns:a="http://schemas.openxmlformats.org/drawingml/2006/main" xmlns:r="http://schemas.openxmlformats.org/officeDocument/2006/relationships" xmlns:p="http://schemas.openxmlformats.org/presentationml/2006/main">
+  <p:cSld>
+    <p:spTree>
+      <p:nvGrpSpPr>
+        <p:cNvPr id="1" name=""/>
+        <p:cNvGrpSpPr/>
+        <p:nvPr/>
+      </p:nvGrpSpPr>
+      <p:grpSpPr>
+        <a:xfrm>
+          <a:off x="0" y="0"/>
+          <a:ext cx="0" cy="0"/>
+          <a:chOff x="0" y="0"/>
+          <a:chExt cx="0" cy="0"/>
+        </a:xfrm>
+      </p:grpSpPr>
+      <p:sp>
+        <p:nvSpPr>
+          <p:cNvPr id="2" name="Titel 1">
+            <a:extLst>
+              <a:ext uri="{FF2B5EF4-FFF2-40B4-BE49-F238E27FC236}">
+                <a16:creationId xmlns:a16="http://schemas.microsoft.com/office/drawing/2014/main" id="{ADA4716E-D77B-4C4F-BEFE-3EF049BC4000}"/>
+              </a:ext>
+            </a:extLst>
+          </p:cNvPr>
+          <p:cNvSpPr>
+            <a:spLocks noGrp="1"/>
+          </p:cNvSpPr>
+          <p:nvPr>
+            <p:ph type="title"/>
+          </p:nvPr>
+        </p:nvSpPr>
+        <p:spPr/>
+        <p:txBody>
+          <a:bodyPr/>
+          <a:lstStyle/>
+          <a:p>
+            <a:r>
+              <a:rPr lang="de-DE" dirty="0"/>
+              <a:t>Initial </a:t>
+            </a:r>
+            <a:r>
+              <a:rPr lang="de-DE" dirty="0" err="1"/>
+              <a:t>centroid</a:t>
+            </a:r>
+            <a:r>
+              <a:rPr lang="de-DE" dirty="0"/>
+              <a:t> </a:t>
+            </a:r>
+            <a:r>
+              <a:rPr lang="de-DE" dirty="0" err="1"/>
+              <a:t>generation</a:t>
+            </a:r>
+            <a:endParaRPr lang="de-DE" dirty="0"/>
+          </a:p>
+        </p:txBody>
+      </p:sp>
+      <p:pic>
+        <p:nvPicPr>
+          <p:cNvPr id="4" name="Grafik 3">
+            <a:extLst>
+              <a:ext uri="{FF2B5EF4-FFF2-40B4-BE49-F238E27FC236}">
+                <a16:creationId xmlns:a16="http://schemas.microsoft.com/office/drawing/2014/main" id="{A2B51CF7-7BDC-4B81-BED0-644ED65AD96D}"/>
+              </a:ext>
+            </a:extLst>
+          </p:cNvPr>
+          <p:cNvPicPr>
+            <a:picLocks noChangeAspect="1"/>
+          </p:cNvPicPr>
+          <p:nvPr/>
+        </p:nvPicPr>
+        <p:blipFill rotWithShape="1">
+          <a:blip r:embed="rId2"/>
+          <a:srcRect r="8314"/>
+          <a:stretch/>
+        </p:blipFill>
+        <p:spPr>
+          <a:xfrm>
+            <a:off x="994703" y="1497736"/>
+            <a:ext cx="10202594" cy="3862528"/>
+          </a:xfrm>
+          <a:prstGeom prst="rect">
+            <a:avLst/>
+          </a:prstGeom>
+        </p:spPr>
+      </p:pic>
+      <p:graphicFrame>
+        <p:nvGraphicFramePr>
+          <p:cNvPr id="8" name="Inhaltsplatzhalter 7">
+            <a:extLst>
+              <a:ext uri="{FF2B5EF4-FFF2-40B4-BE49-F238E27FC236}">
+                <a16:creationId xmlns:a16="http://schemas.microsoft.com/office/drawing/2014/main" id="{BCD15730-B056-4933-8912-456D051D8C14}"/>
+              </a:ext>
+            </a:extLst>
+          </p:cNvPr>
+          <p:cNvGraphicFramePr>
+            <a:graphicFrameLocks noGrp="1"/>
+          </p:cNvGraphicFramePr>
+          <p:nvPr>
+            <p:ph idx="1"/>
+            <p:extLst>
+              <p:ext uri="{D42A27DB-BD31-4B8C-83A1-F6EECF244321}">
+                <p14:modId xmlns:p14="http://schemas.microsoft.com/office/powerpoint/2010/main" val="683588324"/>
+              </p:ext>
+            </p:extLst>
+          </p:nvPr>
+        </p:nvGraphicFramePr>
+        <p:xfrm>
+          <a:off x="1486863" y="5542531"/>
+          <a:ext cx="9601200" cy="1112520"/>
+        </p:xfrm>
+        <a:graphic>
+          <a:graphicData uri="http://schemas.openxmlformats.org/drawingml/2006/table">
+            <a:tbl>
+              <a:tblPr firstRow="1" bandRow="1">
+                <a:tableStyleId>{5C22544A-7EE6-4342-B048-85BDC9FD1C3A}</a:tableStyleId>
+              </a:tblPr>
+              <a:tblGrid>
+                <a:gridCol w="1813390">
+                  <a:extLst>
+                    <a:ext uri="{9D8B030D-6E8A-4147-A177-3AD203B41FA5}">
+                      <a16:colId xmlns:a16="http://schemas.microsoft.com/office/drawing/2014/main" val="360669285"/>
+                    </a:ext>
+                  </a:extLst>
+                </a:gridCol>
+                <a:gridCol w="1387010">
+                  <a:extLst>
+                    <a:ext uri="{9D8B030D-6E8A-4147-A177-3AD203B41FA5}">
+                      <a16:colId xmlns:a16="http://schemas.microsoft.com/office/drawing/2014/main" val="2626888101"/>
+                    </a:ext>
+                  </a:extLst>
+                </a:gridCol>
+                <a:gridCol w="1600200">
+                  <a:extLst>
+                    <a:ext uri="{9D8B030D-6E8A-4147-A177-3AD203B41FA5}">
+                      <a16:colId xmlns:a16="http://schemas.microsoft.com/office/drawing/2014/main" val="1415529887"/>
+                    </a:ext>
+                  </a:extLst>
+                </a:gridCol>
+                <a:gridCol w="1600200">
+                  <a:extLst>
+                    <a:ext uri="{9D8B030D-6E8A-4147-A177-3AD203B41FA5}">
+                      <a16:colId xmlns:a16="http://schemas.microsoft.com/office/drawing/2014/main" val="432733218"/>
+                    </a:ext>
+                  </a:extLst>
+                </a:gridCol>
+                <a:gridCol w="1600200">
+                  <a:extLst>
+                    <a:ext uri="{9D8B030D-6E8A-4147-A177-3AD203B41FA5}">
+                      <a16:colId xmlns:a16="http://schemas.microsoft.com/office/drawing/2014/main" val="3849436192"/>
+                    </a:ext>
+                  </a:extLst>
+                </a:gridCol>
+                <a:gridCol w="1600200">
+                  <a:extLst>
+                    <a:ext uri="{9D8B030D-6E8A-4147-A177-3AD203B41FA5}">
+                      <a16:colId xmlns:a16="http://schemas.microsoft.com/office/drawing/2014/main" val="3162212713"/>
+                    </a:ext>
+                  </a:extLst>
+                </a:gridCol>
+              </a:tblGrid>
+              <a:tr h="370840">
+                <a:tc>
+                  <a:txBody>
+                    <a:bodyPr/>
+                    <a:lstStyle/>
+                    <a:p>
+                      <a:r>
+                        <a:rPr lang="de-DE" dirty="0" err="1"/>
+                        <a:t>centroids_array</a:t>
+                      </a:r>
+                      <a:endParaRPr lang="de-DE" dirty="0"/>
+                    </a:p>
+                  </a:txBody>
+                  <a:tcPr/>
+                </a:tc>
+                <a:tc>
+                  <a:txBody>
+                    <a:bodyPr/>
+                    <a:lstStyle/>
+                    <a:p>
+                      <a:r>
+                        <a:rPr lang="de-DE" dirty="0"/>
+                        <a:t>PCA 1</a:t>
+                      </a:r>
+                    </a:p>
+                  </a:txBody>
+                  <a:tcPr/>
+                </a:tc>
+                <a:tc>
+                  <a:txBody>
+                    <a:bodyPr/>
+                    <a:lstStyle/>
+                    <a:p>
+                      <a:r>
+                        <a:rPr lang="de-DE" dirty="0"/>
+                        <a:t>PCA 2</a:t>
+                      </a:r>
+                    </a:p>
+                  </a:txBody>
+                  <a:tcPr/>
+                </a:tc>
+                <a:tc>
+                  <a:txBody>
+                    <a:bodyPr/>
+                    <a:lstStyle/>
+                    <a:p>
+                      <a:r>
+                        <a:rPr lang="de-DE" dirty="0"/>
+                        <a:t>PCA 3</a:t>
+                      </a:r>
+                    </a:p>
+                  </a:txBody>
+                  <a:tcPr/>
+                </a:tc>
+                <a:tc>
+                  <a:txBody>
+                    <a:bodyPr/>
+                    <a:lstStyle/>
+                    <a:p>
+                      <a:r>
+                        <a:rPr lang="de-DE" dirty="0"/>
+                        <a:t>PCA 4</a:t>
+                      </a:r>
+                    </a:p>
+                  </a:txBody>
+                  <a:tcPr/>
+                </a:tc>
+                <a:tc>
+                  <a:txBody>
+                    <a:bodyPr/>
+                    <a:lstStyle/>
+                    <a:p>
+                      <a:r>
+                        <a:rPr lang="de-DE" dirty="0"/>
+                        <a:t>PCA 5</a:t>
+                      </a:r>
+                    </a:p>
+                  </a:txBody>
+                  <a:tcPr/>
+                </a:tc>
+                <a:extLst>
+                  <a:ext uri="{0D108BD9-81ED-4DB2-BD59-A6C34878D82A}">
+                    <a16:rowId xmlns:a16="http://schemas.microsoft.com/office/drawing/2014/main" val="3188316089"/>
+                  </a:ext>
+                </a:extLst>
+              </a:tr>
+              <a:tr h="370840">
+                <a:tc>
+                  <a:txBody>
+                    <a:bodyPr/>
+                    <a:lstStyle/>
+                    <a:p>
+                      <a:r>
+                        <a:rPr lang="de-DE" dirty="0"/>
+                        <a:t>Cluster </a:t>
+                      </a:r>
+                      <a:r>
+                        <a:rPr lang="de-DE" dirty="0" err="1"/>
+                        <a:t>center</a:t>
+                      </a:r>
+                      <a:r>
+                        <a:rPr lang="de-DE" dirty="0"/>
+                        <a:t> 1</a:t>
+                      </a:r>
+                    </a:p>
+                  </a:txBody>
+                  <a:tcPr/>
+                </a:tc>
+                <a:tc>
+                  <a:txBody>
+                    <a:bodyPr/>
+                    <a:lstStyle/>
+                    <a:p>
+                      <a:r>
+                        <a:rPr lang="de-DE" dirty="0"/>
+                        <a:t>-20.7</a:t>
+                      </a:r>
+                    </a:p>
+                  </a:txBody>
+                  <a:tcPr/>
+                </a:tc>
+                <a:tc>
+                  <a:txBody>
+                    <a:bodyPr/>
+                    <a:lstStyle/>
+                    <a:p>
+                      <a:r>
+                        <a:rPr lang="de-DE" dirty="0"/>
+                        <a:t>16.2</a:t>
+                      </a:r>
+                    </a:p>
+                  </a:txBody>
+                  <a:tcPr/>
+                </a:tc>
+                <a:tc>
+                  <a:txBody>
+                    <a:bodyPr/>
+                    <a:lstStyle/>
+                    <a:p>
+                      <a:r>
+                        <a:rPr lang="de-DE" dirty="0"/>
+                        <a:t>43.6</a:t>
+                      </a:r>
+                    </a:p>
+                  </a:txBody>
+                  <a:tcPr/>
+                </a:tc>
+                <a:tc>
+                  <a:txBody>
+                    <a:bodyPr/>
+                    <a:lstStyle/>
+                    <a:p>
+                      <a:r>
+                        <a:rPr lang="de-DE" dirty="0"/>
+                        <a:t>10.6</a:t>
+                      </a:r>
+                    </a:p>
+                  </a:txBody>
+                  <a:tcPr/>
+                </a:tc>
+                <a:tc>
+                  <a:txBody>
+                    <a:bodyPr/>
+                    <a:lstStyle/>
+                    <a:p>
+                      <a:r>
+                        <a:rPr lang="de-DE" dirty="0"/>
+                        <a:t>13.2</a:t>
+                      </a:r>
+                    </a:p>
+                  </a:txBody>
+                  <a:tcPr/>
+                </a:tc>
+                <a:extLst>
+                  <a:ext uri="{0D108BD9-81ED-4DB2-BD59-A6C34878D82A}">
+                    <a16:rowId xmlns:a16="http://schemas.microsoft.com/office/drawing/2014/main" val="1279933012"/>
+                  </a:ext>
+                </a:extLst>
+              </a:tr>
+              <a:tr h="370840">
+                <a:tc>
+                  <a:txBody>
+                    <a:bodyPr/>
+                    <a:lstStyle/>
+                    <a:p>
+                      <a:r>
+                        <a:rPr lang="de-DE" dirty="0"/>
+                        <a:t>Cluster </a:t>
+                      </a:r>
+                      <a:r>
+                        <a:rPr lang="de-DE" dirty="0" err="1"/>
+                        <a:t>center</a:t>
+                      </a:r>
+                      <a:r>
+                        <a:rPr lang="de-DE" dirty="0"/>
+                        <a:t> 2</a:t>
+                      </a:r>
+                    </a:p>
+                  </a:txBody>
+                  <a:tcPr/>
+                </a:tc>
+                <a:tc>
+                  <a:txBody>
+                    <a:bodyPr/>
+                    <a:lstStyle/>
+                    <a:p>
+                      <a:r>
+                        <a:rPr lang="de-DE" dirty="0"/>
+                        <a:t>-44.2</a:t>
+                      </a:r>
+                    </a:p>
+                  </a:txBody>
+                  <a:tcPr/>
+                </a:tc>
+                <a:tc>
+                  <a:txBody>
+                    <a:bodyPr/>
+                    <a:lstStyle/>
+                    <a:p>
+                      <a:r>
+                        <a:rPr lang="de-DE" dirty="0"/>
+                        <a:t>-6.85</a:t>
+                      </a:r>
+                    </a:p>
+                  </a:txBody>
+                  <a:tcPr/>
+                </a:tc>
+                <a:tc>
+                  <a:txBody>
+                    <a:bodyPr/>
+                    <a:lstStyle/>
+                    <a:p>
+                      <a:r>
+                        <a:rPr lang="de-DE" dirty="0"/>
+                        <a:t>-31.0</a:t>
+                      </a:r>
+                    </a:p>
+                  </a:txBody>
+                  <a:tcPr/>
+                </a:tc>
+                <a:tc>
+                  <a:txBody>
+                    <a:bodyPr/>
+                    <a:lstStyle/>
+                    <a:p>
+                      <a:r>
+                        <a:rPr lang="de-DE" dirty="0"/>
+                        <a:t>0.38</a:t>
+                      </a:r>
+                    </a:p>
+                  </a:txBody>
+                  <a:tcPr/>
+                </a:tc>
+                <a:tc>
+                  <a:txBody>
+                    <a:bodyPr/>
+                    <a:lstStyle/>
+                    <a:p>
+                      <a:r>
+                        <a:rPr lang="de-DE" dirty="0"/>
+                        <a:t>11.8</a:t>
+                      </a:r>
+                    </a:p>
+                  </a:txBody>
+                  <a:tcPr/>
+                </a:tc>
+                <a:extLst>
+                  <a:ext uri="{0D108BD9-81ED-4DB2-BD59-A6C34878D82A}">
+                    <a16:rowId xmlns:a16="http://schemas.microsoft.com/office/drawing/2014/main" val="3206908350"/>
+                  </a:ext>
+                </a:extLst>
+              </a:tr>
+            </a:tbl>
+          </a:graphicData>
+        </a:graphic>
+      </p:graphicFrame>
+    </p:spTree>
+    <p:extLst>
+      <p:ext uri="{BB962C8B-B14F-4D97-AF65-F5344CB8AC3E}">
+        <p14:creationId xmlns:p14="http://schemas.microsoft.com/office/powerpoint/2010/main" val="3934137830"/>
+      </p:ext>
+    </p:extLst>
+  </p:cSld>
+  <p:clrMapOvr>
+    <a:masterClrMapping/>
+  </p:clrMapOvr>
+</p:sld>
+</file>
+
+<file path=ppt/slides/slide4.xml><?xml version="1.0" encoding="utf-8"?>
+<p:sld xmlns:a="http://schemas.openxmlformats.org/drawingml/2006/main" xmlns:r="http://schemas.openxmlformats.org/officeDocument/2006/relationships" xmlns:p="http://schemas.openxmlformats.org/presentationml/2006/main">
+  <p:cSld>
+    <p:spTree>
+      <p:nvGrpSpPr>
+        <p:cNvPr id="1" name=""/>
+        <p:cNvGrpSpPr/>
+        <p:nvPr/>
+      </p:nvGrpSpPr>
+      <p:grpSpPr>
+        <a:xfrm>
+          <a:off x="0" y="0"/>
+          <a:ext cx="0" cy="0"/>
+          <a:chOff x="0" y="0"/>
+          <a:chExt cx="0" cy="0"/>
+        </a:xfrm>
+      </p:grpSpPr>
+      <p:sp>
+        <p:nvSpPr>
+          <p:cNvPr id="2" name="Titel 1">
+            <a:extLst>
+              <a:ext uri="{FF2B5EF4-FFF2-40B4-BE49-F238E27FC236}">
+                <a16:creationId xmlns:a16="http://schemas.microsoft.com/office/drawing/2014/main" id="{FC97252C-9834-4C21-A740-B92A801C82EA}"/>
+              </a:ext>
+            </a:extLst>
+          </p:cNvPr>
+          <p:cNvSpPr>
+            <a:spLocks noGrp="1"/>
+          </p:cNvSpPr>
+          <p:nvPr>
+            <p:ph type="title"/>
+          </p:nvPr>
+        </p:nvSpPr>
+        <p:spPr/>
+        <p:txBody>
+          <a:bodyPr/>
+          <a:lstStyle/>
+          <a:p>
+            <a:r>
+              <a:rPr lang="de-DE" dirty="0" err="1"/>
+              <a:t>kppcentroids</a:t>
+            </a:r>
+            <a:r>
+              <a:rPr lang="de-DE" dirty="0"/>
+              <a:t>()</a:t>
+            </a:r>
+          </a:p>
+        </p:txBody>
+      </p:sp>
+      <p:pic>
+        <p:nvPicPr>
+          <p:cNvPr id="4" name="Inhaltsplatzhalter 3">
+            <a:extLst>
+              <a:ext uri="{FF2B5EF4-FFF2-40B4-BE49-F238E27FC236}">
+                <a16:creationId xmlns:a16="http://schemas.microsoft.com/office/drawing/2014/main" id="{E26DF3F0-7BD7-4582-AC7A-D9483E7768FB}"/>
+              </a:ext>
+            </a:extLst>
+          </p:cNvPr>
+          <p:cNvPicPr>
+            <a:picLocks noGrp="1" noChangeAspect="1"/>
+          </p:cNvPicPr>
+          <p:nvPr>
+            <p:ph idx="1"/>
+          </p:nvPr>
+        </p:nvPicPr>
+        <p:blipFill>
+          <a:blip r:embed="rId2"/>
+          <a:stretch>
+            <a:fillRect/>
+          </a:stretch>
+        </p:blipFill>
+        <p:spPr>
+          <a:xfrm>
+            <a:off x="1111250" y="1495219"/>
+            <a:ext cx="8934450" cy="4676981"/>
+          </a:xfrm>
+          <a:prstGeom prst="rect">
+            <a:avLst/>
+          </a:prstGeom>
+        </p:spPr>
+      </p:pic>
+      <p:graphicFrame>
+        <p:nvGraphicFramePr>
+          <p:cNvPr id="5" name="Tabelle 4">
+            <a:extLst>
+              <a:ext uri="{FF2B5EF4-FFF2-40B4-BE49-F238E27FC236}">
+                <a16:creationId xmlns:a16="http://schemas.microsoft.com/office/drawing/2014/main" id="{C43247DA-04C4-4657-82A9-E9CEB0366268}"/>
+              </a:ext>
+            </a:extLst>
+          </p:cNvPr>
+          <p:cNvGraphicFramePr>
+            <a:graphicFrameLocks noGrp="1"/>
+          </p:cNvGraphicFramePr>
+          <p:nvPr>
+            <p:extLst>
+              <p:ext uri="{D42A27DB-BD31-4B8C-83A1-F6EECF244321}">
+                <p14:modId xmlns:p14="http://schemas.microsoft.com/office/powerpoint/2010/main" val="4198210468"/>
+              </p:ext>
+            </p:extLst>
+          </p:nvPr>
+        </p:nvGraphicFramePr>
+        <p:xfrm>
+          <a:off x="8839200" y="1495219"/>
+          <a:ext cx="2838274" cy="3875669"/>
+        </p:xfrm>
+        <a:graphic>
+          <a:graphicData uri="http://schemas.openxmlformats.org/drawingml/2006/table">
+            <a:tbl>
+              <a:tblPr firstRow="1" bandRow="1">
+                <a:tableStyleId>{5C22544A-7EE6-4342-B048-85BDC9FD1C3A}</a:tableStyleId>
+              </a:tblPr>
+              <a:tblGrid>
+                <a:gridCol w="1419137">
+                  <a:extLst>
+                    <a:ext uri="{9D8B030D-6E8A-4147-A177-3AD203B41FA5}">
+                      <a16:colId xmlns:a16="http://schemas.microsoft.com/office/drawing/2014/main" val="1771093890"/>
+                    </a:ext>
+                  </a:extLst>
+                </a:gridCol>
+                <a:gridCol w="1419137">
+                  <a:extLst>
+                    <a:ext uri="{9D8B030D-6E8A-4147-A177-3AD203B41FA5}">
+                      <a16:colId xmlns:a16="http://schemas.microsoft.com/office/drawing/2014/main" val="874570437"/>
+                    </a:ext>
+                  </a:extLst>
+                </a:gridCol>
+              </a:tblGrid>
+              <a:tr h="553667">
+                <a:tc>
+                  <a:txBody>
+                    <a:bodyPr/>
+                    <a:lstStyle/>
+                    <a:p>
+                      <a:r>
+                        <a:rPr lang="de-DE" dirty="0" err="1"/>
+                        <a:t>prob_array</a:t>
+                      </a:r>
+                      <a:endParaRPr lang="de-DE" dirty="0"/>
+                    </a:p>
+                  </a:txBody>
+                  <a:tcPr/>
+                </a:tc>
+                <a:tc>
+                  <a:txBody>
+                    <a:bodyPr/>
+                    <a:lstStyle/>
+                    <a:p>
+                      <a:r>
+                        <a:rPr lang="de-DE" dirty="0" err="1"/>
+                        <a:t>probability</a:t>
+                      </a:r>
+                      <a:endParaRPr lang="de-DE" dirty="0"/>
+                    </a:p>
+                  </a:txBody>
+                  <a:tcPr/>
+                </a:tc>
+                <a:extLst>
+                  <a:ext uri="{0D108BD9-81ED-4DB2-BD59-A6C34878D82A}">
+                    <a16:rowId xmlns:a16="http://schemas.microsoft.com/office/drawing/2014/main" val="247425078"/>
+                  </a:ext>
+                </a:extLst>
+              </a:tr>
+              <a:tr h="553667">
+                <a:tc>
+                  <a:txBody>
+                    <a:bodyPr/>
+                    <a:lstStyle/>
+                    <a:p>
+                      <a:r>
+                        <a:rPr lang="de-DE" dirty="0"/>
+                        <a:t>PBMC 1</a:t>
+                      </a:r>
+                    </a:p>
+                  </a:txBody>
+                  <a:tcPr/>
+                </a:tc>
+                <a:tc>
+                  <a:txBody>
+                    <a:bodyPr/>
+                    <a:lstStyle/>
+                    <a:p>
+                      <a:r>
+                        <a:rPr lang="de-DE" dirty="0"/>
+                        <a:t>4.3 * 10</a:t>
+                      </a:r>
+                      <a:r>
+                        <a:rPr lang="de-DE" baseline="30000" dirty="0"/>
+                        <a:t>-4</a:t>
+                      </a:r>
+                      <a:endParaRPr lang="de-DE" dirty="0"/>
+                    </a:p>
+                  </a:txBody>
+                  <a:tcPr/>
+                </a:tc>
+                <a:extLst>
+                  <a:ext uri="{0D108BD9-81ED-4DB2-BD59-A6C34878D82A}">
+                    <a16:rowId xmlns:a16="http://schemas.microsoft.com/office/drawing/2014/main" val="2278780989"/>
+                  </a:ext>
+                </a:extLst>
+              </a:tr>
+              <a:tr h="553667">
+                <a:tc>
+                  <a:txBody>
+                    <a:bodyPr/>
+                    <a:lstStyle/>
+                    <a:p>
+                      <a:r>
+                        <a:rPr lang="de-DE" dirty="0"/>
+                        <a:t>PBMC 2</a:t>
+                      </a:r>
+                    </a:p>
+                  </a:txBody>
+                  <a:tcPr/>
+                </a:tc>
+                <a:tc>
+                  <a:txBody>
+                    <a:bodyPr/>
+                    <a:lstStyle/>
+                    <a:p>
+                      <a:r>
+                        <a:rPr lang="de-DE" dirty="0"/>
+                        <a:t>9,9 * 10</a:t>
+                      </a:r>
+                      <a:r>
+                        <a:rPr lang="de-DE" baseline="30000" dirty="0"/>
+                        <a:t>-5</a:t>
+                      </a:r>
+                      <a:endParaRPr lang="de-DE" dirty="0"/>
+                    </a:p>
+                  </a:txBody>
+                  <a:tcPr/>
+                </a:tc>
+                <a:extLst>
+                  <a:ext uri="{0D108BD9-81ED-4DB2-BD59-A6C34878D82A}">
+                    <a16:rowId xmlns:a16="http://schemas.microsoft.com/office/drawing/2014/main" val="545129807"/>
+                  </a:ext>
+                </a:extLst>
+              </a:tr>
+              <a:tr h="553667">
+                <a:tc>
+                  <a:txBody>
+                    <a:bodyPr/>
+                    <a:lstStyle/>
+                    <a:p>
+                      <a:r>
+                        <a:rPr lang="de-DE" dirty="0"/>
+                        <a:t>PBMC 3</a:t>
+                      </a:r>
+                    </a:p>
+                  </a:txBody>
+                  <a:tcPr/>
+                </a:tc>
+                <a:tc>
+                  <a:txBody>
+                    <a:bodyPr/>
+                    <a:lstStyle/>
+                    <a:p>
+                      <a:r>
+                        <a:rPr lang="de-DE" dirty="0"/>
+                        <a:t>3,9 * 10</a:t>
+                      </a:r>
+                      <a:r>
+                        <a:rPr lang="de-DE" baseline="30000" dirty="0"/>
+                        <a:t>-4</a:t>
+                      </a:r>
+                      <a:endParaRPr lang="de-DE" dirty="0"/>
+                    </a:p>
+                  </a:txBody>
+                  <a:tcPr/>
+                </a:tc>
+                <a:extLst>
+                  <a:ext uri="{0D108BD9-81ED-4DB2-BD59-A6C34878D82A}">
+                    <a16:rowId xmlns:a16="http://schemas.microsoft.com/office/drawing/2014/main" val="2258457379"/>
+                  </a:ext>
+                </a:extLst>
+              </a:tr>
+              <a:tr h="553667">
+                <a:tc>
+                  <a:txBody>
+                    <a:bodyPr/>
+                    <a:lstStyle/>
+                    <a:p>
+                      <a:r>
+                        <a:rPr lang="de-DE" dirty="0"/>
+                        <a:t>PBMC 4</a:t>
+                      </a:r>
+                    </a:p>
+                  </a:txBody>
+                  <a:tcPr/>
+                </a:tc>
+                <a:tc>
+                  <a:txBody>
+                    <a:bodyPr/>
+                    <a:lstStyle/>
+                    <a:p>
+                      <a:r>
+                        <a:rPr lang="de-DE" dirty="0"/>
+                        <a:t>2,4 * 10</a:t>
+                      </a:r>
+                      <a:r>
+                        <a:rPr lang="de-DE" baseline="30000" dirty="0"/>
+                        <a:t>-4</a:t>
+                      </a:r>
+                      <a:endParaRPr lang="de-DE" dirty="0"/>
+                    </a:p>
+                  </a:txBody>
+                  <a:tcPr/>
+                </a:tc>
+                <a:extLst>
+                  <a:ext uri="{0D108BD9-81ED-4DB2-BD59-A6C34878D82A}">
+                    <a16:rowId xmlns:a16="http://schemas.microsoft.com/office/drawing/2014/main" val="2785477226"/>
+                  </a:ext>
+                </a:extLst>
+              </a:tr>
+              <a:tr h="553667">
+                <a:tc>
+                  <a:txBody>
+                    <a:bodyPr/>
+                    <a:lstStyle/>
+                    <a:p>
+                      <a:r>
+                        <a:rPr lang="de-DE" dirty="0"/>
+                        <a:t>….</a:t>
+                      </a:r>
+                    </a:p>
+                  </a:txBody>
+                  <a:tcPr/>
+                </a:tc>
+                <a:tc>
+                  <a:txBody>
+                    <a:bodyPr/>
+                    <a:lstStyle/>
+                    <a:p>
+                      <a:r>
+                        <a:rPr lang="de-DE" dirty="0"/>
+                        <a:t>….</a:t>
+                      </a:r>
+                    </a:p>
+                  </a:txBody>
+                  <a:tcPr/>
+                </a:tc>
+                <a:extLst>
+                  <a:ext uri="{0D108BD9-81ED-4DB2-BD59-A6C34878D82A}">
+                    <a16:rowId xmlns:a16="http://schemas.microsoft.com/office/drawing/2014/main" val="458262790"/>
+                  </a:ext>
+                </a:extLst>
+              </a:tr>
+              <a:tr h="553667">
+                <a:tc>
+                  <a:txBody>
+                    <a:bodyPr/>
+                    <a:lstStyle/>
+                    <a:p>
+                      <a:r>
+                        <a:rPr lang="de-DE" dirty="0"/>
+                        <a:t>PBMC  2511</a:t>
+                      </a:r>
+                    </a:p>
+                  </a:txBody>
+                  <a:tcPr/>
+                </a:tc>
+                <a:tc>
+                  <a:txBody>
+                    <a:bodyPr/>
+                    <a:lstStyle/>
+                    <a:p>
+                      <a:r>
+                        <a:rPr lang="de-DE" dirty="0"/>
+                        <a:t>3,4 * 10</a:t>
+                      </a:r>
+                      <a:r>
+                        <a:rPr lang="de-DE" baseline="30000" dirty="0"/>
+                        <a:t>-4</a:t>
+                      </a:r>
+                      <a:endParaRPr lang="de-DE" dirty="0"/>
+                    </a:p>
+                  </a:txBody>
+                  <a:tcPr/>
+                </a:tc>
+                <a:extLst>
+                  <a:ext uri="{0D108BD9-81ED-4DB2-BD59-A6C34878D82A}">
+                    <a16:rowId xmlns:a16="http://schemas.microsoft.com/office/drawing/2014/main" val="1055413369"/>
+                  </a:ext>
+                </a:extLst>
+              </a:tr>
+            </a:tbl>
+          </a:graphicData>
+        </a:graphic>
+      </p:graphicFrame>
+    </p:spTree>
+    <p:extLst>
+      <p:ext uri="{BB962C8B-B14F-4D97-AF65-F5344CB8AC3E}">
+        <p14:creationId xmlns:p14="http://schemas.microsoft.com/office/powerpoint/2010/main" val="559294164"/>
+      </p:ext>
+    </p:extLst>
+  </p:cSld>
+  <p:clrMapOvr>
+    <a:masterClrMapping/>
+  </p:clrMapOvr>
+</p:sld>
+</file>
+
+<file path=ppt/slides/slide5.xml><?xml version="1.0" encoding="utf-8"?>
+<p:sld xmlns:a="http://schemas.openxmlformats.org/drawingml/2006/main" xmlns:r="http://schemas.openxmlformats.org/officeDocument/2006/relationships" xmlns:p="http://schemas.openxmlformats.org/presentationml/2006/main">
+  <p:cSld>
+    <p:spTree>
+      <p:nvGrpSpPr>
+        <p:cNvPr id="1" name=""/>
+        <p:cNvGrpSpPr/>
+        <p:nvPr/>
+      </p:nvGrpSpPr>
+      <p:grpSpPr>
+        <a:xfrm>
+          <a:off x="0" y="0"/>
+          <a:ext cx="0" cy="0"/>
+          <a:chOff x="0" y="0"/>
+          <a:chExt cx="0" cy="0"/>
+        </a:xfrm>
+      </p:grpSpPr>
+      <p:sp>
+        <p:nvSpPr>
+          <p:cNvPr id="2" name="Titel 1">
+            <a:extLst>
+              <a:ext uri="{FF2B5EF4-FFF2-40B4-BE49-F238E27FC236}">
+                <a16:creationId xmlns:a16="http://schemas.microsoft.com/office/drawing/2014/main" id="{3D46A384-F22C-4A47-AD7C-8F3B0B2ED173}"/>
+              </a:ext>
+            </a:extLst>
+          </p:cNvPr>
+          <p:cNvSpPr>
+            <a:spLocks noGrp="1"/>
+          </p:cNvSpPr>
+          <p:nvPr>
+            <p:ph type="title"/>
+          </p:nvPr>
+        </p:nvSpPr>
+        <p:spPr/>
+        <p:txBody>
+          <a:bodyPr/>
+          <a:lstStyle/>
+          <a:p>
+            <a:endParaRPr lang="de-DE"/>
+          </a:p>
+        </p:txBody>
+      </p:sp>
+      <p:pic>
+        <p:nvPicPr>
+          <p:cNvPr id="5" name="Inhaltsplatzhalter 4">
+            <a:extLst>
+              <a:ext uri="{FF2B5EF4-FFF2-40B4-BE49-F238E27FC236}">
+                <a16:creationId xmlns:a16="http://schemas.microsoft.com/office/drawing/2014/main" id="{AC35D987-8CCA-4BA3-89F0-DDE4F523FEA0}"/>
+              </a:ext>
+            </a:extLst>
+          </p:cNvPr>
+          <p:cNvPicPr>
+            <a:picLocks noGrp="1" noChangeAspect="1"/>
+          </p:cNvPicPr>
+          <p:nvPr>
+            <p:ph idx="1"/>
+          </p:nvPr>
+        </p:nvPicPr>
+        <p:blipFill>
+          <a:blip r:embed="rId2"/>
+          <a:stretch>
+            <a:fillRect/>
+          </a:stretch>
+        </p:blipFill>
+        <p:spPr>
+          <a:xfrm>
+            <a:off x="4967935" y="473848"/>
+            <a:ext cx="2958257" cy="2955154"/>
+          </a:xfrm>
+          <a:prstGeom prst="rect">
+            <a:avLst/>
+          </a:prstGeom>
+        </p:spPr>
+      </p:pic>
+      <p:pic>
+        <p:nvPicPr>
+          <p:cNvPr id="4" name="Grafik 3">
+            <a:extLst>
+              <a:ext uri="{FF2B5EF4-FFF2-40B4-BE49-F238E27FC236}">
+                <a16:creationId xmlns:a16="http://schemas.microsoft.com/office/drawing/2014/main" id="{4E85113A-98D1-4616-AA34-AB6B3A53F8C4}"/>
+              </a:ext>
+            </a:extLst>
+          </p:cNvPr>
+          <p:cNvPicPr>
+            <a:picLocks noChangeAspect="1"/>
+          </p:cNvPicPr>
+          <p:nvPr/>
+        </p:nvPicPr>
+        <p:blipFill>
+          <a:blip r:embed="rId3"/>
+          <a:stretch>
+            <a:fillRect/>
+          </a:stretch>
+        </p:blipFill>
+        <p:spPr>
+          <a:xfrm>
+            <a:off x="2045282" y="484818"/>
+            <a:ext cx="2958257" cy="2933213"/>
+          </a:xfrm>
+          <a:prstGeom prst="rect">
+            <a:avLst/>
+          </a:prstGeom>
+        </p:spPr>
+      </p:pic>
+      <p:pic>
+        <p:nvPicPr>
+          <p:cNvPr id="8" name="Grafik 7">
+            <a:extLst>
+              <a:ext uri="{FF2B5EF4-FFF2-40B4-BE49-F238E27FC236}">
+                <a16:creationId xmlns:a16="http://schemas.microsoft.com/office/drawing/2014/main" id="{BE25E719-AD68-40C5-ACC1-88F05EBD48E9}"/>
+              </a:ext>
+            </a:extLst>
+          </p:cNvPr>
+          <p:cNvPicPr>
+            <a:picLocks noChangeAspect="1"/>
+          </p:cNvPicPr>
+          <p:nvPr/>
+        </p:nvPicPr>
+        <p:blipFill>
+          <a:blip r:embed="rId4"/>
+          <a:stretch>
+            <a:fillRect/>
+          </a:stretch>
+        </p:blipFill>
+        <p:spPr>
+          <a:xfrm>
+            <a:off x="7925642" y="480039"/>
+            <a:ext cx="2958258" cy="2942770"/>
+          </a:xfrm>
+          <a:prstGeom prst="rect">
+            <a:avLst/>
+          </a:prstGeom>
+        </p:spPr>
+      </p:pic>
+      <p:pic>
+        <p:nvPicPr>
+          <p:cNvPr id="9" name="Grafik 8">
+            <a:extLst>
+              <a:ext uri="{FF2B5EF4-FFF2-40B4-BE49-F238E27FC236}">
+                <a16:creationId xmlns:a16="http://schemas.microsoft.com/office/drawing/2014/main" id="{762E0C0A-9BCE-4A3E-A299-7140D7603884}"/>
+              </a:ext>
+            </a:extLst>
+          </p:cNvPr>
+          <p:cNvPicPr>
+            <a:picLocks noChangeAspect="1"/>
+          </p:cNvPicPr>
+          <p:nvPr/>
+        </p:nvPicPr>
+        <p:blipFill>
+          <a:blip r:embed="rId5"/>
+          <a:stretch>
+            <a:fillRect/>
+          </a:stretch>
+        </p:blipFill>
+        <p:spPr>
+          <a:xfrm>
+            <a:off x="1984734" y="3439971"/>
+            <a:ext cx="3079352" cy="3030680"/>
+          </a:xfrm>
+          <a:prstGeom prst="rect">
+            <a:avLst/>
+          </a:prstGeom>
+        </p:spPr>
+      </p:pic>
+      <p:pic>
+        <p:nvPicPr>
+          <p:cNvPr id="10" name="Grafik 9">
+            <a:extLst>
+              <a:ext uri="{FF2B5EF4-FFF2-40B4-BE49-F238E27FC236}">
+                <a16:creationId xmlns:a16="http://schemas.microsoft.com/office/drawing/2014/main" id="{EF7CE7BB-A637-44E2-856C-EA2D818D0725}"/>
+              </a:ext>
+            </a:extLst>
+          </p:cNvPr>
+          <p:cNvPicPr>
+            <a:picLocks noChangeAspect="1"/>
+          </p:cNvPicPr>
+          <p:nvPr/>
+        </p:nvPicPr>
+        <p:blipFill>
+          <a:blip r:embed="rId6"/>
+          <a:stretch>
+            <a:fillRect/>
+          </a:stretch>
+        </p:blipFill>
+        <p:spPr>
+          <a:xfrm>
+            <a:off x="4967935" y="3429000"/>
+            <a:ext cx="3046869" cy="3030680"/>
+          </a:xfrm>
+          <a:prstGeom prst="rect">
+            <a:avLst/>
+          </a:prstGeom>
+        </p:spPr>
+      </p:pic>
+      <p:pic>
+        <p:nvPicPr>
+          <p:cNvPr id="11" name="Grafik 10">
+            <a:extLst>
+              <a:ext uri="{FF2B5EF4-FFF2-40B4-BE49-F238E27FC236}">
+                <a16:creationId xmlns:a16="http://schemas.microsoft.com/office/drawing/2014/main" id="{734D97A8-34BC-42F5-B04B-B1A565828F82}"/>
+              </a:ext>
+            </a:extLst>
+          </p:cNvPr>
+          <p:cNvPicPr>
+            <a:picLocks noChangeAspect="1"/>
+          </p:cNvPicPr>
+          <p:nvPr/>
+        </p:nvPicPr>
+        <p:blipFill>
+          <a:blip r:embed="rId7"/>
+          <a:stretch>
+            <a:fillRect/>
+          </a:stretch>
+        </p:blipFill>
+        <p:spPr>
+          <a:xfrm>
+            <a:off x="7961246" y="3418029"/>
+            <a:ext cx="2928379" cy="3030680"/>
+          </a:xfrm>
+          <a:prstGeom prst="rect">
+            <a:avLst/>
+          </a:prstGeom>
+        </p:spPr>
+      </p:pic>
+    </p:spTree>
+    <p:extLst>
+      <p:ext uri="{BB962C8B-B14F-4D97-AF65-F5344CB8AC3E}">
+        <p14:creationId xmlns:p14="http://schemas.microsoft.com/office/powerpoint/2010/main" val="3565641320"/>
+      </p:ext>
+    </p:extLst>
+  </p:cSld>
+  <p:clrMapOvr>
+    <a:masterClrMapping/>
+  </p:clrMapOvr>
+</p:sld>
+</file>
+
+<file path=ppt/slides/slide6.xml><?xml version="1.0" encoding="utf-8"?>
+<p:sld xmlns:a="http://schemas.openxmlformats.org/drawingml/2006/main" xmlns:r="http://schemas.openxmlformats.org/officeDocument/2006/relationships" xmlns:p="http://schemas.openxmlformats.org/presentationml/2006/main">
+  <p:cSld>
+    <p:spTree>
+      <p:nvGrpSpPr>
+        <p:cNvPr id="1" name=""/>
+        <p:cNvGrpSpPr/>
+        <p:nvPr/>
+      </p:nvGrpSpPr>
+      <p:grpSpPr>
+        <a:xfrm>
+          <a:off x="0" y="0"/>
+          <a:ext cx="0" cy="0"/>
+          <a:chOff x="0" y="0"/>
+          <a:chExt cx="0" cy="0"/>
+        </a:xfrm>
+      </p:grpSpPr>
+      <p:sp>
+        <p:nvSpPr>
+          <p:cNvPr id="2" name="Titel 1">
+            <a:extLst>
+              <a:ext uri="{FF2B5EF4-FFF2-40B4-BE49-F238E27FC236}">
                 <a16:creationId xmlns:a16="http://schemas.microsoft.com/office/drawing/2014/main" id="{6127E2ED-0AF4-4CF2-AAEB-13F7AA380770}"/>
               </a:ext>
             </a:extLst>
@@ -3962,7 +9096,7 @@
 </p:sld>
 </file>
 
-<file path=ppt/slides/slide2.xml><?xml version="1.0" encoding="utf-8"?>
+<file path=ppt/slides/slide7.xml><?xml version="1.0" encoding="utf-8"?>
 <p:sld xmlns:a="http://schemas.openxmlformats.org/drawingml/2006/main" xmlns:r="http://schemas.openxmlformats.org/officeDocument/2006/relationships" xmlns:p="http://schemas.openxmlformats.org/presentationml/2006/main">
   <p:cSld>
     <p:spTree>

--- a/final presentation b.pptx
+++ b/final presentation b.pptx
@@ -7635,6 +7635,14 @@
 <file path=ppt/slides/slide1.xml><?xml version="1.0" encoding="utf-8"?>
 <p:sld xmlns:a="http://schemas.openxmlformats.org/drawingml/2006/main" xmlns:r="http://schemas.openxmlformats.org/officeDocument/2006/relationships" xmlns:p="http://schemas.openxmlformats.org/presentationml/2006/main">
   <p:cSld>
+    <p:bg>
+      <p:bgPr>
+        <a:solidFill>
+          <a:schemeClr val="bg2"/>
+        </a:solidFill>
+        <a:effectLst/>
+      </p:bgPr>
+    </p:bg>
     <p:spTree>
       <p:nvGrpSpPr>
         <p:cNvPr id="1" name=""/>
@@ -7649,6 +7657,259 @@
           <a:chExt cx="0" cy="0"/>
         </a:xfrm>
       </p:grpSpPr>
+      <p:pic>
+        <p:nvPicPr>
+          <p:cNvPr id="4" name="Grafik 3">
+            <a:extLst>
+              <a:ext uri="{FF2B5EF4-FFF2-40B4-BE49-F238E27FC236}">
+                <a16:creationId xmlns:a16="http://schemas.microsoft.com/office/drawing/2014/main" id="{1719C15C-0295-4A3A-8379-D1CCED88ECD3}"/>
+              </a:ext>
+            </a:extLst>
+          </p:cNvPr>
+          <p:cNvPicPr>
+            <a:picLocks noChangeAspect="1"/>
+          </p:cNvPicPr>
+          <p:nvPr/>
+        </p:nvPicPr>
+        <p:blipFill rotWithShape="1">
+          <a:blip r:embed="rId2"/>
+          <a:srcRect t="26738" r="-2" b="18407"/>
+          <a:stretch/>
+        </p:blipFill>
+        <p:spPr>
+          <a:xfrm>
+            <a:off x="20" y="10"/>
+            <a:ext cx="12191980" cy="6859300"/>
+          </a:xfrm>
+          <a:prstGeom prst="rect">
+            <a:avLst/>
+          </a:prstGeom>
+        </p:spPr>
+      </p:pic>
+      <p:sp>
+        <p:nvSpPr>
+          <p:cNvPr id="9" name="Rectangle 8">
+            <a:extLst>
+              <a:ext uri="{FF2B5EF4-FFF2-40B4-BE49-F238E27FC236}">
+                <a16:creationId xmlns:a16="http://schemas.microsoft.com/office/drawing/2014/main" id="{310B1DD0-264A-47E3-A16A-C87AFA51E68A}"/>
+              </a:ext>
+              <a:ext uri="{C183D7F6-B498-43B3-948B-1728B52AA6E4}">
+                <adec:decorative xmlns:adec="http://schemas.microsoft.com/office/drawing/2017/decorative" val="1"/>
+              </a:ext>
+            </a:extLst>
+          </p:cNvPr>
+          <p:cNvSpPr>
+            <a:spLocks noGrp="1" noRot="1" noChangeAspect="1" noMove="1" noResize="1" noEditPoints="1" noAdjustHandles="1" noChangeArrowheads="1" noChangeShapeType="1" noTextEdit="1"/>
+          </p:cNvSpPr>
+          <p:nvPr>
+            <p:extLst>
+              <p:ext uri="{386F3935-93C4-4BCD-93E2-E3B085C9AB24}">
+                <p16:designElem xmlns:p16="http://schemas.microsoft.com/office/powerpoint/2015/main" val="1"/>
+              </p:ext>
+            </p:extLst>
+          </p:nvPr>
+        </p:nvSpPr>
+        <p:spPr bwMode="ltGray">
+          <a:xfrm>
+            <a:off x="-258" y="0"/>
+            <a:ext cx="12192000" cy="6858000"/>
+          </a:xfrm>
+          <a:prstGeom prst="rect">
+            <a:avLst/>
+          </a:prstGeom>
+          <a:gradFill flip="none" rotWithShape="1">
+            <a:gsLst>
+              <a:gs pos="20000">
+                <a:schemeClr val="tx2">
+                  <a:alpha val="70000"/>
+                </a:schemeClr>
+              </a:gs>
+              <a:gs pos="100000">
+                <a:schemeClr val="tx2"/>
+              </a:gs>
+            </a:gsLst>
+            <a:path path="circle">
+              <a:fillToRect l="50000" t="50000" r="50000" b="50000"/>
+            </a:path>
+            <a:tileRect/>
+          </a:gradFill>
+          <a:ln>
+            <a:noFill/>
+          </a:ln>
+        </p:spPr>
+        <p:style>
+          <a:lnRef idx="2">
+            <a:schemeClr val="accent1">
+              <a:shade val="50000"/>
+            </a:schemeClr>
+          </a:lnRef>
+          <a:fillRef idx="1">
+            <a:schemeClr val="accent1"/>
+          </a:fillRef>
+          <a:effectRef idx="0">
+            <a:schemeClr val="accent1"/>
+          </a:effectRef>
+          <a:fontRef idx="minor">
+            <a:schemeClr val="lt1"/>
+          </a:fontRef>
+        </p:style>
+        <p:txBody>
+          <a:bodyPr rtlCol="0" anchor="ctr"/>
+          <a:lstStyle/>
+          <a:p>
+            <a:pPr algn="ctr"/>
+            <a:endParaRPr lang="en-US"/>
+          </a:p>
+        </p:txBody>
+      </p:sp>
+      <p:sp>
+        <p:nvSpPr>
+          <p:cNvPr id="11" name="Freeform 6">
+            <a:extLst>
+              <a:ext uri="{FF2B5EF4-FFF2-40B4-BE49-F238E27FC236}">
+                <a16:creationId xmlns:a16="http://schemas.microsoft.com/office/drawing/2014/main" id="{69C1BB7B-F21E-41A2-B30C-D8507B960282}"/>
+              </a:ext>
+              <a:ext uri="{C183D7F6-B498-43B3-948B-1728B52AA6E4}">
+                <adec:decorative xmlns:adec="http://schemas.microsoft.com/office/drawing/2017/decorative" val="1"/>
+              </a:ext>
+            </a:extLst>
+          </p:cNvPr>
+          <p:cNvSpPr>
+            <a:spLocks noGrp="1" noRot="1" noChangeAspect="1" noMove="1" noResize="1" noEditPoints="1" noAdjustHandles="1" noChangeArrowheads="1" noChangeShapeType="1" noTextEdit="1"/>
+          </p:cNvSpPr>
+          <p:nvPr>
+            <p:extLst>
+              <p:ext uri="{386F3935-93C4-4BCD-93E2-E3B085C9AB24}">
+                <p16:designElem xmlns:p16="http://schemas.microsoft.com/office/powerpoint/2015/main" val="1"/>
+              </p:ext>
+            </p:extLst>
+          </p:nvPr>
+        </p:nvSpPr>
+        <p:spPr bwMode="auto">
+          <a:xfrm flipH="1" flipV="1">
+            <a:off x="752858" y="744469"/>
+            <a:ext cx="3275668" cy="4408488"/>
+          </a:xfrm>
+          <a:custGeom>
+            <a:avLst/>
+            <a:gdLst/>
+            <a:ahLst/>
+            <a:cxnLst/>
+            <a:rect l="l" t="t" r="r" b="b"/>
+            <a:pathLst>
+              <a:path w="10002" h="10000">
+                <a:moveTo>
+                  <a:pt x="8763" y="0"/>
+                </a:moveTo>
+                <a:lnTo>
+                  <a:pt x="10002" y="0"/>
+                </a:lnTo>
+                <a:lnTo>
+                  <a:pt x="10002" y="10000"/>
+                </a:lnTo>
+                <a:lnTo>
+                  <a:pt x="2" y="10000"/>
+                </a:lnTo>
+                <a:cubicBezTo>
+                  <a:pt x="-2" y="9698"/>
+                  <a:pt x="4" y="9427"/>
+                  <a:pt x="0" y="9125"/>
+                </a:cubicBezTo>
+                <a:lnTo>
+                  <a:pt x="8763" y="9128"/>
+                </a:lnTo>
+                <a:lnTo>
+                  <a:pt x="8763" y="0"/>
+                </a:lnTo>
+                <a:close/>
+              </a:path>
+            </a:pathLst>
+          </a:custGeom>
+          <a:solidFill>
+            <a:schemeClr val="bg2"/>
+          </a:solidFill>
+          <a:ln w="0">
+            <a:noFill/>
+            <a:prstDash val="solid"/>
+            <a:round/>
+            <a:headEnd/>
+            <a:tailEnd/>
+          </a:ln>
+        </p:spPr>
+      </p:sp>
+      <p:sp>
+        <p:nvSpPr>
+          <p:cNvPr id="13" name="Freeform 6">
+            <a:extLst>
+              <a:ext uri="{FF2B5EF4-FFF2-40B4-BE49-F238E27FC236}">
+                <a16:creationId xmlns:a16="http://schemas.microsoft.com/office/drawing/2014/main" id="{DF6D7DDE-F8A1-4105-9729-F9EB5F81A360}"/>
+              </a:ext>
+              <a:ext uri="{C183D7F6-B498-43B3-948B-1728B52AA6E4}">
+                <adec:decorative xmlns:adec="http://schemas.microsoft.com/office/drawing/2017/decorative" val="1"/>
+              </a:ext>
+            </a:extLst>
+          </p:cNvPr>
+          <p:cNvSpPr>
+            <a:spLocks noGrp="1" noRot="1" noChangeAspect="1" noMove="1" noResize="1" noEditPoints="1" noAdjustHandles="1" noChangeArrowheads="1" noChangeShapeType="1" noTextEdit="1"/>
+          </p:cNvSpPr>
+          <p:nvPr>
+            <p:extLst>
+              <p:ext uri="{386F3935-93C4-4BCD-93E2-E3B085C9AB24}">
+                <p16:designElem xmlns:p16="http://schemas.microsoft.com/office/powerpoint/2015/main" val="1"/>
+              </p:ext>
+            </p:extLst>
+          </p:nvPr>
+        </p:nvSpPr>
+        <p:spPr bwMode="auto">
+          <a:xfrm>
+            <a:off x="8151962" y="1685652"/>
+            <a:ext cx="3275013" cy="4408488"/>
+          </a:xfrm>
+          <a:custGeom>
+            <a:avLst/>
+            <a:gdLst/>
+            <a:ahLst/>
+            <a:cxnLst/>
+            <a:rect l="l" t="t" r="r" b="b"/>
+            <a:pathLst>
+              <a:path w="10000" h="10000">
+                <a:moveTo>
+                  <a:pt x="8761" y="0"/>
+                </a:moveTo>
+                <a:lnTo>
+                  <a:pt x="10000" y="0"/>
+                </a:lnTo>
+                <a:lnTo>
+                  <a:pt x="10000" y="10000"/>
+                </a:lnTo>
+                <a:lnTo>
+                  <a:pt x="0" y="10000"/>
+                </a:lnTo>
+                <a:lnTo>
+                  <a:pt x="0" y="9126"/>
+                </a:lnTo>
+                <a:lnTo>
+                  <a:pt x="8761" y="9127"/>
+                </a:lnTo>
+                <a:lnTo>
+                  <a:pt x="8761" y="0"/>
+                </a:lnTo>
+                <a:close/>
+              </a:path>
+            </a:pathLst>
+          </a:custGeom>
+          <a:solidFill>
+            <a:schemeClr val="bg2"/>
+          </a:solidFill>
+          <a:ln w="0">
+            <a:noFill/>
+            <a:prstDash val="solid"/>
+            <a:round/>
+            <a:headEnd/>
+            <a:tailEnd/>
+          </a:ln>
+        </p:spPr>
+      </p:sp>
       <p:sp>
         <p:nvSpPr>
           <p:cNvPr id="2" name="Titel 1">
@@ -7667,8 +7928,8 @@
         </p:nvSpPr>
         <p:spPr>
           <a:xfrm>
-            <a:off x="8086582" y="1314922"/>
-            <a:ext cx="3176246" cy="3000139"/>
+            <a:off x="1915128" y="1788454"/>
+            <a:ext cx="8361229" cy="2098226"/>
           </a:xfrm>
         </p:spPr>
         <p:txBody>
@@ -7677,12 +7938,14 @@
           </a:bodyPr>
           <a:lstStyle/>
           <a:p>
-            <a:pPr algn="l"/>
             <a:r>
-              <a:rPr lang="de-DE" sz="4100"/>
-              <a:t>K-means clustering project proposal</a:t>
+              <a:rPr lang="de-DE" sz="6100">
+                <a:solidFill>
+                  <a:schemeClr val="bg2"/>
+                </a:solidFill>
+              </a:rPr>
+              <a:t>K-means clustering Final presentation</a:t>
             </a:r>
-            <a:endParaRPr lang="de-DE" sz="4100" dirty="0"/>
           </a:p>
         </p:txBody>
       </p:sp>
@@ -7704,8 +7967,8 @@
         </p:nvSpPr>
         <p:spPr>
           <a:xfrm>
-            <a:off x="8086582" y="4458645"/>
-            <a:ext cx="3176246" cy="1656413"/>
+            <a:off x="2679906" y="3956279"/>
+            <a:ext cx="6831673" cy="1086237"/>
           </a:xfrm>
         </p:spPr>
         <p:txBody>
@@ -7714,66 +7977,18 @@
           </a:bodyPr>
           <a:lstStyle/>
           <a:p>
-            <a:pPr algn="l">
+            <a:pPr>
               <a:spcAft>
                 <a:spcPts val="600"/>
               </a:spcAft>
             </a:pPr>
             <a:r>
-              <a:rPr lang="de-DE" sz="2000" dirty="0">
+              <a:rPr lang="de-DE">
                 <a:solidFill>
-                  <a:schemeClr val="tx1"/>
+                  <a:schemeClr val="bg2"/>
                 </a:solidFill>
               </a:rPr>
-              <a:t>Data </a:t>
-            </a:r>
-            <a:r>
-              <a:rPr lang="de-DE" sz="2000" dirty="0" err="1">
-                <a:solidFill>
-                  <a:schemeClr val="tx1"/>
-                </a:solidFill>
-              </a:rPr>
-              <a:t>analysis</a:t>
-            </a:r>
-            <a:r>
-              <a:rPr lang="de-DE" sz="2000" dirty="0">
-                <a:solidFill>
-                  <a:schemeClr val="tx1"/>
-                </a:solidFill>
-              </a:rPr>
-              <a:t> </a:t>
-            </a:r>
-            <a:r>
-              <a:rPr lang="de-DE" sz="2000" dirty="0" err="1">
-                <a:solidFill>
-                  <a:schemeClr val="tx1"/>
-                </a:solidFill>
-              </a:rPr>
-              <a:t>project</a:t>
-            </a:r>
-            <a:r>
-              <a:rPr lang="de-DE" sz="2000" dirty="0">
-                <a:solidFill>
-                  <a:schemeClr val="tx1"/>
-                </a:solidFill>
-              </a:rPr>
-              <a:t> 4, </a:t>
-            </a:r>
-            <a:r>
-              <a:rPr lang="de-DE" sz="2000" dirty="0" err="1">
-                <a:solidFill>
-                  <a:schemeClr val="tx1"/>
-                </a:solidFill>
-              </a:rPr>
-              <a:t>group</a:t>
-            </a:r>
-            <a:r>
-              <a:rPr lang="de-DE" sz="2000" dirty="0">
-                <a:solidFill>
-                  <a:schemeClr val="tx1"/>
-                </a:solidFill>
-              </a:rPr>
-              <a:t> 2</a:t>
+              <a:t>Data analysis project 4, group 2</a:t>
             </a:r>
           </a:p>
         </p:txBody>
